--- a/Book-PPT/Chap4.pptx
+++ b/Book-PPT/Chap4.pptx
@@ -9,55 +9,65 @@
     <p:sldId id="301" r:id="rId3"/>
     <p:sldId id="257" r:id="rId4"/>
     <p:sldId id="258" r:id="rId5"/>
-    <p:sldId id="302" r:id="rId6"/>
-    <p:sldId id="259" r:id="rId7"/>
-    <p:sldId id="260" r:id="rId8"/>
-    <p:sldId id="308" r:id="rId9"/>
-    <p:sldId id="261" r:id="rId10"/>
-    <p:sldId id="262" r:id="rId11"/>
-    <p:sldId id="263" r:id="rId12"/>
-    <p:sldId id="264" r:id="rId13"/>
-    <p:sldId id="303" r:id="rId14"/>
-    <p:sldId id="265" r:id="rId15"/>
-    <p:sldId id="266" r:id="rId16"/>
-    <p:sldId id="267" r:id="rId17"/>
-    <p:sldId id="268" r:id="rId18"/>
-    <p:sldId id="269" r:id="rId19"/>
-    <p:sldId id="270" r:id="rId20"/>
-    <p:sldId id="271" r:id="rId21"/>
-    <p:sldId id="272" r:id="rId22"/>
-    <p:sldId id="273" r:id="rId23"/>
-    <p:sldId id="274" r:id="rId24"/>
-    <p:sldId id="304" r:id="rId25"/>
-    <p:sldId id="275" r:id="rId26"/>
-    <p:sldId id="276" r:id="rId27"/>
-    <p:sldId id="277" r:id="rId28"/>
-    <p:sldId id="278" r:id="rId29"/>
-    <p:sldId id="280" r:id="rId30"/>
-    <p:sldId id="281" r:id="rId31"/>
-    <p:sldId id="279" r:id="rId32"/>
-    <p:sldId id="282" r:id="rId33"/>
-    <p:sldId id="283" r:id="rId34"/>
-    <p:sldId id="284" r:id="rId35"/>
-    <p:sldId id="305" r:id="rId36"/>
-    <p:sldId id="285" r:id="rId37"/>
-    <p:sldId id="286" r:id="rId38"/>
-    <p:sldId id="287" r:id="rId39"/>
-    <p:sldId id="288" r:id="rId40"/>
-    <p:sldId id="290" r:id="rId41"/>
-    <p:sldId id="291" r:id="rId42"/>
-    <p:sldId id="306" r:id="rId43"/>
-    <p:sldId id="289" r:id="rId44"/>
-    <p:sldId id="292" r:id="rId45"/>
-    <p:sldId id="293" r:id="rId46"/>
-    <p:sldId id="294" r:id="rId47"/>
-    <p:sldId id="295" r:id="rId48"/>
-    <p:sldId id="296" r:id="rId49"/>
-    <p:sldId id="297" r:id="rId50"/>
-    <p:sldId id="298" r:id="rId51"/>
-    <p:sldId id="299" r:id="rId52"/>
-    <p:sldId id="300" r:id="rId53"/>
-    <p:sldId id="307" r:id="rId54"/>
+    <p:sldId id="309" r:id="rId6"/>
+    <p:sldId id="311" r:id="rId7"/>
+    <p:sldId id="302" r:id="rId8"/>
+    <p:sldId id="259" r:id="rId9"/>
+    <p:sldId id="260" r:id="rId10"/>
+    <p:sldId id="308" r:id="rId11"/>
+    <p:sldId id="261" r:id="rId12"/>
+    <p:sldId id="262" r:id="rId13"/>
+    <p:sldId id="263" r:id="rId14"/>
+    <p:sldId id="264" r:id="rId15"/>
+    <p:sldId id="310" r:id="rId16"/>
+    <p:sldId id="312" r:id="rId17"/>
+    <p:sldId id="303" r:id="rId18"/>
+    <p:sldId id="265" r:id="rId19"/>
+    <p:sldId id="266" r:id="rId20"/>
+    <p:sldId id="267" r:id="rId21"/>
+    <p:sldId id="268" r:id="rId22"/>
+    <p:sldId id="269" r:id="rId23"/>
+    <p:sldId id="270" r:id="rId24"/>
+    <p:sldId id="271" r:id="rId25"/>
+    <p:sldId id="272" r:id="rId26"/>
+    <p:sldId id="273" r:id="rId27"/>
+    <p:sldId id="313" r:id="rId28"/>
+    <p:sldId id="274" r:id="rId29"/>
+    <p:sldId id="304" r:id="rId30"/>
+    <p:sldId id="275" r:id="rId31"/>
+    <p:sldId id="276" r:id="rId32"/>
+    <p:sldId id="277" r:id="rId33"/>
+    <p:sldId id="278" r:id="rId34"/>
+    <p:sldId id="280" r:id="rId35"/>
+    <p:sldId id="281" r:id="rId36"/>
+    <p:sldId id="279" r:id="rId37"/>
+    <p:sldId id="282" r:id="rId38"/>
+    <p:sldId id="283" r:id="rId39"/>
+    <p:sldId id="284" r:id="rId40"/>
+    <p:sldId id="314" r:id="rId41"/>
+    <p:sldId id="318" r:id="rId42"/>
+    <p:sldId id="319" r:id="rId43"/>
+    <p:sldId id="305" r:id="rId44"/>
+    <p:sldId id="285" r:id="rId45"/>
+    <p:sldId id="286" r:id="rId46"/>
+    <p:sldId id="287" r:id="rId47"/>
+    <p:sldId id="288" r:id="rId48"/>
+    <p:sldId id="290" r:id="rId49"/>
+    <p:sldId id="291" r:id="rId50"/>
+    <p:sldId id="306" r:id="rId51"/>
+    <p:sldId id="289" r:id="rId52"/>
+    <p:sldId id="292" r:id="rId53"/>
+    <p:sldId id="293" r:id="rId54"/>
+    <p:sldId id="294" r:id="rId55"/>
+    <p:sldId id="316" r:id="rId56"/>
+    <p:sldId id="317" r:id="rId57"/>
+    <p:sldId id="295" r:id="rId58"/>
+    <p:sldId id="296" r:id="rId59"/>
+    <p:sldId id="297" r:id="rId60"/>
+    <p:sldId id="298" r:id="rId61"/>
+    <p:sldId id="299" r:id="rId62"/>
+    <p:sldId id="300" r:id="rId63"/>
+    <p:sldId id="307" r:id="rId64"/>
   </p:sldIdLst>
   <p:sldSz cx="12192000" cy="6858000"/>
   <p:notesSz cx="6858000" cy="9144000"/>
@@ -564,7 +574,7 @@
           <a:p>
             <a:fld id="{0E6BA319-05E9-49EE-8F99-CA1240CA2757}" type="datetimeFigureOut">
               <a:rPr lang="en-US" smtClean="0"/>
-              <a:t>7/27/2016</a:t>
+              <a:t>1/18/2017</a:t>
             </a:fld>
             <a:endParaRPr lang="en-US"/>
           </a:p>
@@ -768,7 +778,7 @@
           <a:p>
             <a:fld id="{0E6BA319-05E9-49EE-8F99-CA1240CA2757}" type="datetimeFigureOut">
               <a:rPr lang="en-US" smtClean="0"/>
-              <a:t>7/27/2016</a:t>
+              <a:t>1/18/2017</a:t>
             </a:fld>
             <a:endParaRPr lang="en-US"/>
           </a:p>
@@ -1531,7 +1541,7 @@
           <a:p>
             <a:fld id="{0E6BA319-05E9-49EE-8F99-CA1240CA2757}" type="datetimeFigureOut">
               <a:rPr lang="en-US" smtClean="0"/>
-              <a:t>7/27/2016</a:t>
+              <a:t>1/18/2017</a:t>
             </a:fld>
             <a:endParaRPr lang="en-US"/>
           </a:p>
@@ -1787,7 +1797,7 @@
           <a:p>
             <a:fld id="{0E6BA319-05E9-49EE-8F99-CA1240CA2757}" type="datetimeFigureOut">
               <a:rPr lang="en-US" smtClean="0"/>
-              <a:t>7/27/2016</a:t>
+              <a:t>1/18/2017</a:t>
             </a:fld>
             <a:endParaRPr lang="en-US"/>
           </a:p>
@@ -2178,7 +2188,7 @@
           <a:p>
             <a:fld id="{0E6BA319-05E9-49EE-8F99-CA1240CA2757}" type="datetimeFigureOut">
               <a:rPr lang="en-US" smtClean="0"/>
-              <a:t>7/27/2016</a:t>
+              <a:t>1/18/2017</a:t>
             </a:fld>
             <a:endParaRPr lang="en-US"/>
           </a:p>
@@ -2320,7 +2330,7 @@
           <a:p>
             <a:fld id="{0E6BA319-05E9-49EE-8F99-CA1240CA2757}" type="datetimeFigureOut">
               <a:rPr lang="en-US" smtClean="0"/>
-              <a:t>7/27/2016</a:t>
+              <a:t>1/18/2017</a:t>
             </a:fld>
             <a:endParaRPr lang="en-US"/>
           </a:p>
@@ -2439,7 +2449,7 @@
           <a:p>
             <a:fld id="{0E6BA319-05E9-49EE-8F99-CA1240CA2757}" type="datetimeFigureOut">
               <a:rPr lang="en-US" smtClean="0"/>
-              <a:t>7/27/2016</a:t>
+              <a:t>1/18/2017</a:t>
             </a:fld>
             <a:endParaRPr lang="en-US"/>
           </a:p>
@@ -2740,7 +2750,7 @@
           <a:p>
             <a:fld id="{0E6BA319-05E9-49EE-8F99-CA1240CA2757}" type="datetimeFigureOut">
               <a:rPr lang="en-US" smtClean="0"/>
-              <a:t>7/27/2016</a:t>
+              <a:t>1/18/2017</a:t>
             </a:fld>
             <a:endParaRPr lang="en-US"/>
           </a:p>
@@ -3017,7 +3027,7 @@
           <a:p>
             <a:fld id="{0E6BA319-05E9-49EE-8F99-CA1240CA2757}" type="datetimeFigureOut">
               <a:rPr lang="en-US" smtClean="0"/>
-              <a:t>7/27/2016</a:t>
+              <a:t>1/18/2017</a:t>
             </a:fld>
             <a:endParaRPr lang="en-US"/>
           </a:p>
@@ -3615,6 +3625,463 @@
           <a:chExt cx="0" cy="0"/>
         </a:xfrm>
       </p:grpSpPr>
+      <p:pic>
+        <p:nvPicPr>
+          <p:cNvPr id="4" name="Picture 3"/>
+          <p:cNvPicPr>
+            <a:picLocks noChangeAspect="1"/>
+          </p:cNvPicPr>
+          <p:nvPr/>
+        </p:nvPicPr>
+        <p:blipFill>
+          <a:blip r:embed="rId2"/>
+          <a:stretch>
+            <a:fillRect/>
+          </a:stretch>
+        </p:blipFill>
+        <p:spPr>
+          <a:xfrm>
+            <a:off x="4882372" y="493713"/>
+            <a:ext cx="7747778" cy="5683250"/>
+          </a:xfrm>
+          <a:prstGeom prst="rect">
+            <a:avLst/>
+          </a:prstGeom>
+          <a:solidFill>
+            <a:srgbClr val="FFFFFF">
+              <a:shade val="85000"/>
+            </a:srgbClr>
+          </a:solidFill>
+          <a:ln w="88900" cap="sq">
+            <a:solidFill>
+              <a:srgbClr val="FFFFFF"/>
+            </a:solidFill>
+            <a:miter lim="800000"/>
+          </a:ln>
+          <a:effectLst>
+            <a:outerShdw blurRad="55000" dist="18000" dir="5400000" algn="tl" rotWithShape="0">
+              <a:srgbClr val="000000">
+                <a:alpha val="40000"/>
+              </a:srgbClr>
+            </a:outerShdw>
+          </a:effectLst>
+          <a:scene3d>
+            <a:camera prst="orthographicFront"/>
+            <a:lightRig rig="twoPt" dir="t">
+              <a:rot lat="0" lon="0" rev="7200000"/>
+            </a:lightRig>
+          </a:scene3d>
+          <a:sp3d>
+            <a:bevelT w="25400" h="19050"/>
+            <a:contourClr>
+              <a:srgbClr val="FFFFFF"/>
+            </a:contourClr>
+          </a:sp3d>
+        </p:spPr>
+      </p:pic>
+      <p:sp>
+        <p:nvSpPr>
+          <p:cNvPr id="2" name="Title 1"/>
+          <p:cNvSpPr>
+            <a:spLocks noGrp="1"/>
+          </p:cNvSpPr>
+          <p:nvPr>
+            <p:ph type="title"/>
+          </p:nvPr>
+        </p:nvSpPr>
+        <p:spPr/>
+        <p:txBody>
+          <a:bodyPr/>
+          <a:lstStyle/>
+          <a:p>
+            <a:r>
+              <a:rPr lang="en-US" dirty="0" smtClean="0"/>
+              <a:t>4.1: _</a:t>
+            </a:r>
+            <a:r>
+              <a:rPr lang="en-US" dirty="0" err="1" smtClean="0"/>
+              <a:t>runLoop</a:t>
+            </a:r>
+            <a:r>
+              <a:rPr lang="en-US" dirty="0" smtClean="0"/>
+              <a:t>()</a:t>
+            </a:r>
+            <a:endParaRPr lang="en-US" dirty="0"/>
+          </a:p>
+        </p:txBody>
+      </p:sp>
+      <p:sp>
+        <p:nvSpPr>
+          <p:cNvPr id="3" name="Content Placeholder 2"/>
+          <p:cNvSpPr>
+            <a:spLocks noGrp="1"/>
+          </p:cNvSpPr>
+          <p:nvPr>
+            <p:ph idx="1"/>
+          </p:nvPr>
+        </p:nvSpPr>
+        <p:spPr/>
+        <p:txBody>
+          <a:bodyPr/>
+          <a:lstStyle/>
+          <a:p>
+            <a:r>
+              <a:rPr lang="en-US" dirty="0" err="1" smtClean="0"/>
+              <a:t>requestAnimationFrame</a:t>
+            </a:r>
+            <a:r>
+              <a:rPr lang="en-US" dirty="0" smtClean="0"/>
+              <a:t>()</a:t>
+            </a:r>
+          </a:p>
+          <a:p>
+            <a:pPr lvl="1"/>
+            <a:r>
+              <a:rPr lang="en-US" dirty="0" smtClean="0"/>
+              <a:t>.call(class) </a:t>
+            </a:r>
+            <a:r>
+              <a:rPr lang="en-US" dirty="0" smtClean="0">
+                <a:sym typeface="Wingdings" panose="05000000000000000000" pitchFamily="2" charset="2"/>
+              </a:rPr>
+              <a:t> syntax!</a:t>
+            </a:r>
+            <a:endParaRPr lang="en-US" dirty="0" smtClean="0"/>
+          </a:p>
+          <a:p>
+            <a:r>
+              <a:rPr lang="en-US" dirty="0" err="1" smtClean="0"/>
+              <a:t>mIsLoopRunning</a:t>
+            </a:r>
+            <a:r>
+              <a:rPr lang="en-US" dirty="0" smtClean="0"/>
+              <a:t> not checked</a:t>
+            </a:r>
+          </a:p>
+          <a:p>
+            <a:pPr lvl="1"/>
+            <a:r>
+              <a:rPr lang="en-US" dirty="0" smtClean="0"/>
+              <a:t>Will do so later</a:t>
+            </a:r>
+          </a:p>
+          <a:p>
+            <a:r>
+              <a:rPr lang="en-US" dirty="0" smtClean="0"/>
+              <a:t>No input() checking yet</a:t>
+            </a:r>
+          </a:p>
+          <a:p>
+            <a:r>
+              <a:rPr lang="en-US" dirty="0" smtClean="0"/>
+              <a:t>update() and draw()</a:t>
+            </a:r>
+          </a:p>
+          <a:p>
+            <a:pPr lvl="1"/>
+            <a:r>
+              <a:rPr lang="en-US" dirty="0" smtClean="0"/>
+              <a:t>Separated!!</a:t>
+            </a:r>
+          </a:p>
+          <a:p>
+            <a:pPr lvl="1"/>
+            <a:r>
+              <a:rPr lang="en-US" dirty="0" smtClean="0"/>
+              <a:t>No update in draw</a:t>
+            </a:r>
+          </a:p>
+          <a:p>
+            <a:pPr lvl="1"/>
+            <a:r>
+              <a:rPr lang="en-US" dirty="0" smtClean="0"/>
+              <a:t>No draw in update!!</a:t>
+            </a:r>
+            <a:endParaRPr lang="en-US" dirty="0"/>
+          </a:p>
+        </p:txBody>
+      </p:sp>
+      <p:sp>
+        <p:nvSpPr>
+          <p:cNvPr id="5" name="Rounded Rectangle 4"/>
+          <p:cNvSpPr/>
+          <p:nvPr/>
+        </p:nvSpPr>
+        <p:spPr>
+          <a:xfrm>
+            <a:off x="5431849" y="4203290"/>
+            <a:ext cx="6130550" cy="285136"/>
+          </a:xfrm>
+          <a:prstGeom prst="roundRect">
+            <a:avLst/>
+          </a:prstGeom>
+          <a:noFill/>
+          <a:ln w="107950">
+            <a:solidFill>
+              <a:srgbClr val="FF0000"/>
+            </a:solidFill>
+            <a:prstDash val="sysDash"/>
+          </a:ln>
+        </p:spPr>
+        <p:style>
+          <a:lnRef idx="2">
+            <a:schemeClr val="accent1">
+              <a:shade val="50000"/>
+            </a:schemeClr>
+          </a:lnRef>
+          <a:fillRef idx="1">
+            <a:schemeClr val="accent1"/>
+          </a:fillRef>
+          <a:effectRef idx="0">
+            <a:schemeClr val="accent1"/>
+          </a:effectRef>
+          <a:fontRef idx="minor">
+            <a:schemeClr val="lt1"/>
+          </a:fontRef>
+        </p:style>
+        <p:txBody>
+          <a:bodyPr rtlCol="0" anchor="ctr"/>
+          <a:lstStyle/>
+          <a:p>
+            <a:pPr algn="ctr"/>
+            <a:endParaRPr lang="en-US"/>
+          </a:p>
+        </p:txBody>
+      </p:sp>
+      <p:sp>
+        <p:nvSpPr>
+          <p:cNvPr id="7" name="Round Diagonal Corner Rectangle 6"/>
+          <p:cNvSpPr/>
+          <p:nvPr/>
+        </p:nvSpPr>
+        <p:spPr>
+          <a:xfrm>
+            <a:off x="9659421" y="171194"/>
+            <a:ext cx="2645649" cy="723126"/>
+          </a:xfrm>
+          <a:prstGeom prst="round2DiagRect">
+            <a:avLst>
+              <a:gd name="adj1" fmla="val 50000"/>
+              <a:gd name="adj2" fmla="val 0"/>
+            </a:avLst>
+          </a:prstGeom>
+          <a:solidFill>
+            <a:schemeClr val="bg2">
+              <a:lumMod val="90000"/>
+            </a:schemeClr>
+          </a:solidFill>
+        </p:spPr>
+        <p:style>
+          <a:lnRef idx="2">
+            <a:schemeClr val="dk1">
+              <a:shade val="50000"/>
+            </a:schemeClr>
+          </a:lnRef>
+          <a:fillRef idx="1">
+            <a:schemeClr val="dk1"/>
+          </a:fillRef>
+          <a:effectRef idx="0">
+            <a:schemeClr val="dk1"/>
+          </a:effectRef>
+          <a:fontRef idx="minor">
+            <a:schemeClr val="lt1"/>
+          </a:fontRef>
+        </p:style>
+        <p:txBody>
+          <a:bodyPr rtlCol="0" anchor="ctr"/>
+          <a:lstStyle/>
+          <a:p>
+            <a:pPr algn="ctr"/>
+            <a:r>
+              <a:rPr lang="en-US" sz="2000" dirty="0" smtClean="0">
+                <a:solidFill>
+                  <a:schemeClr val="tx1"/>
+                </a:solidFill>
+              </a:rPr>
+              <a:t>Engine_GameLoop.js</a:t>
+            </a:r>
+            <a:endParaRPr lang="en-US" sz="2000" dirty="0">
+              <a:solidFill>
+                <a:schemeClr val="tx1"/>
+              </a:solidFill>
+            </a:endParaRPr>
+          </a:p>
+        </p:txBody>
+      </p:sp>
+    </p:spTree>
+    <p:extLst>
+      <p:ext uri="{BB962C8B-B14F-4D97-AF65-F5344CB8AC3E}">
+        <p14:creationId xmlns:p14="http://schemas.microsoft.com/office/powerpoint/2010/main" val="476540684"/>
+      </p:ext>
+    </p:extLst>
+  </p:cSld>
+  <p:clrMapOvr>
+    <a:masterClrMapping/>
+  </p:clrMapOvr>
+  <p:timing>
+    <p:tnLst>
+      <p:par>
+        <p:cTn id="1" dur="indefinite" restart="never" nodeType="tmRoot"/>
+      </p:par>
+    </p:tnLst>
+  </p:timing>
+</p:sld>
+</file>
+
+<file path=ppt/slides/slide11.xml><?xml version="1.0" encoding="utf-8"?>
+<p:sld xmlns:a="http://schemas.openxmlformats.org/drawingml/2006/main" xmlns:r="http://schemas.openxmlformats.org/officeDocument/2006/relationships" xmlns:p="http://schemas.openxmlformats.org/presentationml/2006/main">
+  <p:cSld>
+    <p:spTree>
+      <p:nvGrpSpPr>
+        <p:cNvPr id="1" name=""/>
+        <p:cNvGrpSpPr/>
+        <p:nvPr/>
+      </p:nvGrpSpPr>
+      <p:grpSpPr>
+        <a:xfrm>
+          <a:off x="0" y="0"/>
+          <a:ext cx="0" cy="0"/>
+          <a:chOff x="0" y="0"/>
+          <a:chExt cx="0" cy="0"/>
+        </a:xfrm>
+      </p:grpSpPr>
+      <p:pic>
+        <p:nvPicPr>
+          <p:cNvPr id="4" name="Picture 3"/>
+          <p:cNvPicPr>
+            <a:picLocks noChangeAspect="1"/>
+          </p:cNvPicPr>
+          <p:nvPr/>
+        </p:nvPicPr>
+        <p:blipFill>
+          <a:blip r:embed="rId2"/>
+          <a:stretch>
+            <a:fillRect/>
+          </a:stretch>
+        </p:blipFill>
+        <p:spPr>
+          <a:xfrm>
+            <a:off x="1855837" y="2324101"/>
+            <a:ext cx="7716788" cy="3744912"/>
+          </a:xfrm>
+          <a:prstGeom prst="rect">
+            <a:avLst/>
+          </a:prstGeom>
+          <a:solidFill>
+            <a:srgbClr val="FFFFFF">
+              <a:shade val="85000"/>
+            </a:srgbClr>
+          </a:solidFill>
+          <a:ln w="88900" cap="sq">
+            <a:solidFill>
+              <a:srgbClr val="FFFFFF"/>
+            </a:solidFill>
+            <a:miter lim="800000"/>
+          </a:ln>
+          <a:effectLst>
+            <a:outerShdw blurRad="55000" dist="18000" dir="5400000" algn="tl" rotWithShape="0">
+              <a:srgbClr val="000000">
+                <a:alpha val="40000"/>
+              </a:srgbClr>
+            </a:outerShdw>
+          </a:effectLst>
+          <a:scene3d>
+            <a:camera prst="orthographicFront"/>
+            <a:lightRig rig="twoPt" dir="t">
+              <a:rot lat="0" lon="0" rev="7200000"/>
+            </a:lightRig>
+          </a:scene3d>
+          <a:sp3d>
+            <a:bevelT w="25400" h="19050"/>
+            <a:contourClr>
+              <a:srgbClr val="FFFFFF"/>
+            </a:contourClr>
+          </a:sp3d>
+        </p:spPr>
+      </p:pic>
+      <p:sp>
+        <p:nvSpPr>
+          <p:cNvPr id="2" name="Title 1"/>
+          <p:cNvSpPr>
+            <a:spLocks noGrp="1"/>
+          </p:cNvSpPr>
+          <p:nvPr>
+            <p:ph type="title"/>
+          </p:nvPr>
+        </p:nvSpPr>
+        <p:spPr/>
+        <p:txBody>
+          <a:bodyPr/>
+          <a:lstStyle/>
+          <a:p>
+            <a:r>
+              <a:rPr lang="en-US" dirty="0" smtClean="0"/>
+              <a:t>4.1: Trigger to start the loop</a:t>
+            </a:r>
+            <a:endParaRPr lang="en-US" dirty="0"/>
+          </a:p>
+        </p:txBody>
+      </p:sp>
+      <p:sp>
+        <p:nvSpPr>
+          <p:cNvPr id="3" name="Content Placeholder 2"/>
+          <p:cNvSpPr>
+            <a:spLocks noGrp="1"/>
+          </p:cNvSpPr>
+          <p:nvPr>
+            <p:ph idx="1"/>
+          </p:nvPr>
+        </p:nvSpPr>
+        <p:spPr/>
+        <p:txBody>
+          <a:bodyPr/>
+          <a:lstStyle/>
+          <a:p>
+            <a:r>
+              <a:rPr lang="en-US" dirty="0" smtClean="0"/>
+              <a:t>Note the initializations</a:t>
+            </a:r>
+            <a:endParaRPr lang="en-US" dirty="0"/>
+          </a:p>
+        </p:txBody>
+      </p:sp>
+    </p:spTree>
+    <p:extLst>
+      <p:ext uri="{BB962C8B-B14F-4D97-AF65-F5344CB8AC3E}">
+        <p14:creationId xmlns:p14="http://schemas.microsoft.com/office/powerpoint/2010/main" val="2428893318"/>
+      </p:ext>
+    </p:extLst>
+  </p:cSld>
+  <p:clrMapOvr>
+    <a:masterClrMapping/>
+  </p:clrMapOvr>
+  <p:timing>
+    <p:tnLst>
+      <p:par>
+        <p:cTn id="1" dur="indefinite" restart="never" nodeType="tmRoot"/>
+      </p:par>
+    </p:tnLst>
+  </p:timing>
+</p:sld>
+</file>
+
+<file path=ppt/slides/slide12.xml><?xml version="1.0" encoding="utf-8"?>
+<p:sld xmlns:a="http://schemas.openxmlformats.org/drawingml/2006/main" xmlns:r="http://schemas.openxmlformats.org/officeDocument/2006/relationships" xmlns:p="http://schemas.openxmlformats.org/presentationml/2006/main">
+  <p:cSld>
+    <p:spTree>
+      <p:nvGrpSpPr>
+        <p:cNvPr id="1" name=""/>
+        <p:cNvGrpSpPr/>
+        <p:nvPr/>
+      </p:nvGrpSpPr>
+      <p:grpSpPr>
+        <a:xfrm>
+          <a:off x="0" y="0"/>
+          <a:ext cx="0" cy="0"/>
+          <a:chOff x="0" y="0"/>
+          <a:chExt cx="0" cy="0"/>
+        </a:xfrm>
+      </p:grpSpPr>
       <p:sp>
         <p:nvSpPr>
           <p:cNvPr id="2" name="Title 1"/>
@@ -3774,7 +4241,7 @@
 </p:sld>
 </file>
 
-<file path=ppt/slides/slide11.xml><?xml version="1.0" encoding="utf-8"?>
+<file path=ppt/slides/slide13.xml><?xml version="1.0" encoding="utf-8"?>
 <p:sld xmlns:a="http://schemas.openxmlformats.org/drawingml/2006/main" xmlns:r="http://schemas.openxmlformats.org/officeDocument/2006/relationships" xmlns:p="http://schemas.openxmlformats.org/presentationml/2006/main">
   <p:cSld>
     <p:spTree>
@@ -3915,7 +4382,7 @@
 </p:sld>
 </file>
 
-<file path=ppt/slides/slide12.xml><?xml version="1.0" encoding="utf-8"?>
+<file path=ppt/slides/slide14.xml><?xml version="1.0" encoding="utf-8"?>
 <p:sld xmlns:a="http://schemas.openxmlformats.org/drawingml/2006/main" xmlns:r="http://schemas.openxmlformats.org/officeDocument/2006/relationships" xmlns:p="http://schemas.openxmlformats.org/presentationml/2006/main">
   <p:cSld>
     <p:spTree>
@@ -4056,7 +4523,450 @@
 </p:sld>
 </file>
 
-<file path=ppt/slides/slide13.xml><?xml version="1.0" encoding="utf-8"?>
+<file path=ppt/slides/slide15.xml><?xml version="1.0" encoding="utf-8"?>
+<p:sld xmlns:a="http://schemas.openxmlformats.org/drawingml/2006/main" xmlns:r="http://schemas.openxmlformats.org/officeDocument/2006/relationships" xmlns:p="http://schemas.openxmlformats.org/presentationml/2006/main">
+  <p:cSld>
+    <p:spTree>
+      <p:nvGrpSpPr>
+        <p:cNvPr id="1" name=""/>
+        <p:cNvGrpSpPr/>
+        <p:nvPr/>
+      </p:nvGrpSpPr>
+      <p:grpSpPr>
+        <a:xfrm>
+          <a:off x="0" y="0"/>
+          <a:ext cx="0" cy="0"/>
+          <a:chOff x="0" y="0"/>
+          <a:chExt cx="0" cy="0"/>
+        </a:xfrm>
+      </p:grpSpPr>
+      <p:sp>
+        <p:nvSpPr>
+          <p:cNvPr id="2" name="Title 1"/>
+          <p:cNvSpPr>
+            <a:spLocks noGrp="1"/>
+          </p:cNvSpPr>
+          <p:nvPr>
+            <p:ph type="title"/>
+          </p:nvPr>
+        </p:nvSpPr>
+        <p:spPr/>
+        <p:txBody>
+          <a:bodyPr/>
+          <a:lstStyle/>
+          <a:p>
+            <a:r>
+              <a:rPr lang="en-US" b="1" dirty="0" smtClean="0">
+                <a:solidFill>
+                  <a:srgbClr val="FF0000"/>
+                </a:solidFill>
+              </a:rPr>
+              <a:t>Questions</a:t>
+            </a:r>
+            <a:endParaRPr lang="en-US" b="1" dirty="0">
+              <a:solidFill>
+                <a:srgbClr val="FF0000"/>
+              </a:solidFill>
+            </a:endParaRPr>
+          </a:p>
+        </p:txBody>
+      </p:sp>
+      <p:sp>
+        <p:nvSpPr>
+          <p:cNvPr id="3" name="Content Placeholder 2"/>
+          <p:cNvSpPr>
+            <a:spLocks noGrp="1"/>
+          </p:cNvSpPr>
+          <p:nvPr>
+            <p:ph idx="1"/>
+          </p:nvPr>
+        </p:nvSpPr>
+        <p:spPr/>
+        <p:txBody>
+          <a:bodyPr/>
+          <a:lstStyle/>
+          <a:p>
+            <a:r>
+              <a:rPr lang="en-US" dirty="0" smtClean="0"/>
+              <a:t>If there is no lagging … </a:t>
+            </a:r>
+          </a:p>
+          <a:p>
+            <a:r>
+              <a:rPr lang="en-US" dirty="0" err="1" smtClean="0"/>
+              <a:t>whiteXform</a:t>
+            </a:r>
+            <a:endParaRPr lang="en-US" dirty="0" smtClean="0"/>
+          </a:p>
+          <a:p>
+            <a:pPr lvl="1"/>
+            <a:r>
+              <a:rPr lang="en-US" dirty="0" smtClean="0"/>
+              <a:t>What is the linear speed of its movement?</a:t>
+            </a:r>
+          </a:p>
+          <a:p>
+            <a:pPr lvl="1"/>
+            <a:r>
+              <a:rPr lang="en-US" dirty="0" smtClean="0"/>
+              <a:t>What is the angular speed of its rotation?</a:t>
+            </a:r>
+          </a:p>
+          <a:p>
+            <a:r>
+              <a:rPr lang="en-US" dirty="0" err="1" smtClean="0"/>
+              <a:t>redXform</a:t>
+            </a:r>
+            <a:endParaRPr lang="en-US" dirty="0" smtClean="0"/>
+          </a:p>
+          <a:p>
+            <a:pPr lvl="1"/>
+            <a:r>
+              <a:rPr lang="en-US" dirty="0" smtClean="0"/>
+              <a:t>What is the speed of its size change?</a:t>
+            </a:r>
+          </a:p>
+        </p:txBody>
+      </p:sp>
+      <p:pic>
+        <p:nvPicPr>
+          <p:cNvPr id="5" name="Picture 4"/>
+          <p:cNvPicPr>
+            <a:picLocks noChangeAspect="1"/>
+          </p:cNvPicPr>
+          <p:nvPr/>
+        </p:nvPicPr>
+        <p:blipFill>
+          <a:blip r:embed="rId2"/>
+          <a:stretch>
+            <a:fillRect/>
+          </a:stretch>
+        </p:blipFill>
+        <p:spPr>
+          <a:xfrm>
+            <a:off x="6970768" y="1249773"/>
+            <a:ext cx="6955029" cy="4594681"/>
+          </a:xfrm>
+          <a:prstGeom prst="rect">
+            <a:avLst/>
+          </a:prstGeom>
+          <a:solidFill>
+            <a:srgbClr val="FFFFFF">
+              <a:shade val="85000"/>
+            </a:srgbClr>
+          </a:solidFill>
+          <a:ln w="88900" cap="sq">
+            <a:solidFill>
+              <a:srgbClr val="FFFFFF"/>
+            </a:solidFill>
+            <a:miter lim="800000"/>
+          </a:ln>
+          <a:effectLst>
+            <a:outerShdw blurRad="55000" dist="18000" dir="5400000" algn="tl" rotWithShape="0">
+              <a:srgbClr val="000000">
+                <a:alpha val="40000"/>
+              </a:srgbClr>
+            </a:outerShdw>
+          </a:effectLst>
+          <a:scene3d>
+            <a:camera prst="orthographicFront"/>
+            <a:lightRig rig="twoPt" dir="t">
+              <a:rot lat="0" lon="0" rev="7200000"/>
+            </a:lightRig>
+          </a:scene3d>
+          <a:sp3d>
+            <a:bevelT w="25400" h="19050"/>
+            <a:contourClr>
+              <a:srgbClr val="FFFFFF"/>
+            </a:contourClr>
+          </a:sp3d>
+        </p:spPr>
+      </p:pic>
+    </p:spTree>
+    <p:extLst>
+      <p:ext uri="{BB962C8B-B14F-4D97-AF65-F5344CB8AC3E}">
+        <p14:creationId xmlns:p14="http://schemas.microsoft.com/office/powerpoint/2010/main" val="3738587587"/>
+      </p:ext>
+    </p:extLst>
+  </p:cSld>
+  <p:clrMapOvr>
+    <a:masterClrMapping/>
+  </p:clrMapOvr>
+</p:sld>
+</file>
+
+<file path=ppt/slides/slide16.xml><?xml version="1.0" encoding="utf-8"?>
+<p:sld xmlns:a="http://schemas.openxmlformats.org/drawingml/2006/main" xmlns:r="http://schemas.openxmlformats.org/officeDocument/2006/relationships" xmlns:p="http://schemas.openxmlformats.org/presentationml/2006/main">
+  <p:cSld>
+    <p:spTree>
+      <p:nvGrpSpPr>
+        <p:cNvPr id="1" name=""/>
+        <p:cNvGrpSpPr/>
+        <p:nvPr/>
+      </p:nvGrpSpPr>
+      <p:grpSpPr>
+        <a:xfrm>
+          <a:off x="0" y="0"/>
+          <a:ext cx="0" cy="0"/>
+          <a:chOff x="0" y="0"/>
+          <a:chExt cx="0" cy="0"/>
+        </a:xfrm>
+      </p:grpSpPr>
+      <p:sp>
+        <p:nvSpPr>
+          <p:cNvPr id="2" name="Title 1"/>
+          <p:cNvSpPr>
+            <a:spLocks noGrp="1"/>
+          </p:cNvSpPr>
+          <p:nvPr>
+            <p:ph type="title"/>
+          </p:nvPr>
+        </p:nvSpPr>
+        <p:spPr/>
+        <p:txBody>
+          <a:bodyPr/>
+          <a:lstStyle/>
+          <a:p>
+            <a:r>
+              <a:rPr lang="en-US" b="1" dirty="0" smtClean="0">
+                <a:solidFill>
+                  <a:srgbClr val="FF0000"/>
+                </a:solidFill>
+              </a:rPr>
+              <a:t>Questions</a:t>
+            </a:r>
+            <a:endParaRPr lang="en-US" b="1" dirty="0">
+              <a:solidFill>
+                <a:srgbClr val="FF0000"/>
+              </a:solidFill>
+            </a:endParaRPr>
+          </a:p>
+        </p:txBody>
+      </p:sp>
+      <p:sp>
+        <p:nvSpPr>
+          <p:cNvPr id="3" name="Content Placeholder 2"/>
+          <p:cNvSpPr>
+            <a:spLocks noGrp="1"/>
+          </p:cNvSpPr>
+          <p:nvPr>
+            <p:ph idx="1"/>
+          </p:nvPr>
+        </p:nvSpPr>
+        <p:spPr/>
+        <p:txBody>
+          <a:bodyPr>
+            <a:normAutofit/>
+          </a:bodyPr>
+          <a:lstStyle/>
+          <a:p>
+            <a:r>
+              <a:rPr lang="en-US" dirty="0" err="1" smtClean="0"/>
+              <a:t>whiteXform</a:t>
+            </a:r>
+            <a:endParaRPr lang="en-US" dirty="0" smtClean="0"/>
+          </a:p>
+          <a:p>
+            <a:pPr lvl="1"/>
+            <a:r>
+              <a:rPr lang="en-US" dirty="0" smtClean="0"/>
+              <a:t>What is the linear speed of its movement?</a:t>
+            </a:r>
+          </a:p>
+          <a:p>
+            <a:pPr marL="457200" lvl="1" indent="0">
+              <a:buNone/>
+            </a:pPr>
+            <a:r>
+              <a:rPr lang="en-US" sz="1800" b="1" dirty="0" smtClean="0">
+                <a:solidFill>
+                  <a:srgbClr val="FF0000"/>
+                </a:solidFill>
+              </a:rPr>
+              <a:t>0.05/(1/60) units/sec or</a:t>
+            </a:r>
+          </a:p>
+          <a:p>
+            <a:pPr marL="457200" lvl="1" indent="0">
+              <a:buNone/>
+            </a:pPr>
+            <a:r>
+              <a:rPr lang="en-US" sz="1800" b="1" dirty="0" smtClean="0">
+                <a:solidFill>
+                  <a:srgbClr val="FF0000"/>
+                </a:solidFill>
+              </a:rPr>
+              <a:t>0.05*60 units/sec = 3 unit/sec</a:t>
+            </a:r>
+          </a:p>
+          <a:p>
+            <a:pPr marL="457200" lvl="1" indent="0">
+              <a:buNone/>
+            </a:pPr>
+            <a:r>
+              <a:rPr lang="en-US" sz="1800" b="1" dirty="0" smtClean="0">
+                <a:solidFill>
+                  <a:srgbClr val="FF0000"/>
+                </a:solidFill>
+              </a:rPr>
+              <a:t>In this case, width of world = 20units</a:t>
+            </a:r>
+          </a:p>
+          <a:p>
+            <a:pPr lvl="1">
+              <a:buFont typeface="Wingdings" panose="05000000000000000000" pitchFamily="2" charset="2"/>
+              <a:buChar char="è"/>
+            </a:pPr>
+            <a:r>
+              <a:rPr lang="en-US" sz="1800" b="1" dirty="0" smtClean="0">
+                <a:solidFill>
+                  <a:srgbClr val="FF0000"/>
+                </a:solidFill>
+                <a:sym typeface="Wingdings" panose="05000000000000000000" pitchFamily="2" charset="2"/>
+              </a:rPr>
+              <a:t>Takes about 20/3 to cover the width</a:t>
+            </a:r>
+          </a:p>
+          <a:p>
+            <a:pPr lvl="1">
+              <a:buFont typeface="Wingdings" panose="05000000000000000000" pitchFamily="2" charset="2"/>
+              <a:buChar char="è"/>
+            </a:pPr>
+            <a:r>
+              <a:rPr lang="en-US" sz="1800" b="1" dirty="0" smtClean="0">
+                <a:solidFill>
+                  <a:srgbClr val="FF0000"/>
+                </a:solidFill>
+                <a:sym typeface="Wingdings" panose="05000000000000000000" pitchFamily="2" charset="2"/>
+              </a:rPr>
+              <a:t>A little more than 6 seconds</a:t>
+            </a:r>
+            <a:endParaRPr lang="en-US" sz="1800" b="1" dirty="0" smtClean="0">
+              <a:solidFill>
+                <a:srgbClr val="FF0000"/>
+              </a:solidFill>
+            </a:endParaRPr>
+          </a:p>
+          <a:p>
+            <a:pPr lvl="1"/>
+            <a:r>
+              <a:rPr lang="en-US" dirty="0" smtClean="0"/>
+              <a:t>What is the angular speed of its rotation?</a:t>
+            </a:r>
+          </a:p>
+          <a:p>
+            <a:pPr marL="457200" lvl="1" indent="0">
+              <a:buNone/>
+            </a:pPr>
+            <a:r>
+              <a:rPr lang="en-US" sz="1800" b="1" dirty="0" smtClean="0">
+                <a:solidFill>
+                  <a:srgbClr val="FF0000"/>
+                </a:solidFill>
+                <a:sym typeface="Wingdings" panose="05000000000000000000" pitchFamily="2" charset="2"/>
+              </a:rPr>
+              <a:t>1-degree/(1/60 sec) or 60-degrees/sec</a:t>
+            </a:r>
+          </a:p>
+          <a:p>
+            <a:pPr marL="457200" lvl="1" indent="0">
+              <a:buNone/>
+            </a:pPr>
+            <a:r>
+              <a:rPr lang="en-US" sz="1800" b="1" dirty="0" smtClean="0">
+                <a:solidFill>
+                  <a:srgbClr val="FF0000"/>
+                </a:solidFill>
+                <a:sym typeface="Wingdings" panose="05000000000000000000" pitchFamily="2" charset="2"/>
+              </a:rPr>
+              <a:t>Or exactly 6 seconds for a complete revolution</a:t>
+            </a:r>
+            <a:endParaRPr lang="en-US" sz="1800" dirty="0" smtClean="0"/>
+          </a:p>
+          <a:p>
+            <a:r>
+              <a:rPr lang="en-US" dirty="0" err="1" smtClean="0"/>
+              <a:t>redXform</a:t>
+            </a:r>
+            <a:endParaRPr lang="en-US" dirty="0" smtClean="0"/>
+          </a:p>
+          <a:p>
+            <a:pPr lvl="1"/>
+            <a:r>
+              <a:rPr lang="en-US" dirty="0" smtClean="0"/>
+              <a:t>What is the speed of its size change?</a:t>
+            </a:r>
+          </a:p>
+        </p:txBody>
+      </p:sp>
+      <p:pic>
+        <p:nvPicPr>
+          <p:cNvPr id="5" name="Picture 4"/>
+          <p:cNvPicPr>
+            <a:picLocks noChangeAspect="1"/>
+          </p:cNvPicPr>
+          <p:nvPr/>
+        </p:nvPicPr>
+        <p:blipFill>
+          <a:blip r:embed="rId2"/>
+          <a:stretch>
+            <a:fillRect/>
+          </a:stretch>
+        </p:blipFill>
+        <p:spPr>
+          <a:xfrm>
+            <a:off x="6970768" y="1249773"/>
+            <a:ext cx="6955029" cy="4594681"/>
+          </a:xfrm>
+          <a:prstGeom prst="rect">
+            <a:avLst/>
+          </a:prstGeom>
+          <a:solidFill>
+            <a:srgbClr val="FFFFFF">
+              <a:shade val="85000"/>
+            </a:srgbClr>
+          </a:solidFill>
+          <a:ln w="88900" cap="sq">
+            <a:solidFill>
+              <a:srgbClr val="FFFFFF"/>
+            </a:solidFill>
+            <a:miter lim="800000"/>
+          </a:ln>
+          <a:effectLst>
+            <a:outerShdw blurRad="55000" dist="18000" dir="5400000" algn="tl" rotWithShape="0">
+              <a:srgbClr val="000000">
+                <a:alpha val="40000"/>
+              </a:srgbClr>
+            </a:outerShdw>
+          </a:effectLst>
+          <a:scene3d>
+            <a:camera prst="orthographicFront"/>
+            <a:lightRig rig="twoPt" dir="t">
+              <a:rot lat="0" lon="0" rev="7200000"/>
+            </a:lightRig>
+          </a:scene3d>
+          <a:sp3d>
+            <a:bevelT w="25400" h="19050"/>
+            <a:contourClr>
+              <a:srgbClr val="FFFFFF"/>
+            </a:contourClr>
+          </a:sp3d>
+        </p:spPr>
+      </p:pic>
+    </p:spTree>
+    <p:extLst>
+      <p:ext uri="{BB962C8B-B14F-4D97-AF65-F5344CB8AC3E}">
+        <p14:creationId xmlns:p14="http://schemas.microsoft.com/office/powerpoint/2010/main" val="1090431262"/>
+      </p:ext>
+    </p:extLst>
+  </p:cSld>
+  <p:clrMapOvr>
+    <a:masterClrMapping/>
+  </p:clrMapOvr>
+</p:sld>
+</file>
+
+<file path=ppt/slides/slide17.xml><?xml version="1.0" encoding="utf-8"?>
 <p:sld xmlns:a="http://schemas.openxmlformats.org/drawingml/2006/main" xmlns:r="http://schemas.openxmlformats.org/officeDocument/2006/relationships" xmlns:p="http://schemas.openxmlformats.org/presentationml/2006/main">
   <p:cSld>
     <p:spTree>
@@ -4152,7 +5062,7 @@
 </p:sld>
 </file>
 
-<file path=ppt/slides/slide14.xml><?xml version="1.0" encoding="utf-8"?>
+<file path=ppt/slides/slide18.xml><?xml version="1.0" encoding="utf-8"?>
 <p:sld xmlns:a="http://schemas.openxmlformats.org/drawingml/2006/main" xmlns:r="http://schemas.openxmlformats.org/officeDocument/2006/relationships" xmlns:p="http://schemas.openxmlformats.org/presentationml/2006/main">
   <p:cSld>
     <p:spTree>
@@ -4287,7 +5197,7 @@
 </p:sld>
 </file>
 
-<file path=ppt/slides/slide15.xml><?xml version="1.0" encoding="utf-8"?>
+<file path=ppt/slides/slide19.xml><?xml version="1.0" encoding="utf-8"?>
 <p:sld xmlns:a="http://schemas.openxmlformats.org/drawingml/2006/main" xmlns:r="http://schemas.openxmlformats.org/officeDocument/2006/relationships" xmlns:p="http://schemas.openxmlformats.org/presentationml/2006/main">
   <p:cSld>
     <p:spTree>
@@ -4411,7 +5321,134 @@
 </p:sld>
 </file>
 
-<file path=ppt/slides/slide16.xml><?xml version="1.0" encoding="utf-8"?>
+<file path=ppt/slides/slide2.xml><?xml version="1.0" encoding="utf-8"?>
+<p:sld xmlns:a="http://schemas.openxmlformats.org/drawingml/2006/main" xmlns:r="http://schemas.openxmlformats.org/officeDocument/2006/relationships" xmlns:p="http://schemas.openxmlformats.org/presentationml/2006/main">
+  <p:cSld>
+    <p:spTree>
+      <p:nvGrpSpPr>
+        <p:cNvPr id="1" name=""/>
+        <p:cNvGrpSpPr/>
+        <p:nvPr/>
+      </p:nvGrpSpPr>
+      <p:grpSpPr>
+        <a:xfrm>
+          <a:off x="0" y="0"/>
+          <a:ext cx="0" cy="0"/>
+          <a:chOff x="0" y="0"/>
+          <a:chExt cx="0" cy="0"/>
+        </a:xfrm>
+      </p:grpSpPr>
+      <p:sp>
+        <p:nvSpPr>
+          <p:cNvPr id="2" name="Title 1"/>
+          <p:cNvSpPr>
+            <a:spLocks noGrp="1"/>
+          </p:cNvSpPr>
+          <p:nvPr>
+            <p:ph type="title"/>
+          </p:nvPr>
+        </p:nvSpPr>
+        <p:spPr/>
+        <p:txBody>
+          <a:bodyPr/>
+          <a:lstStyle/>
+          <a:p>
+            <a:r>
+              <a:rPr lang="en-US" dirty="0" smtClean="0"/>
+              <a:t>This Chapter</a:t>
+            </a:r>
+            <a:endParaRPr lang="en-US" dirty="0"/>
+          </a:p>
+        </p:txBody>
+      </p:sp>
+      <p:sp>
+        <p:nvSpPr>
+          <p:cNvPr id="3" name="Content Placeholder 2"/>
+          <p:cNvSpPr>
+            <a:spLocks noGrp="1"/>
+          </p:cNvSpPr>
+          <p:nvPr>
+            <p:ph idx="1"/>
+          </p:nvPr>
+        </p:nvSpPr>
+        <p:spPr/>
+        <p:txBody>
+          <a:bodyPr/>
+          <a:lstStyle/>
+          <a:p>
+            <a:pPr lvl="0"/>
+            <a:r>
+              <a:rPr lang="en-US" dirty="0"/>
+              <a:t>Control the </a:t>
+            </a:r>
+            <a:r>
+              <a:rPr lang="en-US" dirty="0" err="1"/>
+              <a:t>Renderable</a:t>
+            </a:r>
+            <a:r>
+              <a:rPr lang="en-US" dirty="0"/>
+              <a:t> object’s position, size, and rotation to construct complex movements and animations</a:t>
+            </a:r>
+          </a:p>
+          <a:p>
+            <a:pPr lvl="0"/>
+            <a:r>
+              <a:rPr lang="en-US" dirty="0"/>
+              <a:t>Receive keyboard input from the player and animate </a:t>
+            </a:r>
+            <a:r>
+              <a:rPr lang="en-US" dirty="0" err="1"/>
+              <a:t>Renderable</a:t>
+            </a:r>
+            <a:r>
+              <a:rPr lang="en-US" dirty="0"/>
+              <a:t> objects</a:t>
+            </a:r>
+          </a:p>
+          <a:p>
+            <a:pPr lvl="0"/>
+            <a:r>
+              <a:rPr lang="en-US" dirty="0"/>
+              <a:t>Work with asynchronous loading and unloading of external assets</a:t>
+            </a:r>
+          </a:p>
+          <a:p>
+            <a:pPr lvl="0"/>
+            <a:r>
+              <a:rPr lang="en-US" dirty="0"/>
+              <a:t>Define, load, and execute a simple game level from a scene file</a:t>
+            </a:r>
+          </a:p>
+          <a:p>
+            <a:pPr lvl="0"/>
+            <a:r>
+              <a:rPr lang="en-US" dirty="0"/>
+              <a:t>Change game levels by loading a new scene</a:t>
+            </a:r>
+          </a:p>
+          <a:p>
+            <a:pPr lvl="0"/>
+            <a:r>
+              <a:rPr lang="en-US" dirty="0"/>
+              <a:t>Work with sound clips for background music and audio cues</a:t>
+            </a:r>
+          </a:p>
+        </p:txBody>
+      </p:sp>
+    </p:spTree>
+    <p:extLst>
+      <p:ext uri="{BB962C8B-B14F-4D97-AF65-F5344CB8AC3E}">
+        <p14:creationId xmlns:p14="http://schemas.microsoft.com/office/powerpoint/2010/main" val="3138157744"/>
+      </p:ext>
+    </p:extLst>
+  </p:cSld>
+  <p:clrMapOvr>
+    <a:masterClrMapping/>
+  </p:clrMapOvr>
+</p:sld>
+</file>
+
+<file path=ppt/slides/slide20.xml><?xml version="1.0" encoding="utf-8"?>
 <p:sld xmlns:a="http://schemas.openxmlformats.org/drawingml/2006/main" xmlns:r="http://schemas.openxmlformats.org/officeDocument/2006/relationships" xmlns:p="http://schemas.openxmlformats.org/presentationml/2006/main">
   <p:cSld>
     <p:spTree>
@@ -4527,7 +5564,7 @@
 </p:sld>
 </file>
 
-<file path=ppt/slides/slide17.xml><?xml version="1.0" encoding="utf-8"?>
+<file path=ppt/slides/slide21.xml><?xml version="1.0" encoding="utf-8"?>
 <p:sld xmlns:a="http://schemas.openxmlformats.org/drawingml/2006/main" xmlns:r="http://schemas.openxmlformats.org/officeDocument/2006/relationships" xmlns:p="http://schemas.openxmlformats.org/presentationml/2006/main">
   <p:cSld>
     <p:spTree>
@@ -4714,7 +5751,7 @@
 </p:sld>
 </file>
 
-<file path=ppt/slides/slide18.xml><?xml version="1.0" encoding="utf-8"?>
+<file path=ppt/slides/slide22.xml><?xml version="1.0" encoding="utf-8"?>
 <p:sld xmlns:a="http://schemas.openxmlformats.org/drawingml/2006/main" xmlns:r="http://schemas.openxmlformats.org/officeDocument/2006/relationships" xmlns:p="http://schemas.openxmlformats.org/presentationml/2006/main">
   <p:cSld>
     <p:spTree>
@@ -4901,7 +5938,7 @@
 </p:sld>
 </file>
 
-<file path=ppt/slides/slide19.xml><?xml version="1.0" encoding="utf-8"?>
+<file path=ppt/slides/slide23.xml><?xml version="1.0" encoding="utf-8"?>
 <p:sld xmlns:a="http://schemas.openxmlformats.org/drawingml/2006/main" xmlns:r="http://schemas.openxmlformats.org/officeDocument/2006/relationships" xmlns:p="http://schemas.openxmlformats.org/presentationml/2006/main">
   <p:cSld>
     <p:spTree>
@@ -5104,134 +6141,7 @@
 </p:sld>
 </file>
 
-<file path=ppt/slides/slide2.xml><?xml version="1.0" encoding="utf-8"?>
-<p:sld xmlns:a="http://schemas.openxmlformats.org/drawingml/2006/main" xmlns:r="http://schemas.openxmlformats.org/officeDocument/2006/relationships" xmlns:p="http://schemas.openxmlformats.org/presentationml/2006/main">
-  <p:cSld>
-    <p:spTree>
-      <p:nvGrpSpPr>
-        <p:cNvPr id="1" name=""/>
-        <p:cNvGrpSpPr/>
-        <p:nvPr/>
-      </p:nvGrpSpPr>
-      <p:grpSpPr>
-        <a:xfrm>
-          <a:off x="0" y="0"/>
-          <a:ext cx="0" cy="0"/>
-          <a:chOff x="0" y="0"/>
-          <a:chExt cx="0" cy="0"/>
-        </a:xfrm>
-      </p:grpSpPr>
-      <p:sp>
-        <p:nvSpPr>
-          <p:cNvPr id="2" name="Title 1"/>
-          <p:cNvSpPr>
-            <a:spLocks noGrp="1"/>
-          </p:cNvSpPr>
-          <p:nvPr>
-            <p:ph type="title"/>
-          </p:nvPr>
-        </p:nvSpPr>
-        <p:spPr/>
-        <p:txBody>
-          <a:bodyPr/>
-          <a:lstStyle/>
-          <a:p>
-            <a:r>
-              <a:rPr lang="en-US" dirty="0" smtClean="0"/>
-              <a:t>This Chapter</a:t>
-            </a:r>
-            <a:endParaRPr lang="en-US" dirty="0"/>
-          </a:p>
-        </p:txBody>
-      </p:sp>
-      <p:sp>
-        <p:nvSpPr>
-          <p:cNvPr id="3" name="Content Placeholder 2"/>
-          <p:cNvSpPr>
-            <a:spLocks noGrp="1"/>
-          </p:cNvSpPr>
-          <p:nvPr>
-            <p:ph idx="1"/>
-          </p:nvPr>
-        </p:nvSpPr>
-        <p:spPr/>
-        <p:txBody>
-          <a:bodyPr/>
-          <a:lstStyle/>
-          <a:p>
-            <a:pPr lvl="0"/>
-            <a:r>
-              <a:rPr lang="en-US" dirty="0"/>
-              <a:t>Control the </a:t>
-            </a:r>
-            <a:r>
-              <a:rPr lang="en-US" dirty="0" err="1"/>
-              <a:t>Renderable</a:t>
-            </a:r>
-            <a:r>
-              <a:rPr lang="en-US" dirty="0"/>
-              <a:t> object’s position, size, and rotation to construct complex movements and animations</a:t>
-            </a:r>
-          </a:p>
-          <a:p>
-            <a:pPr lvl="0"/>
-            <a:r>
-              <a:rPr lang="en-US" dirty="0"/>
-              <a:t>Receive keyboard input from the player and animate </a:t>
-            </a:r>
-            <a:r>
-              <a:rPr lang="en-US" dirty="0" err="1"/>
-              <a:t>Renderable</a:t>
-            </a:r>
-            <a:r>
-              <a:rPr lang="en-US" dirty="0"/>
-              <a:t> objects</a:t>
-            </a:r>
-          </a:p>
-          <a:p>
-            <a:pPr lvl="0"/>
-            <a:r>
-              <a:rPr lang="en-US" dirty="0"/>
-              <a:t>Work with asynchronous loading and unloading of external assets</a:t>
-            </a:r>
-          </a:p>
-          <a:p>
-            <a:pPr lvl="0"/>
-            <a:r>
-              <a:rPr lang="en-US" dirty="0"/>
-              <a:t>Define, load, and execute a simple game level from a scene file</a:t>
-            </a:r>
-          </a:p>
-          <a:p>
-            <a:pPr lvl="0"/>
-            <a:r>
-              <a:rPr lang="en-US" dirty="0"/>
-              <a:t>Change game levels by loading a new scene</a:t>
-            </a:r>
-          </a:p>
-          <a:p>
-            <a:pPr lvl="0"/>
-            <a:r>
-              <a:rPr lang="en-US" dirty="0"/>
-              <a:t>Work with sound clips for background music and audio cues</a:t>
-            </a:r>
-          </a:p>
-        </p:txBody>
-      </p:sp>
-    </p:spTree>
-    <p:extLst>
-      <p:ext uri="{BB962C8B-B14F-4D97-AF65-F5344CB8AC3E}">
-        <p14:creationId xmlns:p14="http://schemas.microsoft.com/office/powerpoint/2010/main" val="3138157744"/>
-      </p:ext>
-    </p:extLst>
-  </p:cSld>
-  <p:clrMapOvr>
-    <a:masterClrMapping/>
-  </p:clrMapOvr>
-</p:sld>
-</file>
-
-<file path=ppt/slides/slide20.xml><?xml version="1.0" encoding="utf-8"?>
+<file path=ppt/slides/slide24.xml><?xml version="1.0" encoding="utf-8"?>
 <p:sld xmlns:a="http://schemas.openxmlformats.org/drawingml/2006/main" xmlns:r="http://schemas.openxmlformats.org/officeDocument/2006/relationships" xmlns:p="http://schemas.openxmlformats.org/presentationml/2006/main">
   <p:cSld>
     <p:spTree>
@@ -5372,7 +6282,7 @@
 </p:sld>
 </file>
 
-<file path=ppt/slides/slide21.xml><?xml version="1.0" encoding="utf-8"?>
+<file path=ppt/slides/slide25.xml><?xml version="1.0" encoding="utf-8"?>
 <p:sld xmlns:a="http://schemas.openxmlformats.org/drawingml/2006/main" xmlns:r="http://schemas.openxmlformats.org/officeDocument/2006/relationships" xmlns:p="http://schemas.openxmlformats.org/presentationml/2006/main">
   <p:cSld>
     <p:spTree>
@@ -5513,7 +6423,7 @@
 </p:sld>
 </file>
 
-<file path=ppt/slides/slide22.xml><?xml version="1.0" encoding="utf-8"?>
+<file path=ppt/slides/slide26.xml><?xml version="1.0" encoding="utf-8"?>
 <p:sld xmlns:a="http://schemas.openxmlformats.org/drawingml/2006/main" xmlns:r="http://schemas.openxmlformats.org/officeDocument/2006/relationships" xmlns:p="http://schemas.openxmlformats.org/presentationml/2006/main">
   <p:cSld>
     <p:spTree>
@@ -5637,7 +6547,7 @@
 </p:sld>
 </file>
 
-<file path=ppt/slides/slide23.xml><?xml version="1.0" encoding="utf-8"?>
+<file path=ppt/slides/slide27.xml><?xml version="1.0" encoding="utf-8"?>
 <p:sld xmlns:a="http://schemas.openxmlformats.org/drawingml/2006/main" xmlns:r="http://schemas.openxmlformats.org/officeDocument/2006/relationships" xmlns:p="http://schemas.openxmlformats.org/presentationml/2006/main">
   <p:cSld>
     <p:spTree>
@@ -5670,6 +6580,196 @@
           <a:lstStyle/>
           <a:p>
             <a:r>
+              <a:rPr lang="en-US" b="1" dirty="0" smtClean="0">
+                <a:solidFill>
+                  <a:srgbClr val="FF0000"/>
+                </a:solidFill>
+              </a:rPr>
+              <a:t>Questions</a:t>
+            </a:r>
+            <a:endParaRPr lang="en-US" b="1" dirty="0">
+              <a:solidFill>
+                <a:srgbClr val="FF0000"/>
+              </a:solidFill>
+            </a:endParaRPr>
+          </a:p>
+        </p:txBody>
+      </p:sp>
+      <p:sp>
+        <p:nvSpPr>
+          <p:cNvPr id="3" name="Content Placeholder 2"/>
+          <p:cNvSpPr>
+            <a:spLocks noGrp="1"/>
+          </p:cNvSpPr>
+          <p:nvPr>
+            <p:ph idx="1"/>
+          </p:nvPr>
+        </p:nvSpPr>
+        <p:spPr/>
+        <p:txBody>
+          <a:bodyPr/>
+          <a:lstStyle/>
+          <a:p>
+            <a:endParaRPr lang="en-US" dirty="0" smtClean="0"/>
+          </a:p>
+          <a:p>
+            <a:endParaRPr lang="en-US" dirty="0"/>
+          </a:p>
+          <a:p>
+            <a:r>
+              <a:rPr lang="en-US" dirty="0" smtClean="0"/>
+              <a:t>What is the runtime complexity of  </a:t>
+            </a:r>
+            <a:r>
+              <a:rPr lang="en-US" dirty="0" err="1" smtClean="0"/>
+              <a:t>Input.update</a:t>
+            </a:r>
+            <a:r>
+              <a:rPr lang="en-US" dirty="0" smtClean="0"/>
+              <a:t>()?</a:t>
+            </a:r>
+          </a:p>
+          <a:p>
+            <a:r>
+              <a:rPr lang="en-US" dirty="0" smtClean="0"/>
+              <a:t>How would you implement a “</a:t>
+            </a:r>
+            <a:r>
+              <a:rPr lang="en-US" b="1" dirty="0" err="1" smtClean="0"/>
+              <a:t>isKeyUp</a:t>
+            </a:r>
+            <a:r>
+              <a:rPr lang="en-US" b="1" dirty="0" smtClean="0"/>
+              <a:t>()</a:t>
+            </a:r>
+            <a:r>
+              <a:rPr lang="en-US" dirty="0" smtClean="0"/>
+              <a:t>” function?</a:t>
+            </a:r>
+          </a:p>
+          <a:p>
+            <a:pPr lvl="1"/>
+            <a:r>
+              <a:rPr lang="en-US" dirty="0"/>
+              <a:t>T</a:t>
+            </a:r>
+            <a:r>
+              <a:rPr lang="en-US" dirty="0" smtClean="0"/>
+              <a:t>o detect the key-up event</a:t>
+            </a:r>
+          </a:p>
+          <a:p>
+            <a:pPr lvl="1"/>
+            <a:r>
+              <a:rPr lang="en-US" dirty="0" smtClean="0"/>
+              <a:t>Will the runtime complexity change?</a:t>
+            </a:r>
+          </a:p>
+          <a:p>
+            <a:endParaRPr lang="en-US" dirty="0" smtClean="0"/>
+          </a:p>
+        </p:txBody>
+      </p:sp>
+      <p:pic>
+        <p:nvPicPr>
+          <p:cNvPr id="6" name="Picture 5"/>
+          <p:cNvPicPr>
+            <a:picLocks noChangeAspect="1"/>
+          </p:cNvPicPr>
+          <p:nvPr/>
+        </p:nvPicPr>
+        <p:blipFill>
+          <a:blip r:embed="rId2"/>
+          <a:stretch>
+            <a:fillRect/>
+          </a:stretch>
+        </p:blipFill>
+        <p:spPr>
+          <a:xfrm>
+            <a:off x="3333750" y="365125"/>
+            <a:ext cx="8858250" cy="2073873"/>
+          </a:xfrm>
+          <a:prstGeom prst="rect">
+            <a:avLst/>
+          </a:prstGeom>
+          <a:solidFill>
+            <a:srgbClr val="FFFFFF">
+              <a:shade val="85000"/>
+            </a:srgbClr>
+          </a:solidFill>
+          <a:ln w="88900" cap="sq">
+            <a:solidFill>
+              <a:srgbClr val="FFFFFF"/>
+            </a:solidFill>
+            <a:miter lim="800000"/>
+          </a:ln>
+          <a:effectLst>
+            <a:outerShdw blurRad="55000" dist="18000" dir="5400000" algn="tl" rotWithShape="0">
+              <a:srgbClr val="000000">
+                <a:alpha val="40000"/>
+              </a:srgbClr>
+            </a:outerShdw>
+          </a:effectLst>
+          <a:scene3d>
+            <a:camera prst="orthographicFront"/>
+            <a:lightRig rig="twoPt" dir="t">
+              <a:rot lat="0" lon="0" rev="7200000"/>
+            </a:lightRig>
+          </a:scene3d>
+          <a:sp3d>
+            <a:bevelT w="25400" h="19050"/>
+            <a:contourClr>
+              <a:srgbClr val="FFFFFF"/>
+            </a:contourClr>
+          </a:sp3d>
+        </p:spPr>
+      </p:pic>
+    </p:spTree>
+    <p:extLst>
+      <p:ext uri="{BB962C8B-B14F-4D97-AF65-F5344CB8AC3E}">
+        <p14:creationId xmlns:p14="http://schemas.microsoft.com/office/powerpoint/2010/main" val="2463225224"/>
+      </p:ext>
+    </p:extLst>
+  </p:cSld>
+  <p:clrMapOvr>
+    <a:masterClrMapping/>
+  </p:clrMapOvr>
+</p:sld>
+</file>
+
+<file path=ppt/slides/slide28.xml><?xml version="1.0" encoding="utf-8"?>
+<p:sld xmlns:a="http://schemas.openxmlformats.org/drawingml/2006/main" xmlns:r="http://schemas.openxmlformats.org/officeDocument/2006/relationships" xmlns:p="http://schemas.openxmlformats.org/presentationml/2006/main">
+  <p:cSld>
+    <p:spTree>
+      <p:nvGrpSpPr>
+        <p:cNvPr id="1" name=""/>
+        <p:cNvGrpSpPr/>
+        <p:nvPr/>
+      </p:nvGrpSpPr>
+      <p:grpSpPr>
+        <a:xfrm>
+          <a:off x="0" y="0"/>
+          <a:ext cx="0" cy="0"/>
+          <a:chOff x="0" y="0"/>
+          <a:chExt cx="0" cy="0"/>
+        </a:xfrm>
+      </p:grpSpPr>
+      <p:sp>
+        <p:nvSpPr>
+          <p:cNvPr id="2" name="Title 1"/>
+          <p:cNvSpPr>
+            <a:spLocks noGrp="1"/>
+          </p:cNvSpPr>
+          <p:nvPr>
+            <p:ph type="title"/>
+          </p:nvPr>
+        </p:nvSpPr>
+        <p:spPr/>
+        <p:txBody>
+          <a:bodyPr/>
+          <a:lstStyle/>
+          <a:p>
+            <a:r>
               <a:rPr lang="en-US" dirty="0" smtClean="0"/>
               <a:t>Resource Management</a:t>
             </a:r>
@@ -5696,7 +6796,15 @@
           <a:p>
             <a:r>
               <a:rPr lang="en-US" dirty="0" smtClean="0"/>
-              <a:t>Synchronous load:</a:t>
+              <a:t>Synchronous load:  (SimpleShader._</a:t>
+            </a:r>
+            <a:r>
+              <a:rPr lang="en-US" dirty="0" err="1" smtClean="0"/>
+              <a:t>loadAndCompileShader</a:t>
+            </a:r>
+            <a:r>
+              <a:rPr lang="en-US" dirty="0" smtClean="0"/>
+              <a:t>())</a:t>
             </a:r>
           </a:p>
           <a:p>
@@ -5791,7 +6899,7 @@
 </p:sld>
 </file>
 
-<file path=ppt/slides/slide24.xml><?xml version="1.0" encoding="utf-8"?>
+<file path=ppt/slides/slide29.xml><?xml version="1.0" encoding="utf-8"?>
 <p:sld xmlns:a="http://schemas.openxmlformats.org/drawingml/2006/main" xmlns:r="http://schemas.openxmlformats.org/officeDocument/2006/relationships" xmlns:p="http://schemas.openxmlformats.org/presentationml/2006/main">
   <p:cSld>
     <p:spTree>
@@ -5887,7 +6995,173 @@
 </p:sld>
 </file>
 
-<file path=ppt/slides/slide25.xml><?xml version="1.0" encoding="utf-8"?>
+<file path=ppt/slides/slide3.xml><?xml version="1.0" encoding="utf-8"?>
+<p:sld xmlns:a="http://schemas.openxmlformats.org/drawingml/2006/main" xmlns:r="http://schemas.openxmlformats.org/officeDocument/2006/relationships" xmlns:p="http://schemas.openxmlformats.org/presentationml/2006/main">
+  <p:cSld>
+    <p:spTree>
+      <p:nvGrpSpPr>
+        <p:cNvPr id="1" name=""/>
+        <p:cNvGrpSpPr/>
+        <p:nvPr/>
+      </p:nvGrpSpPr>
+      <p:grpSpPr>
+        <a:xfrm>
+          <a:off x="0" y="0"/>
+          <a:ext cx="0" cy="0"/>
+          <a:chOff x="0" y="0"/>
+          <a:chExt cx="0" cy="0"/>
+        </a:xfrm>
+      </p:grpSpPr>
+      <p:sp>
+        <p:nvSpPr>
+          <p:cNvPr id="2" name="Title 1"/>
+          <p:cNvSpPr>
+            <a:spLocks noGrp="1"/>
+          </p:cNvSpPr>
+          <p:nvPr>
+            <p:ph type="title"/>
+          </p:nvPr>
+        </p:nvSpPr>
+        <p:spPr/>
+        <p:txBody>
+          <a:bodyPr/>
+          <a:lstStyle/>
+          <a:p>
+            <a:r>
+              <a:rPr lang="en-US" dirty="0" smtClean="0"/>
+              <a:t>Game Loop</a:t>
+            </a:r>
+            <a:endParaRPr lang="en-US" dirty="0"/>
+          </a:p>
+        </p:txBody>
+      </p:sp>
+      <p:sp>
+        <p:nvSpPr>
+          <p:cNvPr id="3" name="Content Placeholder 2"/>
+          <p:cNvSpPr>
+            <a:spLocks noGrp="1"/>
+          </p:cNvSpPr>
+          <p:nvPr>
+            <p:ph idx="1"/>
+          </p:nvPr>
+        </p:nvSpPr>
+        <p:spPr/>
+        <p:txBody>
+          <a:bodyPr/>
+          <a:lstStyle/>
+          <a:p>
+            <a:r>
+              <a:rPr lang="en-US" dirty="0" smtClean="0"/>
+              <a:t>Typical structure</a:t>
+            </a:r>
+          </a:p>
+          <a:p>
+            <a:pPr marL="0" indent="0">
+              <a:buNone/>
+            </a:pPr>
+            <a:endParaRPr lang="en-US" dirty="0" smtClean="0"/>
+          </a:p>
+          <a:p>
+            <a:endParaRPr lang="en-US" dirty="0" smtClean="0"/>
+          </a:p>
+          <a:p>
+            <a:endParaRPr lang="en-US" dirty="0"/>
+          </a:p>
+          <a:p>
+            <a:endParaRPr lang="en-US" dirty="0" smtClean="0"/>
+          </a:p>
+          <a:p>
+            <a:endParaRPr lang="en-US" dirty="0"/>
+          </a:p>
+          <a:p>
+            <a:endParaRPr lang="en-US" dirty="0" smtClean="0"/>
+          </a:p>
+          <a:p>
+            <a:r>
+              <a:rPr lang="en-US" dirty="0" smtClean="0"/>
+              <a:t>Notice: the input() update!</a:t>
+            </a:r>
+          </a:p>
+          <a:p>
+            <a:endParaRPr lang="en-US" dirty="0"/>
+          </a:p>
+        </p:txBody>
+      </p:sp>
+      <p:pic>
+        <p:nvPicPr>
+          <p:cNvPr id="4" name="Picture 3"/>
+          <p:cNvPicPr>
+            <a:picLocks noChangeAspect="1"/>
+          </p:cNvPicPr>
+          <p:nvPr/>
+        </p:nvPicPr>
+        <p:blipFill>
+          <a:blip r:embed="rId2"/>
+          <a:stretch>
+            <a:fillRect/>
+          </a:stretch>
+        </p:blipFill>
+        <p:spPr>
+          <a:xfrm>
+            <a:off x="1834896" y="2419159"/>
+            <a:ext cx="4333684" cy="2467301"/>
+          </a:xfrm>
+          <a:prstGeom prst="rect">
+            <a:avLst/>
+          </a:prstGeom>
+          <a:solidFill>
+            <a:srgbClr val="FFFFFF">
+              <a:shade val="85000"/>
+            </a:srgbClr>
+          </a:solidFill>
+          <a:ln w="88900" cap="sq">
+            <a:solidFill>
+              <a:srgbClr val="FFFFFF"/>
+            </a:solidFill>
+            <a:miter lim="800000"/>
+          </a:ln>
+          <a:effectLst>
+            <a:outerShdw blurRad="55000" dist="18000" dir="5400000" algn="tl" rotWithShape="0">
+              <a:srgbClr val="000000">
+                <a:alpha val="40000"/>
+              </a:srgbClr>
+            </a:outerShdw>
+          </a:effectLst>
+          <a:scene3d>
+            <a:camera prst="orthographicFront"/>
+            <a:lightRig rig="twoPt" dir="t">
+              <a:rot lat="0" lon="0" rev="7200000"/>
+            </a:lightRig>
+          </a:scene3d>
+          <a:sp3d>
+            <a:bevelT w="25400" h="19050"/>
+            <a:contourClr>
+              <a:srgbClr val="FFFFFF"/>
+            </a:contourClr>
+          </a:sp3d>
+        </p:spPr>
+      </p:pic>
+    </p:spTree>
+    <p:extLst>
+      <p:ext uri="{BB962C8B-B14F-4D97-AF65-F5344CB8AC3E}">
+        <p14:creationId xmlns:p14="http://schemas.microsoft.com/office/powerpoint/2010/main" val="3653469286"/>
+      </p:ext>
+    </p:extLst>
+  </p:cSld>
+  <p:clrMapOvr>
+    <a:masterClrMapping/>
+  </p:clrMapOvr>
+  <p:timing>
+    <p:tnLst>
+      <p:par>
+        <p:cTn id="1" dur="indefinite" restart="never" nodeType="tmRoot"/>
+      </p:par>
+    </p:tnLst>
+  </p:timing>
+</p:sld>
+</file>
+
+<file path=ppt/slides/slide30.xml><?xml version="1.0" encoding="utf-8"?>
 <p:sld xmlns:a="http://schemas.openxmlformats.org/drawingml/2006/main" xmlns:r="http://schemas.openxmlformats.org/officeDocument/2006/relationships" xmlns:p="http://schemas.openxmlformats.org/presentationml/2006/main">
   <p:cSld>
     <p:spTree>
@@ -6098,7 +7372,7 @@
 </p:sld>
 </file>
 
-<file path=ppt/slides/slide26.xml><?xml version="1.0" encoding="utf-8"?>
+<file path=ppt/slides/slide31.xml><?xml version="1.0" encoding="utf-8"?>
 <p:sld xmlns:a="http://schemas.openxmlformats.org/drawingml/2006/main" xmlns:r="http://schemas.openxmlformats.org/officeDocument/2006/relationships" xmlns:p="http://schemas.openxmlformats.org/presentationml/2006/main">
   <p:cSld>
     <p:spTree>
@@ -6131,7 +7405,7 @@
         </p:blipFill>
         <p:spPr>
           <a:xfrm>
-            <a:off x="5065059" y="1352550"/>
+            <a:off x="5195688" y="1352550"/>
             <a:ext cx="7126942" cy="2571750"/>
           </a:xfrm>
           <a:prstGeom prst="rect">
@@ -6401,7 +7675,7 @@
 </p:sld>
 </file>
 
-<file path=ppt/slides/slide27.xml><?xml version="1.0" encoding="utf-8"?>
+<file path=ppt/slides/slide32.xml><?xml version="1.0" encoding="utf-8"?>
 <p:sld xmlns:a="http://schemas.openxmlformats.org/drawingml/2006/main" xmlns:r="http://schemas.openxmlformats.org/officeDocument/2006/relationships" xmlns:p="http://schemas.openxmlformats.org/presentationml/2006/main">
   <p:cSld>
     <p:spTree>
@@ -6620,7 +7894,7 @@
 </p:sld>
 </file>
 
-<file path=ppt/slides/slide28.xml><?xml version="1.0" encoding="utf-8"?>
+<file path=ppt/slides/slide33.xml><?xml version="1.0" encoding="utf-8"?>
 <p:sld xmlns:a="http://schemas.openxmlformats.org/drawingml/2006/main" xmlns:r="http://schemas.openxmlformats.org/officeDocument/2006/relationships" xmlns:p="http://schemas.openxmlformats.org/presentationml/2006/main">
   <p:cSld>
     <p:spTree>
@@ -6765,7 +8039,7 @@
 </p:sld>
 </file>
 
-<file path=ppt/slides/slide29.xml><?xml version="1.0" encoding="utf-8"?>
+<file path=ppt/slides/slide34.xml><?xml version="1.0" encoding="utf-8"?>
 <p:sld xmlns:a="http://schemas.openxmlformats.org/drawingml/2006/main" xmlns:r="http://schemas.openxmlformats.org/officeDocument/2006/relationships" xmlns:p="http://schemas.openxmlformats.org/presentationml/2006/main">
   <p:cSld>
     <p:spTree>
@@ -6974,173 +8248,7 @@
 </p:sld>
 </file>
 
-<file path=ppt/slides/slide3.xml><?xml version="1.0" encoding="utf-8"?>
-<p:sld xmlns:a="http://schemas.openxmlformats.org/drawingml/2006/main" xmlns:r="http://schemas.openxmlformats.org/officeDocument/2006/relationships" xmlns:p="http://schemas.openxmlformats.org/presentationml/2006/main">
-  <p:cSld>
-    <p:spTree>
-      <p:nvGrpSpPr>
-        <p:cNvPr id="1" name=""/>
-        <p:cNvGrpSpPr/>
-        <p:nvPr/>
-      </p:nvGrpSpPr>
-      <p:grpSpPr>
-        <a:xfrm>
-          <a:off x="0" y="0"/>
-          <a:ext cx="0" cy="0"/>
-          <a:chOff x="0" y="0"/>
-          <a:chExt cx="0" cy="0"/>
-        </a:xfrm>
-      </p:grpSpPr>
-      <p:sp>
-        <p:nvSpPr>
-          <p:cNvPr id="2" name="Title 1"/>
-          <p:cNvSpPr>
-            <a:spLocks noGrp="1"/>
-          </p:cNvSpPr>
-          <p:nvPr>
-            <p:ph type="title"/>
-          </p:nvPr>
-        </p:nvSpPr>
-        <p:spPr/>
-        <p:txBody>
-          <a:bodyPr/>
-          <a:lstStyle/>
-          <a:p>
-            <a:r>
-              <a:rPr lang="en-US" dirty="0" smtClean="0"/>
-              <a:t>Game Loop</a:t>
-            </a:r>
-            <a:endParaRPr lang="en-US" dirty="0"/>
-          </a:p>
-        </p:txBody>
-      </p:sp>
-      <p:sp>
-        <p:nvSpPr>
-          <p:cNvPr id="3" name="Content Placeholder 2"/>
-          <p:cNvSpPr>
-            <a:spLocks noGrp="1"/>
-          </p:cNvSpPr>
-          <p:nvPr>
-            <p:ph idx="1"/>
-          </p:nvPr>
-        </p:nvSpPr>
-        <p:spPr/>
-        <p:txBody>
-          <a:bodyPr/>
-          <a:lstStyle/>
-          <a:p>
-            <a:r>
-              <a:rPr lang="en-US" dirty="0" smtClean="0"/>
-              <a:t>Typical structure</a:t>
-            </a:r>
-          </a:p>
-          <a:p>
-            <a:pPr marL="0" indent="0">
-              <a:buNone/>
-            </a:pPr>
-            <a:endParaRPr lang="en-US" dirty="0" smtClean="0"/>
-          </a:p>
-          <a:p>
-            <a:endParaRPr lang="en-US" dirty="0" smtClean="0"/>
-          </a:p>
-          <a:p>
-            <a:endParaRPr lang="en-US" dirty="0"/>
-          </a:p>
-          <a:p>
-            <a:endParaRPr lang="en-US" dirty="0" smtClean="0"/>
-          </a:p>
-          <a:p>
-            <a:endParaRPr lang="en-US" dirty="0"/>
-          </a:p>
-          <a:p>
-            <a:endParaRPr lang="en-US" dirty="0" smtClean="0"/>
-          </a:p>
-          <a:p>
-            <a:r>
-              <a:rPr lang="en-US" dirty="0" smtClean="0"/>
-              <a:t>Notice: the input() update!</a:t>
-            </a:r>
-          </a:p>
-          <a:p>
-            <a:endParaRPr lang="en-US" dirty="0"/>
-          </a:p>
-        </p:txBody>
-      </p:sp>
-      <p:pic>
-        <p:nvPicPr>
-          <p:cNvPr id="4" name="Picture 3"/>
-          <p:cNvPicPr>
-            <a:picLocks noChangeAspect="1"/>
-          </p:cNvPicPr>
-          <p:nvPr/>
-        </p:nvPicPr>
-        <p:blipFill>
-          <a:blip r:embed="rId2"/>
-          <a:stretch>
-            <a:fillRect/>
-          </a:stretch>
-        </p:blipFill>
-        <p:spPr>
-          <a:xfrm>
-            <a:off x="1834896" y="2419159"/>
-            <a:ext cx="4333684" cy="2467301"/>
-          </a:xfrm>
-          <a:prstGeom prst="rect">
-            <a:avLst/>
-          </a:prstGeom>
-          <a:solidFill>
-            <a:srgbClr val="FFFFFF">
-              <a:shade val="85000"/>
-            </a:srgbClr>
-          </a:solidFill>
-          <a:ln w="88900" cap="sq">
-            <a:solidFill>
-              <a:srgbClr val="FFFFFF"/>
-            </a:solidFill>
-            <a:miter lim="800000"/>
-          </a:ln>
-          <a:effectLst>
-            <a:outerShdw blurRad="55000" dist="18000" dir="5400000" algn="tl" rotWithShape="0">
-              <a:srgbClr val="000000">
-                <a:alpha val="40000"/>
-              </a:srgbClr>
-            </a:outerShdw>
-          </a:effectLst>
-          <a:scene3d>
-            <a:camera prst="orthographicFront"/>
-            <a:lightRig rig="twoPt" dir="t">
-              <a:rot lat="0" lon="0" rev="7200000"/>
-            </a:lightRig>
-          </a:scene3d>
-          <a:sp3d>
-            <a:bevelT w="25400" h="19050"/>
-            <a:contourClr>
-              <a:srgbClr val="FFFFFF"/>
-            </a:contourClr>
-          </a:sp3d>
-        </p:spPr>
-      </p:pic>
-    </p:spTree>
-    <p:extLst>
-      <p:ext uri="{BB962C8B-B14F-4D97-AF65-F5344CB8AC3E}">
-        <p14:creationId xmlns:p14="http://schemas.microsoft.com/office/powerpoint/2010/main" val="3653469286"/>
-      </p:ext>
-    </p:extLst>
-  </p:cSld>
-  <p:clrMapOvr>
-    <a:masterClrMapping/>
-  </p:clrMapOvr>
-  <p:timing>
-    <p:tnLst>
-      <p:par>
-        <p:cTn id="1" dur="indefinite" restart="never" nodeType="tmRoot"/>
-      </p:par>
-    </p:tnLst>
-  </p:timing>
-</p:sld>
-</file>
-
-<file path=ppt/slides/slide30.xml><?xml version="1.0" encoding="utf-8"?>
+<file path=ppt/slides/slide35.xml><?xml version="1.0" encoding="utf-8"?>
 <p:sld xmlns:a="http://schemas.openxmlformats.org/drawingml/2006/main" xmlns:r="http://schemas.openxmlformats.org/officeDocument/2006/relationships" xmlns:p="http://schemas.openxmlformats.org/presentationml/2006/main">
   <p:cSld>
     <p:spTree>
@@ -7314,7 +8422,7 @@
 </p:sld>
 </file>
 
-<file path=ppt/slides/slide31.xml><?xml version="1.0" encoding="utf-8"?>
+<file path=ppt/slides/slide36.xml><?xml version="1.0" encoding="utf-8"?>
 <p:sld xmlns:a="http://schemas.openxmlformats.org/drawingml/2006/main" xmlns:r="http://schemas.openxmlformats.org/officeDocument/2006/relationships" xmlns:p="http://schemas.openxmlformats.org/presentationml/2006/main">
   <p:cSld>
     <p:spTree>
@@ -7484,7 +8592,7 @@
 </p:sld>
 </file>
 
-<file path=ppt/slides/slide32.xml><?xml version="1.0" encoding="utf-8"?>
+<file path=ppt/slides/slide37.xml><?xml version="1.0" encoding="utf-8"?>
 <p:sld xmlns:a="http://schemas.openxmlformats.org/drawingml/2006/main" xmlns:r="http://schemas.openxmlformats.org/officeDocument/2006/relationships" xmlns:p="http://schemas.openxmlformats.org/presentationml/2006/main">
   <p:cSld>
     <p:spTree>
@@ -7679,7 +8787,7 @@
 </p:sld>
 </file>
 
-<file path=ppt/slides/slide33.xml><?xml version="1.0" encoding="utf-8"?>
+<file path=ppt/slides/slide38.xml><?xml version="1.0" encoding="utf-8"?>
 <p:sld xmlns:a="http://schemas.openxmlformats.org/drawingml/2006/main" xmlns:r="http://schemas.openxmlformats.org/officeDocument/2006/relationships" xmlns:p="http://schemas.openxmlformats.org/presentationml/2006/main">
   <p:cSld>
     <p:spTree>
@@ -7997,7 +9105,7 @@
 </p:sld>
 </file>
 
-<file path=ppt/slides/slide34.xml><?xml version="1.0" encoding="utf-8"?>
+<file path=ppt/slides/slide39.xml><?xml version="1.0" encoding="utf-8"?>
 <p:sld xmlns:a="http://schemas.openxmlformats.org/drawingml/2006/main" xmlns:r="http://schemas.openxmlformats.org/officeDocument/2006/relationships" xmlns:p="http://schemas.openxmlformats.org/presentationml/2006/main">
   <p:cSld>
     <p:spTree>
@@ -8224,7 +9332,1041 @@
 </p:sld>
 </file>
 
-<file path=ppt/slides/slide35.xml><?xml version="1.0" encoding="utf-8"?>
+<file path=ppt/slides/slide4.xml><?xml version="1.0" encoding="utf-8"?>
+<p:sld xmlns:a="http://schemas.openxmlformats.org/drawingml/2006/main" xmlns:r="http://schemas.openxmlformats.org/officeDocument/2006/relationships" xmlns:p="http://schemas.openxmlformats.org/presentationml/2006/main">
+  <p:cSld>
+    <p:spTree>
+      <p:nvGrpSpPr>
+        <p:cNvPr id="1" name=""/>
+        <p:cNvGrpSpPr/>
+        <p:nvPr/>
+      </p:nvGrpSpPr>
+      <p:grpSpPr>
+        <a:xfrm>
+          <a:off x="0" y="0"/>
+          <a:ext cx="0" cy="0"/>
+          <a:chOff x="0" y="0"/>
+          <a:chExt cx="0" cy="0"/>
+        </a:xfrm>
+      </p:grpSpPr>
+      <p:sp>
+        <p:nvSpPr>
+          <p:cNvPr id="2" name="Title 1"/>
+          <p:cNvSpPr>
+            <a:spLocks noGrp="1"/>
+          </p:cNvSpPr>
+          <p:nvPr>
+            <p:ph type="title"/>
+          </p:nvPr>
+        </p:nvSpPr>
+        <p:spPr/>
+        <p:txBody>
+          <a:bodyPr/>
+          <a:lstStyle/>
+          <a:p>
+            <a:r>
+              <a:rPr lang="en-US" dirty="0" smtClean="0"/>
+              <a:t>Game Loop: Implementation</a:t>
+            </a:r>
+            <a:endParaRPr lang="en-US" dirty="0"/>
+          </a:p>
+        </p:txBody>
+      </p:sp>
+      <p:sp>
+        <p:nvSpPr>
+          <p:cNvPr id="3" name="Content Placeholder 2"/>
+          <p:cNvSpPr>
+            <a:spLocks noGrp="1"/>
+          </p:cNvSpPr>
+          <p:nvPr>
+            <p:ph idx="1"/>
+          </p:nvPr>
+        </p:nvSpPr>
+        <p:spPr/>
+        <p:txBody>
+          <a:bodyPr>
+            <a:normAutofit lnSpcReduction="10000"/>
+          </a:bodyPr>
+          <a:lstStyle/>
+          <a:p>
+            <a:endParaRPr lang="en-US" dirty="0" smtClean="0"/>
+          </a:p>
+          <a:p>
+            <a:endParaRPr lang="en-US" dirty="0"/>
+          </a:p>
+          <a:p>
+            <a:endParaRPr lang="en-US" dirty="0" smtClean="0"/>
+          </a:p>
+          <a:p>
+            <a:endParaRPr lang="en-US" dirty="0"/>
+          </a:p>
+          <a:p>
+            <a:endParaRPr lang="en-US" dirty="0" smtClean="0"/>
+          </a:p>
+          <a:p>
+            <a:pPr lvl="5"/>
+            <a:endParaRPr lang="en-US" dirty="0"/>
+          </a:p>
+          <a:p>
+            <a:r>
+              <a:rPr lang="en-US" dirty="0" smtClean="0"/>
+              <a:t>Input() inside vs outside of the real-time loop?</a:t>
+            </a:r>
+          </a:p>
+          <a:p>
+            <a:pPr lvl="1"/>
+            <a:r>
+              <a:rPr lang="en-US" dirty="0" smtClean="0"/>
+              <a:t>Responsiveness when game is lagging</a:t>
+            </a:r>
+          </a:p>
+          <a:p>
+            <a:r>
+              <a:rPr lang="en-US" dirty="0" smtClean="0"/>
+              <a:t>Fixed update rate:</a:t>
+            </a:r>
+          </a:p>
+          <a:p>
+            <a:pPr lvl="1"/>
+            <a:r>
+              <a:rPr lang="en-US" dirty="0" smtClean="0"/>
+              <a:t>Simple physics implementation (later in Chapter 9)</a:t>
+            </a:r>
+          </a:p>
+          <a:p>
+            <a:endParaRPr lang="en-US" dirty="0"/>
+          </a:p>
+        </p:txBody>
+      </p:sp>
+      <p:pic>
+        <p:nvPicPr>
+          <p:cNvPr id="4" name="Picture 3"/>
+          <p:cNvPicPr>
+            <a:picLocks noChangeAspect="1"/>
+          </p:cNvPicPr>
+          <p:nvPr/>
+        </p:nvPicPr>
+        <p:blipFill>
+          <a:blip r:embed="rId2"/>
+          <a:stretch>
+            <a:fillRect/>
+          </a:stretch>
+        </p:blipFill>
+        <p:spPr>
+          <a:xfrm>
+            <a:off x="2431574" y="1511808"/>
+            <a:ext cx="4164298" cy="2735890"/>
+          </a:xfrm>
+          <a:prstGeom prst="rect">
+            <a:avLst/>
+          </a:prstGeom>
+          <a:solidFill>
+            <a:srgbClr val="FFFFFF">
+              <a:shade val="85000"/>
+            </a:srgbClr>
+          </a:solidFill>
+          <a:ln w="88900" cap="sq">
+            <a:solidFill>
+              <a:srgbClr val="FFFFFF"/>
+            </a:solidFill>
+            <a:miter lim="800000"/>
+          </a:ln>
+          <a:effectLst>
+            <a:outerShdw blurRad="55000" dist="18000" dir="5400000" algn="tl" rotWithShape="0">
+              <a:srgbClr val="000000">
+                <a:alpha val="40000"/>
+              </a:srgbClr>
+            </a:outerShdw>
+          </a:effectLst>
+          <a:scene3d>
+            <a:camera prst="orthographicFront"/>
+            <a:lightRig rig="twoPt" dir="t">
+              <a:rot lat="0" lon="0" rev="7200000"/>
+            </a:lightRig>
+          </a:scene3d>
+          <a:sp3d>
+            <a:bevelT w="25400" h="19050"/>
+            <a:contourClr>
+              <a:srgbClr val="FFFFFF"/>
+            </a:contourClr>
+          </a:sp3d>
+        </p:spPr>
+      </p:pic>
+    </p:spTree>
+    <p:extLst>
+      <p:ext uri="{BB962C8B-B14F-4D97-AF65-F5344CB8AC3E}">
+        <p14:creationId xmlns:p14="http://schemas.microsoft.com/office/powerpoint/2010/main" val="3121104606"/>
+      </p:ext>
+    </p:extLst>
+  </p:cSld>
+  <p:clrMapOvr>
+    <a:masterClrMapping/>
+  </p:clrMapOvr>
+  <p:timing>
+    <p:tnLst>
+      <p:par>
+        <p:cTn id="1" dur="indefinite" restart="never" nodeType="tmRoot"/>
+      </p:par>
+    </p:tnLst>
+  </p:timing>
+</p:sld>
+</file>
+
+<file path=ppt/slides/slide40.xml><?xml version="1.0" encoding="utf-8"?>
+<p:sld xmlns:a="http://schemas.openxmlformats.org/drawingml/2006/main" xmlns:r="http://schemas.openxmlformats.org/officeDocument/2006/relationships" xmlns:p="http://schemas.openxmlformats.org/presentationml/2006/main">
+  <p:cSld>
+    <p:spTree>
+      <p:nvGrpSpPr>
+        <p:cNvPr id="1" name=""/>
+        <p:cNvGrpSpPr/>
+        <p:nvPr/>
+      </p:nvGrpSpPr>
+      <p:grpSpPr>
+        <a:xfrm>
+          <a:off x="0" y="0"/>
+          <a:ext cx="0" cy="0"/>
+          <a:chOff x="0" y="0"/>
+          <a:chExt cx="0" cy="0"/>
+        </a:xfrm>
+      </p:grpSpPr>
+      <p:sp>
+        <p:nvSpPr>
+          <p:cNvPr id="2" name="Title 1"/>
+          <p:cNvSpPr>
+            <a:spLocks noGrp="1"/>
+          </p:cNvSpPr>
+          <p:nvPr>
+            <p:ph type="title"/>
+          </p:nvPr>
+        </p:nvSpPr>
+        <p:spPr/>
+        <p:txBody>
+          <a:bodyPr/>
+          <a:lstStyle/>
+          <a:p>
+            <a:r>
+              <a:rPr lang="en-US" b="1" dirty="0" smtClean="0">
+                <a:solidFill>
+                  <a:srgbClr val="FF0000"/>
+                </a:solidFill>
+              </a:rPr>
+              <a:t>Questions</a:t>
+            </a:r>
+            <a:endParaRPr lang="en-US" b="1" dirty="0">
+              <a:solidFill>
+                <a:srgbClr val="FF0000"/>
+              </a:solidFill>
+            </a:endParaRPr>
+          </a:p>
+        </p:txBody>
+      </p:sp>
+      <p:sp>
+        <p:nvSpPr>
+          <p:cNvPr id="3" name="Content Placeholder 2"/>
+          <p:cNvSpPr>
+            <a:spLocks noGrp="1"/>
+          </p:cNvSpPr>
+          <p:nvPr>
+            <p:ph idx="1"/>
+          </p:nvPr>
+        </p:nvSpPr>
+        <p:spPr>
+          <a:xfrm>
+            <a:off x="838200" y="1436914"/>
+            <a:ext cx="10515600" cy="4740049"/>
+          </a:xfrm>
+        </p:spPr>
+        <p:txBody>
+          <a:bodyPr/>
+          <a:lstStyle/>
+          <a:p>
+            <a:r>
+              <a:rPr lang="en-US" dirty="0" err="1" smtClean="0"/>
+              <a:t>gEngine_TextFileLoadder</a:t>
+            </a:r>
+            <a:endParaRPr lang="en-US" dirty="0" smtClean="0"/>
+          </a:p>
+          <a:p>
+            <a:pPr lvl="1"/>
+            <a:r>
+              <a:rPr lang="en-US" dirty="0" smtClean="0"/>
+              <a:t>What format does</a:t>
+            </a:r>
+            <a:br>
+              <a:rPr lang="en-US" dirty="0" smtClean="0"/>
+            </a:br>
+            <a:r>
+              <a:rPr lang="en-US" dirty="0" smtClean="0"/>
+              <a:t> the loader support?</a:t>
+            </a:r>
+          </a:p>
+          <a:p>
+            <a:pPr lvl="1"/>
+            <a:endParaRPr lang="en-US" dirty="0"/>
+          </a:p>
+          <a:p>
+            <a:pPr lvl="1"/>
+            <a:endParaRPr lang="en-US" dirty="0" smtClean="0"/>
+          </a:p>
+          <a:p>
+            <a:pPr lvl="1"/>
+            <a:endParaRPr lang="en-US" dirty="0"/>
+          </a:p>
+          <a:p>
+            <a:pPr lvl="1"/>
+            <a:endParaRPr lang="en-US" dirty="0" smtClean="0"/>
+          </a:p>
+          <a:p>
+            <a:r>
+              <a:rPr lang="en-US" dirty="0" smtClean="0"/>
+              <a:t>How would you implement a JSON loader?</a:t>
+            </a:r>
+          </a:p>
+          <a:p>
+            <a:pPr marL="0" indent="0">
+              <a:buNone/>
+            </a:pPr>
+            <a:endParaRPr lang="en-US" dirty="0" smtClean="0"/>
+          </a:p>
+        </p:txBody>
+      </p:sp>
+      <p:pic>
+        <p:nvPicPr>
+          <p:cNvPr id="4" name="Picture 3"/>
+          <p:cNvPicPr>
+            <a:picLocks noChangeAspect="1"/>
+          </p:cNvPicPr>
+          <p:nvPr/>
+        </p:nvPicPr>
+        <p:blipFill>
+          <a:blip r:embed="rId2"/>
+          <a:stretch>
+            <a:fillRect/>
+          </a:stretch>
+        </p:blipFill>
+        <p:spPr>
+          <a:xfrm>
+            <a:off x="5186202" y="1027906"/>
+            <a:ext cx="6715224" cy="2729535"/>
+          </a:xfrm>
+          <a:prstGeom prst="rect">
+            <a:avLst/>
+          </a:prstGeom>
+          <a:solidFill>
+            <a:srgbClr val="FFFFFF">
+              <a:shade val="85000"/>
+            </a:srgbClr>
+          </a:solidFill>
+          <a:ln w="88900" cap="sq">
+            <a:solidFill>
+              <a:srgbClr val="FFFFFF"/>
+            </a:solidFill>
+            <a:miter lim="800000"/>
+          </a:ln>
+          <a:effectLst>
+            <a:outerShdw blurRad="55000" dist="18000" dir="5400000" algn="tl" rotWithShape="0">
+              <a:srgbClr val="000000">
+                <a:alpha val="40000"/>
+              </a:srgbClr>
+            </a:outerShdw>
+          </a:effectLst>
+          <a:scene3d>
+            <a:camera prst="orthographicFront"/>
+            <a:lightRig rig="twoPt" dir="t">
+              <a:rot lat="0" lon="0" rev="7200000"/>
+            </a:lightRig>
+          </a:scene3d>
+          <a:sp3d>
+            <a:bevelT w="25400" h="19050"/>
+            <a:contourClr>
+              <a:srgbClr val="FFFFFF"/>
+            </a:contourClr>
+          </a:sp3d>
+        </p:spPr>
+      </p:pic>
+    </p:spTree>
+    <p:extLst>
+      <p:ext uri="{BB962C8B-B14F-4D97-AF65-F5344CB8AC3E}">
+        <p14:creationId xmlns:p14="http://schemas.microsoft.com/office/powerpoint/2010/main" val="4210330986"/>
+      </p:ext>
+    </p:extLst>
+  </p:cSld>
+  <p:clrMapOvr>
+    <a:masterClrMapping/>
+  </p:clrMapOvr>
+</p:sld>
+</file>
+
+<file path=ppt/slides/slide41.xml><?xml version="1.0" encoding="utf-8"?>
+<p:sld xmlns:a="http://schemas.openxmlformats.org/drawingml/2006/main" xmlns:r="http://schemas.openxmlformats.org/officeDocument/2006/relationships" xmlns:p="http://schemas.openxmlformats.org/presentationml/2006/main">
+  <p:cSld>
+    <p:spTree>
+      <p:nvGrpSpPr>
+        <p:cNvPr id="1" name=""/>
+        <p:cNvGrpSpPr/>
+        <p:nvPr/>
+      </p:nvGrpSpPr>
+      <p:grpSpPr>
+        <a:xfrm>
+          <a:off x="0" y="0"/>
+          <a:ext cx="0" cy="0"/>
+          <a:chOff x="0" y="0"/>
+          <a:chExt cx="0" cy="0"/>
+        </a:xfrm>
+      </p:grpSpPr>
+      <p:sp>
+        <p:nvSpPr>
+          <p:cNvPr id="2" name="Title 1"/>
+          <p:cNvSpPr>
+            <a:spLocks noGrp="1"/>
+          </p:cNvSpPr>
+          <p:nvPr>
+            <p:ph type="title"/>
+          </p:nvPr>
+        </p:nvSpPr>
+        <p:spPr/>
+        <p:txBody>
+          <a:bodyPr>
+            <a:normAutofit/>
+          </a:bodyPr>
+          <a:lstStyle/>
+          <a:p>
+            <a:r>
+              <a:rPr lang="en-US" b="1" dirty="0" smtClean="0">
+                <a:solidFill>
+                  <a:srgbClr val="FF0000"/>
+                </a:solidFill>
+              </a:rPr>
+              <a:t>Questions: </a:t>
+            </a:r>
+            <a:r>
+              <a:rPr lang="en-US" dirty="0" smtClean="0"/>
+              <a:t>Assume an empty ResourceMap</a:t>
+            </a:r>
+            <a:r>
+              <a:rPr lang="en-US" dirty="0"/>
+              <a:t/>
+            </a:r>
+            <a:br>
+              <a:rPr lang="en-US" dirty="0"/>
+            </a:br>
+            <a:endParaRPr lang="en-US" b="1" dirty="0">
+              <a:solidFill>
+                <a:srgbClr val="FF0000"/>
+              </a:solidFill>
+            </a:endParaRPr>
+          </a:p>
+        </p:txBody>
+      </p:sp>
+      <p:sp>
+        <p:nvSpPr>
+          <p:cNvPr id="3" name="Content Placeholder 2"/>
+          <p:cNvSpPr>
+            <a:spLocks noGrp="1"/>
+          </p:cNvSpPr>
+          <p:nvPr>
+            <p:ph idx="1"/>
+          </p:nvPr>
+        </p:nvSpPr>
+        <p:spPr>
+          <a:xfrm>
+            <a:off x="838200" y="1436914"/>
+            <a:ext cx="10515600" cy="4740049"/>
+          </a:xfrm>
+        </p:spPr>
+        <p:txBody>
+          <a:bodyPr>
+            <a:normAutofit fontScale="92500" lnSpcReduction="10000"/>
+          </a:bodyPr>
+          <a:lstStyle/>
+          <a:p>
+            <a:r>
+              <a:rPr lang="en-US" dirty="0" smtClean="0"/>
+              <a:t>If I issue the following function calls one after the other [very quickly]</a:t>
+            </a:r>
+          </a:p>
+          <a:p>
+            <a:pPr marL="0" indent="0">
+              <a:buNone/>
+            </a:pPr>
+            <a:r>
+              <a:rPr lang="en-US" sz="1900" dirty="0" smtClean="0"/>
+              <a:t>	</a:t>
+            </a:r>
+            <a:r>
+              <a:rPr lang="en-US" sz="2000" dirty="0" err="1" smtClean="0"/>
+              <a:t>gEngine.TextFileLoader.loadTextFile</a:t>
+            </a:r>
+            <a:r>
+              <a:rPr lang="en-US" sz="2000" dirty="0" smtClean="0"/>
+              <a:t>(“aFile.txt”, </a:t>
+            </a:r>
+            <a:r>
+              <a:rPr lang="en-US" sz="2000" dirty="0" err="1" smtClean="0"/>
+              <a:t>eXMLFile</a:t>
+            </a:r>
+            <a:r>
+              <a:rPr lang="en-US" sz="2000" dirty="0" smtClean="0"/>
+              <a:t>);</a:t>
+            </a:r>
+          </a:p>
+          <a:p>
+            <a:pPr marL="0" indent="0">
+              <a:buNone/>
+            </a:pPr>
+            <a:r>
+              <a:rPr lang="en-US" sz="2000" dirty="0"/>
+              <a:t>	</a:t>
+            </a:r>
+            <a:r>
+              <a:rPr lang="en-US" sz="2000" dirty="0" err="1"/>
+              <a:t>gEngine.TextFileLoader.loadTextFile</a:t>
+            </a:r>
+            <a:r>
+              <a:rPr lang="en-US" sz="2000" dirty="0"/>
+              <a:t>(“aFile.txt”, </a:t>
+            </a:r>
+            <a:r>
+              <a:rPr lang="en-US" sz="2000" dirty="0" err="1"/>
+              <a:t>eXMLFile</a:t>
+            </a:r>
+            <a:r>
+              <a:rPr lang="en-US" sz="2000" dirty="0"/>
+              <a:t>);</a:t>
+            </a:r>
+          </a:p>
+          <a:p>
+            <a:r>
+              <a:rPr lang="en-US" dirty="0" smtClean="0"/>
+              <a:t>What is the value of </a:t>
+            </a:r>
+          </a:p>
+          <a:p>
+            <a:pPr marL="0" indent="0">
+              <a:buNone/>
+            </a:pPr>
+            <a:r>
+              <a:rPr lang="en-US" dirty="0"/>
+              <a:t>	</a:t>
+            </a:r>
+            <a:r>
+              <a:rPr lang="en-US" sz="2000" dirty="0" err="1" smtClean="0"/>
+              <a:t>gEngine.ResourceMap.mNumOutstandingLoads</a:t>
+            </a:r>
+            <a:r>
+              <a:rPr lang="en-US" sz="2000" dirty="0" smtClean="0"/>
+              <a:t>()</a:t>
+            </a:r>
+            <a:r>
+              <a:rPr lang="en-US" dirty="0" smtClean="0"/>
+              <a:t>?</a:t>
+            </a:r>
+            <a:endParaRPr lang="en-US" dirty="0"/>
+          </a:p>
+          <a:p>
+            <a:r>
+              <a:rPr lang="en-US" dirty="0" smtClean="0"/>
+              <a:t>How many entries are in </a:t>
+            </a:r>
+          </a:p>
+          <a:p>
+            <a:pPr marL="0" indent="0">
+              <a:buNone/>
+            </a:pPr>
+            <a:r>
+              <a:rPr lang="en-US" dirty="0"/>
+              <a:t>	</a:t>
+            </a:r>
+            <a:r>
+              <a:rPr lang="en-US" sz="2000" dirty="0" err="1" smtClean="0"/>
+              <a:t>gEngine.ResourceMap.mResourceMap</a:t>
+            </a:r>
+            <a:r>
+              <a:rPr lang="en-US" sz="2000" dirty="0" smtClean="0"/>
+              <a:t>[]</a:t>
+            </a:r>
+            <a:r>
+              <a:rPr lang="en-US" dirty="0" smtClean="0"/>
+              <a:t>?</a:t>
+            </a:r>
+          </a:p>
+          <a:p>
+            <a:r>
+              <a:rPr lang="en-US" dirty="0"/>
+              <a:t>How many actual OS file read are issued</a:t>
+            </a:r>
+            <a:r>
+              <a:rPr lang="en-US" dirty="0" smtClean="0"/>
+              <a:t>?</a:t>
+            </a:r>
+          </a:p>
+          <a:p>
+            <a:r>
+              <a:rPr lang="en-US" dirty="0" smtClean="0"/>
+              <a:t>If </a:t>
+            </a:r>
+            <a:r>
+              <a:rPr lang="en-US" b="1" dirty="0" err="1" smtClean="0"/>
+              <a:t>mLoadCompleteCallBack</a:t>
+            </a:r>
+            <a:r>
+              <a:rPr lang="en-US" b="1" dirty="0" smtClean="0"/>
+              <a:t> </a:t>
+            </a:r>
+            <a:r>
+              <a:rPr lang="en-US" dirty="0" smtClean="0"/>
+              <a:t>is properly initialized</a:t>
+            </a:r>
+          </a:p>
+          <a:p>
+            <a:pPr lvl="1"/>
+            <a:r>
+              <a:rPr lang="en-US" dirty="0" smtClean="0"/>
+              <a:t>How many times will _</a:t>
+            </a:r>
+            <a:r>
+              <a:rPr lang="en-US" dirty="0" err="1" smtClean="0"/>
+              <a:t>checkForAllLoadCompleted</a:t>
+            </a:r>
+            <a:r>
+              <a:rPr lang="en-US" dirty="0" smtClean="0"/>
+              <a:t>() be called?</a:t>
+            </a:r>
+          </a:p>
+          <a:p>
+            <a:pPr lvl="1"/>
+            <a:r>
+              <a:rPr lang="en-US" dirty="0" smtClean="0"/>
+              <a:t>How many times will </a:t>
+            </a:r>
+            <a:r>
+              <a:rPr lang="en-US" dirty="0" err="1" smtClean="0"/>
+              <a:t>mLoadCompleteCallback</a:t>
+            </a:r>
+            <a:r>
+              <a:rPr lang="en-US" dirty="0" smtClean="0"/>
+              <a:t>() be called?</a:t>
+            </a:r>
+            <a:endParaRPr lang="en-US" dirty="0"/>
+          </a:p>
+          <a:p>
+            <a:pPr marL="0" indent="0">
+              <a:buNone/>
+            </a:pPr>
+            <a:endParaRPr lang="en-US" dirty="0" smtClean="0"/>
+          </a:p>
+        </p:txBody>
+      </p:sp>
+    </p:spTree>
+    <p:extLst>
+      <p:ext uri="{BB962C8B-B14F-4D97-AF65-F5344CB8AC3E}">
+        <p14:creationId xmlns:p14="http://schemas.microsoft.com/office/powerpoint/2010/main" val="3278227726"/>
+      </p:ext>
+    </p:extLst>
+  </p:cSld>
+  <p:clrMapOvr>
+    <a:masterClrMapping/>
+  </p:clrMapOvr>
+</p:sld>
+</file>
+
+<file path=ppt/slides/slide42.xml><?xml version="1.0" encoding="utf-8"?>
+<p:sld xmlns:a="http://schemas.openxmlformats.org/drawingml/2006/main" xmlns:r="http://schemas.openxmlformats.org/officeDocument/2006/relationships" xmlns:p="http://schemas.openxmlformats.org/presentationml/2006/main">
+  <p:cSld>
+    <p:spTree>
+      <p:nvGrpSpPr>
+        <p:cNvPr id="1" name=""/>
+        <p:cNvGrpSpPr/>
+        <p:nvPr/>
+      </p:nvGrpSpPr>
+      <p:grpSpPr>
+        <a:xfrm>
+          <a:off x="0" y="0"/>
+          <a:ext cx="0" cy="0"/>
+          <a:chOff x="0" y="0"/>
+          <a:chExt cx="0" cy="0"/>
+        </a:xfrm>
+      </p:grpSpPr>
+      <p:sp>
+        <p:nvSpPr>
+          <p:cNvPr id="2" name="Title 1"/>
+          <p:cNvSpPr>
+            <a:spLocks noGrp="1"/>
+          </p:cNvSpPr>
+          <p:nvPr>
+            <p:ph type="title"/>
+          </p:nvPr>
+        </p:nvSpPr>
+        <p:spPr/>
+        <p:txBody>
+          <a:bodyPr>
+            <a:normAutofit/>
+          </a:bodyPr>
+          <a:lstStyle/>
+          <a:p>
+            <a:r>
+              <a:rPr lang="en-US" b="1" dirty="0" smtClean="0">
+                <a:solidFill>
+                  <a:srgbClr val="FF0000"/>
+                </a:solidFill>
+              </a:rPr>
+              <a:t>Questions: </a:t>
+            </a:r>
+            <a:r>
+              <a:rPr lang="en-US" dirty="0" smtClean="0"/>
+              <a:t>Assume an empty ResourceMap</a:t>
+            </a:r>
+            <a:r>
+              <a:rPr lang="en-US" dirty="0"/>
+              <a:t/>
+            </a:r>
+            <a:br>
+              <a:rPr lang="en-US" dirty="0"/>
+            </a:br>
+            <a:endParaRPr lang="en-US" b="1" dirty="0">
+              <a:solidFill>
+                <a:srgbClr val="FF0000"/>
+              </a:solidFill>
+            </a:endParaRPr>
+          </a:p>
+        </p:txBody>
+      </p:sp>
+      <p:sp>
+        <p:nvSpPr>
+          <p:cNvPr id="3" name="Content Placeholder 2"/>
+          <p:cNvSpPr>
+            <a:spLocks noGrp="1"/>
+          </p:cNvSpPr>
+          <p:nvPr>
+            <p:ph idx="1"/>
+          </p:nvPr>
+        </p:nvSpPr>
+        <p:spPr>
+          <a:xfrm>
+            <a:off x="838200" y="1436914"/>
+            <a:ext cx="10515600" cy="4740049"/>
+          </a:xfrm>
+        </p:spPr>
+        <p:txBody>
+          <a:bodyPr>
+            <a:normAutofit fontScale="92500" lnSpcReduction="10000"/>
+          </a:bodyPr>
+          <a:lstStyle/>
+          <a:p>
+            <a:r>
+              <a:rPr lang="en-US" dirty="0" smtClean="0"/>
+              <a:t>If I issue the following function calls one after the other [very quickly]</a:t>
+            </a:r>
+          </a:p>
+          <a:p>
+            <a:pPr marL="0" indent="0">
+              <a:buNone/>
+            </a:pPr>
+            <a:r>
+              <a:rPr lang="en-US" sz="1900" dirty="0" smtClean="0"/>
+              <a:t>	</a:t>
+            </a:r>
+            <a:r>
+              <a:rPr lang="en-US" sz="2000" dirty="0" err="1" smtClean="0"/>
+              <a:t>gEngine.TextFileLoader.loadTextFile</a:t>
+            </a:r>
+            <a:r>
+              <a:rPr lang="en-US" sz="2000" dirty="0" smtClean="0"/>
+              <a:t>(“aFile.txt”, </a:t>
+            </a:r>
+            <a:r>
+              <a:rPr lang="en-US" sz="2000" dirty="0" err="1" smtClean="0"/>
+              <a:t>eXMLFile</a:t>
+            </a:r>
+            <a:r>
+              <a:rPr lang="en-US" sz="2000" dirty="0" smtClean="0"/>
+              <a:t>);</a:t>
+            </a:r>
+          </a:p>
+          <a:p>
+            <a:pPr marL="0" indent="0">
+              <a:buNone/>
+            </a:pPr>
+            <a:r>
+              <a:rPr lang="en-US" sz="2000" dirty="0"/>
+              <a:t>	</a:t>
+            </a:r>
+            <a:r>
+              <a:rPr lang="en-US" sz="2000" dirty="0" err="1"/>
+              <a:t>gEngine.TextFileLoader.loadTextFile</a:t>
+            </a:r>
+            <a:r>
+              <a:rPr lang="en-US" sz="2000" dirty="0"/>
+              <a:t>(“aFile.txt”, </a:t>
+            </a:r>
+            <a:r>
+              <a:rPr lang="en-US" sz="2000" dirty="0" err="1"/>
+              <a:t>eXMLFile</a:t>
+            </a:r>
+            <a:r>
+              <a:rPr lang="en-US" sz="2000" dirty="0"/>
+              <a:t>);</a:t>
+            </a:r>
+          </a:p>
+          <a:p>
+            <a:r>
+              <a:rPr lang="en-US" dirty="0" smtClean="0"/>
+              <a:t>What is the value of </a:t>
+            </a:r>
+          </a:p>
+          <a:p>
+            <a:pPr marL="0" indent="0">
+              <a:buNone/>
+            </a:pPr>
+            <a:r>
+              <a:rPr lang="en-US" dirty="0"/>
+              <a:t>	</a:t>
+            </a:r>
+            <a:r>
+              <a:rPr lang="en-US" sz="2000" dirty="0" err="1" smtClean="0"/>
+              <a:t>gEngine.ResourceMap.mNumOutstandingLoads</a:t>
+            </a:r>
+            <a:r>
+              <a:rPr lang="en-US" sz="2000" dirty="0" smtClean="0"/>
+              <a:t>()</a:t>
+            </a:r>
+            <a:r>
+              <a:rPr lang="en-US" dirty="0" smtClean="0"/>
+              <a:t>?   </a:t>
+            </a:r>
+            <a:r>
+              <a:rPr lang="en-US" b="1" dirty="0" smtClean="0">
+                <a:solidFill>
+                  <a:srgbClr val="FF0000"/>
+                </a:solidFill>
+                <a:sym typeface="Wingdings" panose="05000000000000000000" pitchFamily="2" charset="2"/>
+              </a:rPr>
+              <a:t> </a:t>
+            </a:r>
+            <a:r>
+              <a:rPr lang="en-US" b="1" dirty="0" smtClean="0">
+                <a:solidFill>
+                  <a:srgbClr val="FF0000"/>
+                </a:solidFill>
+                <a:sym typeface="Wingdings" panose="05000000000000000000" pitchFamily="2" charset="2"/>
+              </a:rPr>
+              <a:t>1</a:t>
+            </a:r>
+            <a:endParaRPr lang="en-US" b="1" dirty="0">
+              <a:solidFill>
+                <a:srgbClr val="FF0000"/>
+              </a:solidFill>
+            </a:endParaRPr>
+          </a:p>
+          <a:p>
+            <a:r>
+              <a:rPr lang="en-US" dirty="0" smtClean="0"/>
+              <a:t>How many entries are in </a:t>
+            </a:r>
+          </a:p>
+          <a:p>
+            <a:pPr marL="0" indent="0">
+              <a:buNone/>
+            </a:pPr>
+            <a:r>
+              <a:rPr lang="en-US" dirty="0"/>
+              <a:t>	</a:t>
+            </a:r>
+            <a:r>
+              <a:rPr lang="en-US" sz="2000" dirty="0" err="1" smtClean="0"/>
+              <a:t>gEngine.ResourceMap.mResourceMap</a:t>
+            </a:r>
+            <a:r>
+              <a:rPr lang="en-US" sz="2000" dirty="0" smtClean="0"/>
+              <a:t>[]</a:t>
+            </a:r>
+            <a:r>
+              <a:rPr lang="en-US" dirty="0" smtClean="0"/>
+              <a:t>? </a:t>
+            </a:r>
+            <a:r>
+              <a:rPr lang="en-US" b="1" dirty="0">
+                <a:solidFill>
+                  <a:srgbClr val="FF0000"/>
+                </a:solidFill>
+                <a:sym typeface="Wingdings" panose="05000000000000000000" pitchFamily="2" charset="2"/>
+              </a:rPr>
+              <a:t> </a:t>
+            </a:r>
+            <a:r>
+              <a:rPr lang="en-US" b="1" dirty="0" smtClean="0">
+                <a:solidFill>
+                  <a:srgbClr val="FF0000"/>
+                </a:solidFill>
+                <a:sym typeface="Wingdings" panose="05000000000000000000" pitchFamily="2" charset="2"/>
+              </a:rPr>
+              <a:t>1 (second </a:t>
+            </a:r>
+            <a:r>
+              <a:rPr lang="en-US" b="1" dirty="0" err="1" smtClean="0">
+                <a:solidFill>
+                  <a:srgbClr val="FF0000"/>
+                </a:solidFill>
+                <a:sym typeface="Wingdings" panose="05000000000000000000" pitchFamily="2" charset="2"/>
+              </a:rPr>
+              <a:t>overrided</a:t>
+            </a:r>
+            <a:r>
+              <a:rPr lang="en-US" b="1" dirty="0" smtClean="0">
+                <a:solidFill>
+                  <a:srgbClr val="FF0000"/>
+                </a:solidFill>
+                <a:sym typeface="Wingdings" panose="05000000000000000000" pitchFamily="2" charset="2"/>
+              </a:rPr>
+              <a:t> first)</a:t>
+            </a:r>
+            <a:endParaRPr lang="en-US" b="1" dirty="0">
+              <a:solidFill>
+                <a:srgbClr val="FF0000"/>
+              </a:solidFill>
+            </a:endParaRPr>
+          </a:p>
+          <a:p>
+            <a:r>
+              <a:rPr lang="en-US" dirty="0" smtClean="0"/>
+              <a:t>How </a:t>
+            </a:r>
+            <a:r>
+              <a:rPr lang="en-US" dirty="0"/>
+              <a:t>many actual OS file read are issued</a:t>
+            </a:r>
+            <a:r>
+              <a:rPr lang="en-US" dirty="0" smtClean="0"/>
+              <a:t>?</a:t>
+            </a:r>
+            <a:r>
+              <a:rPr lang="en-US" b="1" dirty="0">
+                <a:solidFill>
+                  <a:srgbClr val="FF0000"/>
+                </a:solidFill>
+                <a:sym typeface="Wingdings" panose="05000000000000000000" pitchFamily="2" charset="2"/>
+              </a:rPr>
+              <a:t>  </a:t>
+            </a:r>
+            <a:r>
+              <a:rPr lang="en-US" b="1" dirty="0" smtClean="0">
+                <a:solidFill>
+                  <a:srgbClr val="FF0000"/>
+                </a:solidFill>
+                <a:sym typeface="Wingdings" panose="05000000000000000000" pitchFamily="2" charset="2"/>
+              </a:rPr>
+              <a:t>1</a:t>
+            </a:r>
+            <a:endParaRPr lang="en-US" dirty="0" smtClean="0"/>
+          </a:p>
+          <a:p>
+            <a:r>
+              <a:rPr lang="en-US" dirty="0" smtClean="0"/>
+              <a:t>If </a:t>
+            </a:r>
+            <a:r>
+              <a:rPr lang="en-US" b="1" dirty="0" err="1" smtClean="0"/>
+              <a:t>mLoadCompleteCallBack</a:t>
+            </a:r>
+            <a:r>
+              <a:rPr lang="en-US" b="1" dirty="0" smtClean="0"/>
+              <a:t> </a:t>
+            </a:r>
+            <a:r>
+              <a:rPr lang="en-US" dirty="0" smtClean="0"/>
+              <a:t>is properly initialized</a:t>
+            </a:r>
+          </a:p>
+          <a:p>
+            <a:pPr lvl="1"/>
+            <a:r>
+              <a:rPr lang="en-US" dirty="0" smtClean="0"/>
+              <a:t>How many times will _</a:t>
+            </a:r>
+            <a:r>
+              <a:rPr lang="en-US" dirty="0" err="1" smtClean="0"/>
+              <a:t>checkForAllLoadCompleted</a:t>
+            </a:r>
+            <a:r>
+              <a:rPr lang="en-US" dirty="0" smtClean="0"/>
+              <a:t>() be called? </a:t>
+            </a:r>
+            <a:r>
+              <a:rPr lang="en-US" b="1" dirty="0">
+                <a:solidFill>
+                  <a:srgbClr val="FF0000"/>
+                </a:solidFill>
+                <a:sym typeface="Wingdings" panose="05000000000000000000" pitchFamily="2" charset="2"/>
+              </a:rPr>
+              <a:t>1</a:t>
+            </a:r>
+            <a:r>
+              <a:rPr lang="en-US" b="1" smtClean="0">
+                <a:solidFill>
+                  <a:srgbClr val="FF0000"/>
+                </a:solidFill>
+                <a:sym typeface="Wingdings" panose="05000000000000000000" pitchFamily="2" charset="2"/>
+              </a:rPr>
+              <a:t> </a:t>
+            </a:r>
+            <a:r>
+              <a:rPr lang="en-US" b="1" dirty="0" smtClean="0">
+                <a:solidFill>
+                  <a:srgbClr val="FF0000"/>
+                </a:solidFill>
+                <a:sym typeface="Wingdings" panose="05000000000000000000" pitchFamily="2" charset="2"/>
+              </a:rPr>
+              <a:t>(once for each read)</a:t>
+            </a:r>
+            <a:endParaRPr lang="en-US" dirty="0" smtClean="0"/>
+          </a:p>
+          <a:p>
+            <a:pPr lvl="1"/>
+            <a:r>
+              <a:rPr lang="en-US" dirty="0" smtClean="0"/>
+              <a:t>How many times will </a:t>
+            </a:r>
+            <a:r>
+              <a:rPr lang="en-US" dirty="0" err="1" smtClean="0"/>
+              <a:t>mLoadCompleteCallback</a:t>
+            </a:r>
+            <a:r>
+              <a:rPr lang="en-US" dirty="0" smtClean="0"/>
+              <a:t>() be called? </a:t>
+            </a:r>
+            <a:r>
+              <a:rPr lang="en-US" b="1" dirty="0" smtClean="0">
+                <a:solidFill>
+                  <a:srgbClr val="FF0000"/>
+                </a:solidFill>
+                <a:sym typeface="Wingdings" panose="05000000000000000000" pitchFamily="2" charset="2"/>
+              </a:rPr>
+              <a:t>Once, when all read are returned</a:t>
+            </a:r>
+            <a:endParaRPr lang="en-US" dirty="0"/>
+          </a:p>
+          <a:p>
+            <a:pPr marL="0" indent="0">
+              <a:buNone/>
+            </a:pPr>
+            <a:endParaRPr lang="en-US" dirty="0" smtClean="0"/>
+          </a:p>
+        </p:txBody>
+      </p:sp>
+    </p:spTree>
+    <p:extLst>
+      <p:ext uri="{BB962C8B-B14F-4D97-AF65-F5344CB8AC3E}">
+        <p14:creationId xmlns:p14="http://schemas.microsoft.com/office/powerpoint/2010/main" val="825488102"/>
+      </p:ext>
+    </p:extLst>
+  </p:cSld>
+  <p:clrMapOvr>
+    <a:masterClrMapping/>
+  </p:clrMapOvr>
+</p:sld>
+</file>
+
+<file path=ppt/slides/slide43.xml><?xml version="1.0" encoding="utf-8"?>
 <p:sld xmlns:a="http://schemas.openxmlformats.org/drawingml/2006/main" xmlns:r="http://schemas.openxmlformats.org/officeDocument/2006/relationships" xmlns:p="http://schemas.openxmlformats.org/presentationml/2006/main">
   <p:cSld>
     <p:spTree>
@@ -8303,7 +10445,7 @@
 </p:sld>
 </file>
 
-<file path=ppt/slides/slide36.xml><?xml version="1.0" encoding="utf-8"?>
+<file path=ppt/slides/slide44.xml><?xml version="1.0" encoding="utf-8"?>
 <p:sld xmlns:a="http://schemas.openxmlformats.org/drawingml/2006/main" xmlns:r="http://schemas.openxmlformats.org/officeDocument/2006/relationships" xmlns:p="http://schemas.openxmlformats.org/presentationml/2006/main">
   <p:cSld>
     <p:spTree>
@@ -8461,7 +10603,7 @@
 </p:sld>
 </file>
 
-<file path=ppt/slides/slide37.xml><?xml version="1.0" encoding="utf-8"?>
+<file path=ppt/slides/slide45.xml><?xml version="1.0" encoding="utf-8"?>
 <p:sld xmlns:a="http://schemas.openxmlformats.org/drawingml/2006/main" xmlns:r="http://schemas.openxmlformats.org/officeDocument/2006/relationships" xmlns:p="http://schemas.openxmlformats.org/presentationml/2006/main">
   <p:cSld>
     <p:spTree>
@@ -8611,7 +10753,7 @@
 </p:sld>
 </file>
 
-<file path=ppt/slides/slide38.xml><?xml version="1.0" encoding="utf-8"?>
+<file path=ppt/slides/slide46.xml><?xml version="1.0" encoding="utf-8"?>
 <p:sld xmlns:a="http://schemas.openxmlformats.org/drawingml/2006/main" xmlns:r="http://schemas.openxmlformats.org/officeDocument/2006/relationships" xmlns:p="http://schemas.openxmlformats.org/presentationml/2006/main">
   <p:cSld>
     <p:spTree>
@@ -8799,7 +10941,7 @@
 </p:sld>
 </file>
 
-<file path=ppt/slides/slide39.xml><?xml version="1.0" encoding="utf-8"?>
+<file path=ppt/slides/slide47.xml><?xml version="1.0" encoding="utf-8"?>
 <p:sld xmlns:a="http://schemas.openxmlformats.org/drawingml/2006/main" xmlns:r="http://schemas.openxmlformats.org/officeDocument/2006/relationships" xmlns:p="http://schemas.openxmlformats.org/presentationml/2006/main">
   <p:cSld>
     <p:spTree>
@@ -8937,187 +11079,7 @@
 </p:sld>
 </file>
 
-<file path=ppt/slides/slide4.xml><?xml version="1.0" encoding="utf-8"?>
-<p:sld xmlns:a="http://schemas.openxmlformats.org/drawingml/2006/main" xmlns:r="http://schemas.openxmlformats.org/officeDocument/2006/relationships" xmlns:p="http://schemas.openxmlformats.org/presentationml/2006/main">
-  <p:cSld>
-    <p:spTree>
-      <p:nvGrpSpPr>
-        <p:cNvPr id="1" name=""/>
-        <p:cNvGrpSpPr/>
-        <p:nvPr/>
-      </p:nvGrpSpPr>
-      <p:grpSpPr>
-        <a:xfrm>
-          <a:off x="0" y="0"/>
-          <a:ext cx="0" cy="0"/>
-          <a:chOff x="0" y="0"/>
-          <a:chExt cx="0" cy="0"/>
-        </a:xfrm>
-      </p:grpSpPr>
-      <p:sp>
-        <p:nvSpPr>
-          <p:cNvPr id="2" name="Title 1"/>
-          <p:cNvSpPr>
-            <a:spLocks noGrp="1"/>
-          </p:cNvSpPr>
-          <p:nvPr>
-            <p:ph type="title"/>
-          </p:nvPr>
-        </p:nvSpPr>
-        <p:spPr/>
-        <p:txBody>
-          <a:bodyPr/>
-          <a:lstStyle/>
-          <a:p>
-            <a:r>
-              <a:rPr lang="en-US" dirty="0" smtClean="0"/>
-              <a:t>Game Loop: Implementation</a:t>
-            </a:r>
-            <a:endParaRPr lang="en-US" dirty="0"/>
-          </a:p>
-        </p:txBody>
-      </p:sp>
-      <p:sp>
-        <p:nvSpPr>
-          <p:cNvPr id="3" name="Content Placeholder 2"/>
-          <p:cNvSpPr>
-            <a:spLocks noGrp="1"/>
-          </p:cNvSpPr>
-          <p:nvPr>
-            <p:ph idx="1"/>
-          </p:nvPr>
-        </p:nvSpPr>
-        <p:spPr/>
-        <p:txBody>
-          <a:bodyPr>
-            <a:normAutofit lnSpcReduction="10000"/>
-          </a:bodyPr>
-          <a:lstStyle/>
-          <a:p>
-            <a:endParaRPr lang="en-US" dirty="0" smtClean="0"/>
-          </a:p>
-          <a:p>
-            <a:endParaRPr lang="en-US" dirty="0"/>
-          </a:p>
-          <a:p>
-            <a:endParaRPr lang="en-US" dirty="0" smtClean="0"/>
-          </a:p>
-          <a:p>
-            <a:endParaRPr lang="en-US" dirty="0"/>
-          </a:p>
-          <a:p>
-            <a:endParaRPr lang="en-US" dirty="0" smtClean="0"/>
-          </a:p>
-          <a:p>
-            <a:pPr lvl="5"/>
-            <a:endParaRPr lang="en-US" dirty="0"/>
-          </a:p>
-          <a:p>
-            <a:r>
-              <a:rPr lang="en-US" dirty="0" smtClean="0"/>
-              <a:t>Input() inside vs outside of the real-time loop?</a:t>
-            </a:r>
-          </a:p>
-          <a:p>
-            <a:pPr lvl="1"/>
-            <a:r>
-              <a:rPr lang="en-US" dirty="0" smtClean="0"/>
-              <a:t>Responsiveness when game is lagging</a:t>
-            </a:r>
-          </a:p>
-          <a:p>
-            <a:r>
-              <a:rPr lang="en-US" dirty="0" smtClean="0"/>
-              <a:t>Fixed update rate:</a:t>
-            </a:r>
-          </a:p>
-          <a:p>
-            <a:pPr lvl="1"/>
-            <a:r>
-              <a:rPr lang="en-US" dirty="0" smtClean="0"/>
-              <a:t>Simple physics implementation (later in Chapter 9)</a:t>
-            </a:r>
-          </a:p>
-          <a:p>
-            <a:endParaRPr lang="en-US" dirty="0"/>
-          </a:p>
-        </p:txBody>
-      </p:sp>
-      <p:pic>
-        <p:nvPicPr>
-          <p:cNvPr id="4" name="Picture 3"/>
-          <p:cNvPicPr>
-            <a:picLocks noChangeAspect="1"/>
-          </p:cNvPicPr>
-          <p:nvPr/>
-        </p:nvPicPr>
-        <p:blipFill>
-          <a:blip r:embed="rId2"/>
-          <a:stretch>
-            <a:fillRect/>
-          </a:stretch>
-        </p:blipFill>
-        <p:spPr>
-          <a:xfrm>
-            <a:off x="2431574" y="1511808"/>
-            <a:ext cx="4164298" cy="2735890"/>
-          </a:xfrm>
-          <a:prstGeom prst="rect">
-            <a:avLst/>
-          </a:prstGeom>
-          <a:solidFill>
-            <a:srgbClr val="FFFFFF">
-              <a:shade val="85000"/>
-            </a:srgbClr>
-          </a:solidFill>
-          <a:ln w="88900" cap="sq">
-            <a:solidFill>
-              <a:srgbClr val="FFFFFF"/>
-            </a:solidFill>
-            <a:miter lim="800000"/>
-          </a:ln>
-          <a:effectLst>
-            <a:outerShdw blurRad="55000" dist="18000" dir="5400000" algn="tl" rotWithShape="0">
-              <a:srgbClr val="000000">
-                <a:alpha val="40000"/>
-              </a:srgbClr>
-            </a:outerShdw>
-          </a:effectLst>
-          <a:scene3d>
-            <a:camera prst="orthographicFront"/>
-            <a:lightRig rig="twoPt" dir="t">
-              <a:rot lat="0" lon="0" rev="7200000"/>
-            </a:lightRig>
-          </a:scene3d>
-          <a:sp3d>
-            <a:bevelT w="25400" h="19050"/>
-            <a:contourClr>
-              <a:srgbClr val="FFFFFF"/>
-            </a:contourClr>
-          </a:sp3d>
-        </p:spPr>
-      </p:pic>
-    </p:spTree>
-    <p:extLst>
-      <p:ext uri="{BB962C8B-B14F-4D97-AF65-F5344CB8AC3E}">
-        <p14:creationId xmlns:p14="http://schemas.microsoft.com/office/powerpoint/2010/main" val="3121104606"/>
-      </p:ext>
-    </p:extLst>
-  </p:cSld>
-  <p:clrMapOvr>
-    <a:masterClrMapping/>
-  </p:clrMapOvr>
-  <p:timing>
-    <p:tnLst>
-      <p:par>
-        <p:cTn id="1" dur="indefinite" restart="never" nodeType="tmRoot"/>
-      </p:par>
-    </p:tnLst>
-  </p:timing>
-</p:sld>
-</file>
-
-<file path=ppt/slides/slide40.xml><?xml version="1.0" encoding="utf-8"?>
+<file path=ppt/slides/slide48.xml><?xml version="1.0" encoding="utf-8"?>
 <p:sld xmlns:a="http://schemas.openxmlformats.org/drawingml/2006/main" xmlns:r="http://schemas.openxmlformats.org/officeDocument/2006/relationships" xmlns:p="http://schemas.openxmlformats.org/presentationml/2006/main">
   <p:cSld>
     <p:spTree>
@@ -9487,7 +11449,7 @@
 </p:sld>
 </file>
 
-<file path=ppt/slides/slide41.xml><?xml version="1.0" encoding="utf-8"?>
+<file path=ppt/slides/slide49.xml><?xml version="1.0" encoding="utf-8"?>
 <p:sld xmlns:a="http://schemas.openxmlformats.org/drawingml/2006/main" xmlns:r="http://schemas.openxmlformats.org/officeDocument/2006/relationships" xmlns:p="http://schemas.openxmlformats.org/presentationml/2006/main">
   <p:cSld>
     <p:spTree>
@@ -9928,7 +11890,215 @@
 </p:sld>
 </file>
 
-<file path=ppt/slides/slide42.xml><?xml version="1.0" encoding="utf-8"?>
+<file path=ppt/slides/slide5.xml><?xml version="1.0" encoding="utf-8"?>
+<p:sld xmlns:a="http://schemas.openxmlformats.org/drawingml/2006/main" xmlns:r="http://schemas.openxmlformats.org/officeDocument/2006/relationships" xmlns:p="http://schemas.openxmlformats.org/presentationml/2006/main">
+  <p:cSld>
+    <p:spTree>
+      <p:nvGrpSpPr>
+        <p:cNvPr id="1" name=""/>
+        <p:cNvGrpSpPr/>
+        <p:nvPr/>
+      </p:nvGrpSpPr>
+      <p:grpSpPr>
+        <a:xfrm>
+          <a:off x="0" y="0"/>
+          <a:ext cx="0" cy="0"/>
+          <a:chOff x="0" y="0"/>
+          <a:chExt cx="0" cy="0"/>
+        </a:xfrm>
+      </p:grpSpPr>
+      <p:sp>
+        <p:nvSpPr>
+          <p:cNvPr id="2" name="Title 1"/>
+          <p:cNvSpPr>
+            <a:spLocks noGrp="1"/>
+          </p:cNvSpPr>
+          <p:nvPr>
+            <p:ph type="title"/>
+          </p:nvPr>
+        </p:nvSpPr>
+        <p:spPr/>
+        <p:txBody>
+          <a:bodyPr/>
+          <a:lstStyle/>
+          <a:p>
+            <a:r>
+              <a:rPr lang="en-US" b="1" dirty="0" smtClean="0">
+                <a:solidFill>
+                  <a:srgbClr val="FF0000"/>
+                </a:solidFill>
+              </a:rPr>
+              <a:t>Questions</a:t>
+            </a:r>
+            <a:endParaRPr lang="en-US" b="1" dirty="0">
+              <a:solidFill>
+                <a:srgbClr val="FF0000"/>
+              </a:solidFill>
+            </a:endParaRPr>
+          </a:p>
+        </p:txBody>
+      </p:sp>
+      <p:sp>
+        <p:nvSpPr>
+          <p:cNvPr id="3" name="Content Placeholder 2"/>
+          <p:cNvSpPr>
+            <a:spLocks noGrp="1"/>
+          </p:cNvSpPr>
+          <p:nvPr>
+            <p:ph idx="1"/>
+          </p:nvPr>
+        </p:nvSpPr>
+        <p:spPr/>
+        <p:txBody>
+          <a:bodyPr/>
+          <a:lstStyle/>
+          <a:p>
+            <a:r>
+              <a:rPr lang="en-US" dirty="0" smtClean="0"/>
+              <a:t>What is Frame/Second?</a:t>
+            </a:r>
+          </a:p>
+          <a:p>
+            <a:r>
+              <a:rPr lang="en-US" dirty="0" smtClean="0"/>
+              <a:t>Is it possible to have the following, and why?</a:t>
+            </a:r>
+          </a:p>
+          <a:p>
+            <a:pPr lvl="1"/>
+            <a:r>
+              <a:rPr lang="en-US" dirty="0" smtClean="0"/>
+              <a:t>Multiple update() calls per draw()</a:t>
+            </a:r>
+          </a:p>
+          <a:p>
+            <a:pPr lvl="1"/>
+            <a:r>
+              <a:rPr lang="en-US" dirty="0" smtClean="0"/>
+              <a:t>Multiple input() calls per draw()</a:t>
+            </a:r>
+          </a:p>
+          <a:p>
+            <a:pPr lvl="1"/>
+            <a:r>
+              <a:rPr lang="en-US" dirty="0" smtClean="0"/>
+              <a:t>Multiple draw() calls per update()</a:t>
+            </a:r>
+          </a:p>
+          <a:p>
+            <a:pPr lvl="1"/>
+            <a:r>
+              <a:rPr lang="en-US" dirty="0" smtClean="0"/>
+              <a:t>Multiple draw() calls per input()</a:t>
+            </a:r>
+          </a:p>
+          <a:p>
+            <a:r>
+              <a:rPr lang="en-US" dirty="0" smtClean="0"/>
+              <a:t>Look at MP1 assignment spec</a:t>
+            </a:r>
+          </a:p>
+          <a:p>
+            <a:pPr marL="0" indent="0">
+              <a:buNone/>
+            </a:pPr>
+            <a:r>
+              <a:rPr lang="en-US" sz="1800" dirty="0">
+                <a:hlinkClick r:id="rId2"/>
+              </a:rPr>
+              <a:t>http://</a:t>
+            </a:r>
+            <a:r>
+              <a:rPr lang="en-US" sz="1800" dirty="0" smtClean="0">
+                <a:hlinkClick r:id="rId2"/>
+              </a:rPr>
+              <a:t>faculty.washington.edu/ksung/CSS490D/MP/MP1/mp1.htm</a:t>
+            </a:r>
+            <a:r>
+              <a:rPr lang="en-US" sz="1800" dirty="0" smtClean="0"/>
+              <a:t> </a:t>
+            </a:r>
+          </a:p>
+          <a:p>
+            <a:pPr marL="0" indent="0">
+              <a:buNone/>
+            </a:pPr>
+            <a:r>
+              <a:rPr lang="en-US" sz="1800" dirty="0" smtClean="0"/>
+              <a:t>Think about from where to call these functions</a:t>
+            </a:r>
+            <a:endParaRPr lang="en-US" sz="1800" dirty="0"/>
+          </a:p>
+        </p:txBody>
+      </p:sp>
+      <p:pic>
+        <p:nvPicPr>
+          <p:cNvPr id="4" name="Picture 3"/>
+          <p:cNvPicPr>
+            <a:picLocks noChangeAspect="1"/>
+          </p:cNvPicPr>
+          <p:nvPr/>
+        </p:nvPicPr>
+        <p:blipFill>
+          <a:blip r:embed="rId3"/>
+          <a:stretch>
+            <a:fillRect/>
+          </a:stretch>
+        </p:blipFill>
+        <p:spPr>
+          <a:xfrm>
+            <a:off x="7490462" y="3112026"/>
+            <a:ext cx="4164298" cy="2735890"/>
+          </a:xfrm>
+          <a:prstGeom prst="rect">
+            <a:avLst/>
+          </a:prstGeom>
+          <a:solidFill>
+            <a:srgbClr val="FFFFFF">
+              <a:shade val="85000"/>
+            </a:srgbClr>
+          </a:solidFill>
+          <a:ln w="88900" cap="sq">
+            <a:solidFill>
+              <a:srgbClr val="FFFFFF"/>
+            </a:solidFill>
+            <a:miter lim="800000"/>
+          </a:ln>
+          <a:effectLst>
+            <a:outerShdw blurRad="55000" dist="18000" dir="5400000" algn="tl" rotWithShape="0">
+              <a:srgbClr val="000000">
+                <a:alpha val="40000"/>
+              </a:srgbClr>
+            </a:outerShdw>
+          </a:effectLst>
+          <a:scene3d>
+            <a:camera prst="orthographicFront"/>
+            <a:lightRig rig="twoPt" dir="t">
+              <a:rot lat="0" lon="0" rev="7200000"/>
+            </a:lightRig>
+          </a:scene3d>
+          <a:sp3d>
+            <a:bevelT w="25400" h="19050"/>
+            <a:contourClr>
+              <a:srgbClr val="FFFFFF"/>
+            </a:contourClr>
+          </a:sp3d>
+        </p:spPr>
+      </p:pic>
+    </p:spTree>
+    <p:extLst>
+      <p:ext uri="{BB962C8B-B14F-4D97-AF65-F5344CB8AC3E}">
+        <p14:creationId xmlns:p14="http://schemas.microsoft.com/office/powerpoint/2010/main" val="2809078663"/>
+      </p:ext>
+    </p:extLst>
+  </p:cSld>
+  <p:clrMapOvr>
+    <a:masterClrMapping/>
+  </p:clrMapOvr>
+</p:sld>
+</file>
+
+<file path=ppt/slides/slide50.xml><?xml version="1.0" encoding="utf-8"?>
 <p:sld xmlns:a="http://schemas.openxmlformats.org/drawingml/2006/main" xmlns:r="http://schemas.openxmlformats.org/officeDocument/2006/relationships" xmlns:p="http://schemas.openxmlformats.org/presentationml/2006/main">
   <p:cSld>
     <p:spTree>
@@ -10007,7 +12177,7 @@
 </p:sld>
 </file>
 
-<file path=ppt/slides/slide43.xml><?xml version="1.0" encoding="utf-8"?>
+<file path=ppt/slides/slide51.xml><?xml version="1.0" encoding="utf-8"?>
 <p:sld xmlns:a="http://schemas.openxmlformats.org/drawingml/2006/main" xmlns:r="http://schemas.openxmlformats.org/officeDocument/2006/relationships" xmlns:p="http://schemas.openxmlformats.org/presentationml/2006/main">
   <p:cSld>
     <p:spTree>
@@ -10155,7 +12325,7 @@
 </p:sld>
 </file>
 
-<file path=ppt/slides/slide44.xml><?xml version="1.0" encoding="utf-8"?>
+<file path=ppt/slides/slide52.xml><?xml version="1.0" encoding="utf-8"?>
 <p:sld xmlns:a="http://schemas.openxmlformats.org/drawingml/2006/main" xmlns:r="http://schemas.openxmlformats.org/officeDocument/2006/relationships" xmlns:p="http://schemas.openxmlformats.org/presentationml/2006/main">
   <p:cSld>
     <p:spTree>
@@ -10189,15 +12359,19 @@
           <a:p>
             <a:r>
               <a:rPr lang="en-US" dirty="0" smtClean="0"/>
-              <a:t>4.5: </a:t>
-            </a:r>
-            <a:r>
-              <a:rPr lang="en-US" dirty="0" err="1" smtClean="0"/>
-              <a:t>sSupport</a:t>
-            </a:r>
-            <a:r>
-              <a:rPr lang="en-US" dirty="0" smtClean="0"/>
-              <a:t> for “sub-classing”</a:t>
+              <a:t>4.5: Support for “</a:t>
+            </a:r>
+            <a:r>
+              <a:rPr lang="en-US" b="1" dirty="0">
+                <a:solidFill>
+                  <a:srgbClr val="00B0F0"/>
+                </a:solidFill>
+              </a:rPr>
+              <a:t>sub-classing</a:t>
+            </a:r>
+            <a:r>
+              <a:rPr lang="en-US" dirty="0" smtClean="0"/>
+              <a:t>”</a:t>
             </a:r>
             <a:endParaRPr lang="en-US" dirty="0"/>
           </a:p>
@@ -10323,7 +12497,7 @@
 </p:sld>
 </file>
 
-<file path=ppt/slides/slide45.xml><?xml version="1.0" encoding="utf-8"?>
+<file path=ppt/slides/slide53.xml><?xml version="1.0" encoding="utf-8"?>
 <p:sld xmlns:a="http://schemas.openxmlformats.org/drawingml/2006/main" xmlns:r="http://schemas.openxmlformats.org/officeDocument/2006/relationships" xmlns:p="http://schemas.openxmlformats.org/presentationml/2006/main">
   <p:cSld>
     <p:spTree>
@@ -10652,7 +12826,7 @@
 </p:sld>
 </file>
 
-<file path=ppt/slides/slide46.xml><?xml version="1.0" encoding="utf-8"?>
+<file path=ppt/slides/slide54.xml><?xml version="1.0" encoding="utf-8"?>
 <p:sld xmlns:a="http://schemas.openxmlformats.org/drawingml/2006/main" xmlns:r="http://schemas.openxmlformats.org/officeDocument/2006/relationships" xmlns:p="http://schemas.openxmlformats.org/presentationml/2006/main">
   <p:cSld>
     <p:spTree>
@@ -10689,25 +12863,6 @@
               <a:t>4.5: Loading the next Scene …</a:t>
             </a:r>
             <a:endParaRPr lang="en-US" dirty="0"/>
-          </a:p>
-        </p:txBody>
-      </p:sp>
-      <p:sp>
-        <p:nvSpPr>
-          <p:cNvPr id="3" name="Content Placeholder 2"/>
-          <p:cNvSpPr>
-            <a:spLocks noGrp="1"/>
-          </p:cNvSpPr>
-          <p:nvPr>
-            <p:ph idx="1"/>
-          </p:nvPr>
-        </p:nvSpPr>
-        <p:spPr/>
-        <p:txBody>
-          <a:bodyPr/>
-          <a:lstStyle/>
-          <a:p>
-            <a:endParaRPr lang="en-US"/>
           </a:p>
         </p:txBody>
       </p:sp>
@@ -10778,7 +12933,7 @@
 </p:sld>
 </file>
 
-<file path=ppt/slides/slide47.xml><?xml version="1.0" encoding="utf-8"?>
+<file path=ppt/slides/slide55.xml><?xml version="1.0" encoding="utf-8"?>
 <p:sld xmlns:a="http://schemas.openxmlformats.org/drawingml/2006/main" xmlns:r="http://schemas.openxmlformats.org/officeDocument/2006/relationships" xmlns:p="http://schemas.openxmlformats.org/presentationml/2006/main">
   <p:cSld>
     <p:spTree>
@@ -10811,6 +12966,585 @@
           <a:lstStyle/>
           <a:p>
             <a:r>
+              <a:rPr lang="en-US" b="1" dirty="0" smtClean="0">
+                <a:solidFill>
+                  <a:srgbClr val="FF0000"/>
+                </a:solidFill>
+              </a:rPr>
+              <a:t>Questions</a:t>
+            </a:r>
+            <a:endParaRPr lang="en-US" b="1" dirty="0">
+              <a:solidFill>
+                <a:srgbClr val="FF0000"/>
+              </a:solidFill>
+            </a:endParaRPr>
+          </a:p>
+        </p:txBody>
+      </p:sp>
+      <p:sp>
+        <p:nvSpPr>
+          <p:cNvPr id="3" name="Content Placeholder 2"/>
+          <p:cNvSpPr>
+            <a:spLocks noGrp="1"/>
+          </p:cNvSpPr>
+          <p:nvPr>
+            <p:ph idx="1"/>
+          </p:nvPr>
+        </p:nvSpPr>
+        <p:spPr>
+          <a:xfrm>
+            <a:off x="838200" y="1436914"/>
+            <a:ext cx="10515600" cy="4740049"/>
+          </a:xfrm>
+        </p:spPr>
+        <p:txBody>
+          <a:bodyPr>
+            <a:normAutofit/>
+          </a:bodyPr>
+          <a:lstStyle/>
+          <a:p>
+            <a:r>
+              <a:rPr lang="en-US" dirty="0" smtClean="0"/>
+              <a:t>Given </a:t>
+            </a:r>
+            <a:r>
+              <a:rPr lang="en-US" dirty="0" err="1" smtClean="0"/>
+              <a:t>MyGame</a:t>
+            </a:r>
+            <a:r>
+              <a:rPr lang="en-US" dirty="0" smtClean="0"/>
+              <a:t>: Constructor(), </a:t>
+            </a:r>
+            <a:r>
+              <a:rPr lang="en-US" dirty="0" err="1" smtClean="0"/>
+              <a:t>init</a:t>
+            </a:r>
+            <a:r>
+              <a:rPr lang="en-US" dirty="0" smtClean="0"/>
+              <a:t>(), load(), unload(), draw(), update()</a:t>
+            </a:r>
+          </a:p>
+          <a:p>
+            <a:pPr lvl="1"/>
+            <a:r>
+              <a:rPr lang="en-US" dirty="0" smtClean="0"/>
+              <a:t>What is the sequence that the above functions are called?</a:t>
+            </a:r>
+          </a:p>
+          <a:p>
+            <a:pPr lvl="2"/>
+            <a:r>
+              <a:rPr lang="en-US" dirty="0" smtClean="0"/>
+              <a:t>First is:? </a:t>
+            </a:r>
+          </a:p>
+          <a:p>
+            <a:pPr lvl="2"/>
+            <a:r>
+              <a:rPr lang="en-US" dirty="0" smtClean="0"/>
+              <a:t>Second is:?</a:t>
+            </a:r>
+          </a:p>
+          <a:p>
+            <a:r>
+              <a:rPr lang="en-US" dirty="0" smtClean="0"/>
+              <a:t>Use our engine as an example, explain </a:t>
+            </a:r>
+          </a:p>
+          <a:p>
+            <a:pPr lvl="1"/>
+            <a:r>
+              <a:rPr lang="en-US" dirty="0" smtClean="0"/>
+              <a:t>why that in addition to </a:t>
+            </a:r>
+            <a:r>
+              <a:rPr lang="en-US" dirty="0" err="1" smtClean="0"/>
+              <a:t>Constuctor</a:t>
+            </a:r>
+            <a:r>
+              <a:rPr lang="en-US" dirty="0" smtClean="0"/>
+              <a:t>(), there is the </a:t>
+            </a:r>
+            <a:r>
+              <a:rPr lang="en-US" dirty="0" err="1" smtClean="0"/>
+              <a:t>init</a:t>
+            </a:r>
+            <a:r>
+              <a:rPr lang="en-US" dirty="0" smtClean="0"/>
+              <a:t>() function?</a:t>
+            </a:r>
+          </a:p>
+          <a:p>
+            <a:r>
+              <a:rPr lang="en-US" dirty="0" smtClean="0"/>
+              <a:t>Which object is calls the </a:t>
+            </a:r>
+          </a:p>
+          <a:p>
+            <a:pPr lvl="1"/>
+            <a:r>
+              <a:rPr lang="en-US" dirty="0" err="1" smtClean="0"/>
+              <a:t>myGame.initialize</a:t>
+            </a:r>
+            <a:r>
+              <a:rPr lang="en-US" dirty="0" smtClean="0"/>
+              <a:t>() function?</a:t>
+            </a:r>
+          </a:p>
+          <a:p>
+            <a:pPr marL="0" indent="0">
+              <a:buNone/>
+            </a:pPr>
+            <a:endParaRPr lang="en-US" dirty="0" smtClean="0"/>
+          </a:p>
+        </p:txBody>
+      </p:sp>
+    </p:spTree>
+    <p:extLst>
+      <p:ext uri="{BB962C8B-B14F-4D97-AF65-F5344CB8AC3E}">
+        <p14:creationId xmlns:p14="http://schemas.microsoft.com/office/powerpoint/2010/main" val="744287533"/>
+      </p:ext>
+    </p:extLst>
+  </p:cSld>
+  <p:clrMapOvr>
+    <a:masterClrMapping/>
+  </p:clrMapOvr>
+</p:sld>
+</file>
+
+<file path=ppt/slides/slide56.xml><?xml version="1.0" encoding="utf-8"?>
+<p:sld xmlns:a="http://schemas.openxmlformats.org/drawingml/2006/main" xmlns:r="http://schemas.openxmlformats.org/officeDocument/2006/relationships" xmlns:p="http://schemas.openxmlformats.org/presentationml/2006/main">
+  <p:cSld>
+    <p:spTree>
+      <p:nvGrpSpPr>
+        <p:cNvPr id="1" name=""/>
+        <p:cNvGrpSpPr/>
+        <p:nvPr/>
+      </p:nvGrpSpPr>
+      <p:grpSpPr>
+        <a:xfrm>
+          <a:off x="0" y="0"/>
+          <a:ext cx="0" cy="0"/>
+          <a:chOff x="0" y="0"/>
+          <a:chExt cx="0" cy="0"/>
+        </a:xfrm>
+      </p:grpSpPr>
+      <p:sp>
+        <p:nvSpPr>
+          <p:cNvPr id="2" name="Title 1"/>
+          <p:cNvSpPr>
+            <a:spLocks noGrp="1"/>
+          </p:cNvSpPr>
+          <p:nvPr>
+            <p:ph type="title"/>
+          </p:nvPr>
+        </p:nvSpPr>
+        <p:spPr/>
+        <p:txBody>
+          <a:bodyPr/>
+          <a:lstStyle/>
+          <a:p>
+            <a:r>
+              <a:rPr lang="en-US" b="1" dirty="0" smtClean="0">
+                <a:solidFill>
+                  <a:srgbClr val="FF0000"/>
+                </a:solidFill>
+              </a:rPr>
+              <a:t>Questions</a:t>
+            </a:r>
+            <a:endParaRPr lang="en-US" b="1" dirty="0">
+              <a:solidFill>
+                <a:srgbClr val="FF0000"/>
+              </a:solidFill>
+            </a:endParaRPr>
+          </a:p>
+        </p:txBody>
+      </p:sp>
+      <p:sp>
+        <p:nvSpPr>
+          <p:cNvPr id="3" name="Content Placeholder 2"/>
+          <p:cNvSpPr>
+            <a:spLocks noGrp="1"/>
+          </p:cNvSpPr>
+          <p:nvPr>
+            <p:ph idx="1"/>
+          </p:nvPr>
+        </p:nvSpPr>
+        <p:spPr>
+          <a:xfrm>
+            <a:off x="838200" y="1436914"/>
+            <a:ext cx="10515600" cy="4740049"/>
+          </a:xfrm>
+        </p:spPr>
+        <p:txBody>
+          <a:bodyPr>
+            <a:normAutofit fontScale="92500" lnSpcReduction="10000"/>
+          </a:bodyPr>
+          <a:lstStyle/>
+          <a:p>
+            <a:r>
+              <a:rPr lang="en-US" dirty="0" smtClean="0"/>
+              <a:t>Given </a:t>
+            </a:r>
+            <a:r>
+              <a:rPr lang="en-US" dirty="0" err="1" smtClean="0"/>
+              <a:t>MyGame</a:t>
+            </a:r>
+            <a:r>
+              <a:rPr lang="en-US" dirty="0" smtClean="0"/>
+              <a:t>: Constructor(), </a:t>
+            </a:r>
+            <a:r>
+              <a:rPr lang="en-US" dirty="0" err="1" smtClean="0"/>
+              <a:t>init</a:t>
+            </a:r>
+            <a:r>
+              <a:rPr lang="en-US" dirty="0" smtClean="0"/>
+              <a:t>(), load(), unload(), draw(), update()</a:t>
+            </a:r>
+          </a:p>
+          <a:p>
+            <a:pPr lvl="1"/>
+            <a:r>
+              <a:rPr lang="en-US" dirty="0" smtClean="0">
+                <a:solidFill>
+                  <a:srgbClr val="FF0000"/>
+                </a:solidFill>
+              </a:rPr>
+              <a:t>Constructor(), load(), </a:t>
+            </a:r>
+            <a:r>
+              <a:rPr lang="en-US" dirty="0" err="1" smtClean="0">
+                <a:solidFill>
+                  <a:srgbClr val="FF0000"/>
+                </a:solidFill>
+              </a:rPr>
+              <a:t>init</a:t>
+            </a:r>
+            <a:r>
+              <a:rPr lang="en-US" dirty="0" smtClean="0">
+                <a:solidFill>
+                  <a:srgbClr val="FF0000"/>
+                </a:solidFill>
+              </a:rPr>
+              <a:t>() … loops of update() + draw() … unload()</a:t>
+            </a:r>
+          </a:p>
+          <a:p>
+            <a:pPr lvl="1"/>
+            <a:r>
+              <a:rPr lang="en-US" dirty="0" smtClean="0">
+                <a:solidFill>
+                  <a:srgbClr val="FF0000"/>
+                </a:solidFill>
+              </a:rPr>
+              <a:t>Note: unload() is called from Loop!!</a:t>
+            </a:r>
+          </a:p>
+          <a:p>
+            <a:r>
+              <a:rPr lang="en-US" dirty="0" smtClean="0"/>
+              <a:t>Use our engine as an example, explain </a:t>
+            </a:r>
+          </a:p>
+          <a:p>
+            <a:pPr lvl="1"/>
+            <a:r>
+              <a:rPr lang="en-US" dirty="0" smtClean="0"/>
+              <a:t>why that in addition to </a:t>
+            </a:r>
+            <a:r>
+              <a:rPr lang="en-US" dirty="0" err="1" smtClean="0"/>
+              <a:t>Constuctor</a:t>
+            </a:r>
+            <a:r>
+              <a:rPr lang="en-US" dirty="0" smtClean="0"/>
+              <a:t>(), there is the </a:t>
+            </a:r>
+            <a:r>
+              <a:rPr lang="en-US" dirty="0" err="1" smtClean="0"/>
+              <a:t>init</a:t>
+            </a:r>
+            <a:r>
+              <a:rPr lang="en-US" dirty="0" smtClean="0"/>
+              <a:t>() function?</a:t>
+            </a:r>
+          </a:p>
+          <a:p>
+            <a:pPr marL="457200" lvl="1" indent="0">
+              <a:buNone/>
+            </a:pPr>
+            <a:r>
+              <a:rPr lang="en-US" dirty="0" smtClean="0">
+                <a:solidFill>
+                  <a:srgbClr val="FF0000"/>
+                </a:solidFill>
+              </a:rPr>
+              <a:t>	At the end of loading DefaultResources, </a:t>
+            </a:r>
+          </a:p>
+          <a:p>
+            <a:pPr marL="457200" lvl="1" indent="0">
+              <a:buNone/>
+            </a:pPr>
+            <a:r>
+              <a:rPr lang="en-US" dirty="0">
+                <a:solidFill>
+                  <a:srgbClr val="FF0000"/>
+                </a:solidFill>
+              </a:rPr>
+              <a:t>	</a:t>
+            </a:r>
+            <a:r>
+              <a:rPr lang="en-US" dirty="0" smtClean="0">
+                <a:solidFill>
+                  <a:srgbClr val="FF0000"/>
+                </a:solidFill>
+              </a:rPr>
+              <a:t>    </a:t>
+            </a:r>
+            <a:r>
+              <a:rPr lang="en-US" dirty="0" err="1" smtClean="0">
+                <a:solidFill>
+                  <a:srgbClr val="FF0000"/>
+                </a:solidFill>
+              </a:rPr>
+              <a:t>Engine.Core</a:t>
+            </a:r>
+            <a:r>
+              <a:rPr lang="en-US" dirty="0" smtClean="0">
+                <a:solidFill>
+                  <a:srgbClr val="FF0000"/>
+                </a:solidFill>
+              </a:rPr>
+              <a:t> needs to know what to do </a:t>
+            </a:r>
+          </a:p>
+          <a:p>
+            <a:pPr marL="457200" lvl="1" indent="0">
+              <a:buNone/>
+            </a:pPr>
+            <a:r>
+              <a:rPr lang="en-US" dirty="0">
+                <a:solidFill>
+                  <a:srgbClr val="FF0000"/>
+                </a:solidFill>
+              </a:rPr>
+              <a:t>	</a:t>
+            </a:r>
+            <a:r>
+              <a:rPr lang="en-US" dirty="0" smtClean="0">
+                <a:solidFill>
+                  <a:srgbClr val="FF0000"/>
+                </a:solidFill>
+              </a:rPr>
+              <a:t>    </a:t>
+            </a:r>
+            <a:r>
+              <a:rPr lang="en-US" dirty="0" smtClean="0">
+                <a:solidFill>
+                  <a:srgbClr val="FF0000"/>
+                </a:solidFill>
+                <a:sym typeface="Wingdings" panose="05000000000000000000" pitchFamily="2" charset="2"/>
+              </a:rPr>
+              <a:t> in our case, </a:t>
+            </a:r>
+            <a:r>
+              <a:rPr lang="en-US" dirty="0" err="1" smtClean="0">
+                <a:solidFill>
+                  <a:srgbClr val="FF0000"/>
+                </a:solidFill>
+                <a:sym typeface="Wingdings" panose="05000000000000000000" pitchFamily="2" charset="2"/>
+              </a:rPr>
+              <a:t>EngineCore</a:t>
+            </a:r>
+            <a:r>
+              <a:rPr lang="en-US" dirty="0" smtClean="0">
+                <a:solidFill>
+                  <a:srgbClr val="FF0000"/>
+                </a:solidFill>
+                <a:sym typeface="Wingdings" panose="05000000000000000000" pitchFamily="2" charset="2"/>
+              </a:rPr>
+              <a:t> calls </a:t>
+            </a:r>
+            <a:r>
+              <a:rPr lang="en-US" dirty="0" err="1" smtClean="0">
+                <a:solidFill>
+                  <a:srgbClr val="FF0000"/>
+                </a:solidFill>
+                <a:sym typeface="Wingdings" panose="05000000000000000000" pitchFamily="2" charset="2"/>
+              </a:rPr>
+              <a:t>Scene.loadScene</a:t>
+            </a:r>
+            <a:r>
+              <a:rPr lang="en-US" dirty="0" smtClean="0">
+                <a:solidFill>
+                  <a:srgbClr val="FF0000"/>
+                </a:solidFill>
+                <a:sym typeface="Wingdings" panose="05000000000000000000" pitchFamily="2" charset="2"/>
+              </a:rPr>
+              <a:t>()</a:t>
+            </a:r>
+          </a:p>
+          <a:p>
+            <a:pPr marL="457200" lvl="1" indent="0">
+              <a:buNone/>
+            </a:pPr>
+            <a:r>
+              <a:rPr lang="en-US" dirty="0">
+                <a:solidFill>
+                  <a:srgbClr val="FF0000"/>
+                </a:solidFill>
+                <a:sym typeface="Wingdings" panose="05000000000000000000" pitchFamily="2" charset="2"/>
+              </a:rPr>
+              <a:t>	</a:t>
+            </a:r>
+            <a:r>
+              <a:rPr lang="en-US" dirty="0" smtClean="0">
+                <a:solidFill>
+                  <a:srgbClr val="FF0000"/>
+                </a:solidFill>
+                <a:sym typeface="Wingdings" panose="05000000000000000000" pitchFamily="2" charset="2"/>
+              </a:rPr>
+              <a:t>         at this point, system </a:t>
+            </a:r>
+            <a:r>
+              <a:rPr lang="en-US" dirty="0" err="1" smtClean="0">
+                <a:solidFill>
+                  <a:srgbClr val="FF0000"/>
+                </a:solidFill>
+                <a:sym typeface="Wingdings" panose="05000000000000000000" pitchFamily="2" charset="2"/>
+              </a:rPr>
+              <a:t>init</a:t>
+            </a:r>
+            <a:r>
+              <a:rPr lang="en-US" dirty="0" smtClean="0">
+                <a:solidFill>
+                  <a:srgbClr val="FF0000"/>
+                </a:solidFill>
+                <a:sym typeface="Wingdings" panose="05000000000000000000" pitchFamily="2" charset="2"/>
+              </a:rPr>
+              <a:t> is done, Scene object can safely load</a:t>
+            </a:r>
+          </a:p>
+          <a:p>
+            <a:pPr marL="457200" lvl="1" indent="0">
+              <a:buNone/>
+            </a:pPr>
+            <a:r>
+              <a:rPr lang="en-US" dirty="0" smtClean="0">
+                <a:solidFill>
+                  <a:srgbClr val="FF0000"/>
+                </a:solidFill>
+                <a:sym typeface="Wingdings" panose="05000000000000000000" pitchFamily="2" charset="2"/>
+              </a:rPr>
+              <a:t>	   </a:t>
+            </a:r>
+            <a:r>
+              <a:rPr lang="en-US" dirty="0" err="1" smtClean="0">
+                <a:solidFill>
+                  <a:srgbClr val="FF0000"/>
+                </a:solidFill>
+                <a:sym typeface="Wingdings" panose="05000000000000000000" pitchFamily="2" charset="2"/>
+              </a:rPr>
+              <a:t>Scene.init</a:t>
+            </a:r>
+            <a:r>
+              <a:rPr lang="en-US" dirty="0" smtClean="0">
+                <a:solidFill>
+                  <a:srgbClr val="FF0000"/>
+                </a:solidFill>
+                <a:sym typeface="Wingdings" panose="05000000000000000000" pitchFamily="2" charset="2"/>
+              </a:rPr>
+              <a:t>() is only called _AFTER_ Scene’s load is done (in Loop)</a:t>
+            </a:r>
+          </a:p>
+          <a:p>
+            <a:pPr marL="457200" lvl="1" indent="0">
+              <a:buNone/>
+            </a:pPr>
+            <a:r>
+              <a:rPr lang="en-US" dirty="0" smtClean="0">
+                <a:solidFill>
+                  <a:srgbClr val="FF0000"/>
+                </a:solidFill>
+                <a:sym typeface="Wingdings" panose="05000000000000000000" pitchFamily="2" charset="2"/>
+              </a:rPr>
+              <a:t>    </a:t>
+            </a:r>
+            <a:endParaRPr lang="en-US" dirty="0" smtClean="0"/>
+          </a:p>
+          <a:p>
+            <a:r>
+              <a:rPr lang="en-US" dirty="0" smtClean="0"/>
+              <a:t>Which object is calls the </a:t>
+            </a:r>
+          </a:p>
+          <a:p>
+            <a:pPr lvl="1"/>
+            <a:r>
+              <a:rPr lang="en-US" dirty="0" err="1" smtClean="0"/>
+              <a:t>myGame.initialize</a:t>
+            </a:r>
+            <a:r>
+              <a:rPr lang="en-US" dirty="0" smtClean="0"/>
+              <a:t>() function?</a:t>
+            </a:r>
+          </a:p>
+          <a:p>
+            <a:pPr marL="0" indent="0">
+              <a:buNone/>
+            </a:pPr>
+            <a:endParaRPr lang="en-US" dirty="0" smtClean="0"/>
+          </a:p>
+        </p:txBody>
+      </p:sp>
+    </p:spTree>
+    <p:extLst>
+      <p:ext uri="{BB962C8B-B14F-4D97-AF65-F5344CB8AC3E}">
+        <p14:creationId xmlns:p14="http://schemas.microsoft.com/office/powerpoint/2010/main" val="1348807416"/>
+      </p:ext>
+    </p:extLst>
+  </p:cSld>
+  <p:clrMapOvr>
+    <a:masterClrMapping/>
+  </p:clrMapOvr>
+</p:sld>
+</file>
+
+<file path=ppt/slides/slide57.xml><?xml version="1.0" encoding="utf-8"?>
+<p:sld xmlns:a="http://schemas.openxmlformats.org/drawingml/2006/main" xmlns:r="http://schemas.openxmlformats.org/officeDocument/2006/relationships" xmlns:p="http://schemas.openxmlformats.org/presentationml/2006/main">
+  <p:cSld>
+    <p:spTree>
+      <p:nvGrpSpPr>
+        <p:cNvPr id="1" name=""/>
+        <p:cNvGrpSpPr/>
+        <p:nvPr/>
+      </p:nvGrpSpPr>
+      <p:grpSpPr>
+        <a:xfrm>
+          <a:off x="0" y="0"/>
+          <a:ext cx="0" cy="0"/>
+          <a:chOff x="0" y="0"/>
+          <a:chExt cx="0" cy="0"/>
+        </a:xfrm>
+      </p:grpSpPr>
+      <p:sp>
+        <p:nvSpPr>
+          <p:cNvPr id="2" name="Title 1"/>
+          <p:cNvSpPr>
+            <a:spLocks noGrp="1"/>
+          </p:cNvSpPr>
+          <p:nvPr>
+            <p:ph type="title"/>
+          </p:nvPr>
+        </p:nvSpPr>
+        <p:spPr/>
+        <p:txBody>
+          <a:bodyPr/>
+          <a:lstStyle/>
+          <a:p>
+            <a:r>
               <a:rPr lang="en-US" dirty="0" smtClean="0"/>
               <a:t>4.6: Audio support</a:t>
             </a:r>
@@ -10932,7 +13666,7 @@
 </p:sld>
 </file>
 
-<file path=ppt/slides/slide48.xml><?xml version="1.0" encoding="utf-8"?>
+<file path=ppt/slides/slide58.xml><?xml version="1.0" encoding="utf-8"?>
 <p:sld xmlns:a="http://schemas.openxmlformats.org/drawingml/2006/main" xmlns:r="http://schemas.openxmlformats.org/officeDocument/2006/relationships" xmlns:p="http://schemas.openxmlformats.org/presentationml/2006/main">
   <p:cSld>
     <p:spTree>
@@ -11120,7 +13854,7 @@
 </p:sld>
 </file>
 
-<file path=ppt/slides/slide49.xml><?xml version="1.0" encoding="utf-8"?>
+<file path=ppt/slides/slide59.xml><?xml version="1.0" encoding="utf-8"?>
 <p:sld xmlns:a="http://schemas.openxmlformats.org/drawingml/2006/main" xmlns:r="http://schemas.openxmlformats.org/officeDocument/2006/relationships" xmlns:p="http://schemas.openxmlformats.org/presentationml/2006/main">
   <p:cSld>
     <p:spTree>
@@ -11321,7 +14055,7 @@
 </p:sld>
 </file>
 
-<file path=ppt/slides/slide5.xml><?xml version="1.0" encoding="utf-8"?>
+<file path=ppt/slides/slide6.xml><?xml version="1.0" encoding="utf-8"?>
 <p:sld xmlns:a="http://schemas.openxmlformats.org/drawingml/2006/main" xmlns:r="http://schemas.openxmlformats.org/officeDocument/2006/relationships" xmlns:p="http://schemas.openxmlformats.org/presentationml/2006/main">
   <p:cSld>
     <p:spTree>
@@ -11354,22 +14088,206 @@
           <a:lstStyle/>
           <a:p>
             <a:r>
-              <a:rPr lang="en-US" dirty="0" smtClean="0"/>
-              <a:t>4.1: Game Loop Project</a:t>
-            </a:r>
-            <a:endParaRPr lang="en-US" dirty="0"/>
+              <a:rPr lang="en-US" b="1" dirty="0" smtClean="0">
+                <a:solidFill>
+                  <a:srgbClr val="FF0000"/>
+                </a:solidFill>
+              </a:rPr>
+              <a:t>Questions</a:t>
+            </a:r>
+            <a:endParaRPr lang="en-US" b="1" dirty="0">
+              <a:solidFill>
+                <a:srgbClr val="FF0000"/>
+              </a:solidFill>
+            </a:endParaRPr>
+          </a:p>
+        </p:txBody>
+      </p:sp>
+      <p:sp>
+        <p:nvSpPr>
+          <p:cNvPr id="3" name="Content Placeholder 2"/>
+          <p:cNvSpPr>
+            <a:spLocks noGrp="1"/>
+          </p:cNvSpPr>
+          <p:nvPr>
+            <p:ph idx="1"/>
+          </p:nvPr>
+        </p:nvSpPr>
+        <p:spPr/>
+        <p:txBody>
+          <a:bodyPr>
+            <a:normAutofit/>
+          </a:bodyPr>
+          <a:lstStyle/>
+          <a:p>
+            <a:r>
+              <a:rPr lang="en-US" dirty="0" smtClean="0"/>
+              <a:t>What is Frame/Second?  </a:t>
+            </a:r>
+            <a:r>
+              <a:rPr lang="en-US" dirty="0" smtClean="0">
+                <a:solidFill>
+                  <a:srgbClr val="FF0000"/>
+                </a:solidFill>
+                <a:sym typeface="Wingdings" panose="05000000000000000000" pitchFamily="2" charset="2"/>
+              </a:rPr>
+              <a:t>1/</a:t>
+            </a:r>
+            <a:r>
+              <a:rPr lang="en-US" dirty="0" err="1" smtClean="0">
+                <a:solidFill>
+                  <a:srgbClr val="FF0000"/>
+                </a:solidFill>
+                <a:sym typeface="Wingdings" panose="05000000000000000000" pitchFamily="2" charset="2"/>
+              </a:rPr>
+              <a:t>elapsedTime-ms</a:t>
+            </a:r>
+            <a:r>
+              <a:rPr lang="en-US" dirty="0" smtClean="0">
+                <a:solidFill>
+                  <a:srgbClr val="FF0000"/>
+                </a:solidFill>
+                <a:sym typeface="Wingdings" panose="05000000000000000000" pitchFamily="2" charset="2"/>
+              </a:rPr>
+              <a:t> or 1000/</a:t>
+            </a:r>
+            <a:r>
+              <a:rPr lang="en-US" dirty="0" err="1" smtClean="0">
+                <a:solidFill>
+                  <a:srgbClr val="FF0000"/>
+                </a:solidFill>
+                <a:sym typeface="Wingdings" panose="05000000000000000000" pitchFamily="2" charset="2"/>
+              </a:rPr>
+              <a:t>elapsedTime</a:t>
+            </a:r>
+            <a:endParaRPr lang="en-US" dirty="0" smtClean="0">
+              <a:solidFill>
+                <a:srgbClr val="FF0000"/>
+              </a:solidFill>
+            </a:endParaRPr>
+          </a:p>
+          <a:p>
+            <a:r>
+              <a:rPr lang="en-US" dirty="0" smtClean="0"/>
+              <a:t>Is it possible to have the following, and why?</a:t>
+            </a:r>
+          </a:p>
+          <a:p>
+            <a:pPr lvl="1"/>
+            <a:r>
+              <a:rPr lang="en-US" dirty="0" smtClean="0"/>
+              <a:t>Multiple update() calls per draw() </a:t>
+            </a:r>
+            <a:r>
+              <a:rPr lang="en-US" dirty="0" smtClean="0">
+                <a:solidFill>
+                  <a:srgbClr val="FF0000"/>
+                </a:solidFill>
+                <a:sym typeface="Wingdings" panose="05000000000000000000" pitchFamily="2" charset="2"/>
+              </a:rPr>
+              <a:t>YES! </a:t>
+            </a:r>
+          </a:p>
+          <a:p>
+            <a:pPr lvl="2"/>
+            <a:r>
+              <a:rPr lang="en-US" dirty="0" smtClean="0">
+                <a:solidFill>
+                  <a:srgbClr val="FF0000"/>
+                </a:solidFill>
+                <a:sym typeface="Wingdings" panose="05000000000000000000" pitchFamily="2" charset="2"/>
+              </a:rPr>
+              <a:t>When takes too much time to update/draw/input</a:t>
+            </a:r>
+          </a:p>
+          <a:p>
+            <a:pPr marL="914400" lvl="2" indent="0">
+              <a:buNone/>
+            </a:pPr>
+            <a:endParaRPr lang="en-US" dirty="0" smtClean="0"/>
+          </a:p>
+          <a:p>
+            <a:pPr lvl="1"/>
+            <a:r>
+              <a:rPr lang="en-US" dirty="0" smtClean="0"/>
+              <a:t>Multiple input() calls per draw()</a:t>
+            </a:r>
+          </a:p>
+          <a:p>
+            <a:pPr lvl="2"/>
+            <a:r>
+              <a:rPr lang="en-US" dirty="0" smtClean="0">
+                <a:solidFill>
+                  <a:srgbClr val="FF0000"/>
+                </a:solidFill>
+                <a:sym typeface="Wingdings" panose="05000000000000000000" pitchFamily="2" charset="2"/>
+              </a:rPr>
+              <a:t>When </a:t>
+            </a:r>
+            <a:r>
+              <a:rPr lang="en-US" dirty="0" err="1" smtClean="0">
+                <a:solidFill>
+                  <a:srgbClr val="FF0000"/>
+                </a:solidFill>
+                <a:sym typeface="Wingdings" panose="05000000000000000000" pitchFamily="2" charset="2"/>
+              </a:rPr>
+              <a:t>elapsedTime</a:t>
+            </a:r>
+            <a:r>
+              <a:rPr lang="en-US" dirty="0" smtClean="0">
+                <a:solidFill>
+                  <a:srgbClr val="FF0000"/>
+                </a:solidFill>
+                <a:sym typeface="Wingdings" panose="05000000000000000000" pitchFamily="2" charset="2"/>
+              </a:rPr>
+              <a:t> is short (&lt;UPDATE_TIME_RATE)</a:t>
+            </a:r>
+            <a:br>
+              <a:rPr lang="en-US" dirty="0" smtClean="0">
+                <a:solidFill>
+                  <a:srgbClr val="FF0000"/>
+                </a:solidFill>
+                <a:sym typeface="Wingdings" panose="05000000000000000000" pitchFamily="2" charset="2"/>
+              </a:rPr>
+            </a:br>
+            <a:endParaRPr lang="en-US" dirty="0" smtClean="0"/>
+          </a:p>
+          <a:p>
+            <a:pPr lvl="1"/>
+            <a:r>
+              <a:rPr lang="en-US" dirty="0" smtClean="0"/>
+              <a:t>Multiple draw() calls per update()</a:t>
+            </a:r>
+          </a:p>
+          <a:p>
+            <a:pPr lvl="1"/>
+            <a:r>
+              <a:rPr lang="en-US" dirty="0" smtClean="0"/>
+              <a:t>Multiple draw() calls per input()</a:t>
+            </a:r>
+          </a:p>
+          <a:p>
+            <a:pPr lvl="2"/>
+            <a:r>
+              <a:rPr lang="en-US" dirty="0" smtClean="0">
+                <a:solidFill>
+                  <a:srgbClr val="FF0000"/>
+                </a:solidFill>
+                <a:sym typeface="Wingdings" panose="05000000000000000000" pitchFamily="2" charset="2"/>
+              </a:rPr>
+              <a:t>NO for the above two!!</a:t>
+            </a:r>
+            <a:endParaRPr lang="en-US" dirty="0" smtClean="0"/>
           </a:p>
         </p:txBody>
       </p:sp>
       <p:pic>
         <p:nvPicPr>
-          <p:cNvPr id="4" name="Content Placeholder 3"/>
+          <p:cNvPr id="4" name="Picture 3"/>
           <p:cNvPicPr>
-            <a:picLocks noGrp="1" noChangeAspect="1"/>
+            <a:picLocks noChangeAspect="1"/>
           </p:cNvPicPr>
-          <p:nvPr>
-            <p:ph idx="1"/>
-          </p:nvPr>
+          <p:nvPr/>
         </p:nvPicPr>
         <p:blipFill>
           <a:blip r:embed="rId2"/>
@@ -11379,18 +14297,48 @@
         </p:blipFill>
         <p:spPr>
           <a:xfrm>
-            <a:off x="1926316" y="1649560"/>
-            <a:ext cx="6181156" cy="4351338"/>
+            <a:off x="7490462" y="3112026"/>
+            <a:ext cx="4164298" cy="2735890"/>
           </a:xfrm>
           <a:prstGeom prst="rect">
             <a:avLst/>
           </a:prstGeom>
+          <a:solidFill>
+            <a:srgbClr val="FFFFFF">
+              <a:shade val="85000"/>
+            </a:srgbClr>
+          </a:solidFill>
+          <a:ln w="88900" cap="sq">
+            <a:solidFill>
+              <a:srgbClr val="FFFFFF"/>
+            </a:solidFill>
+            <a:miter lim="800000"/>
+          </a:ln>
+          <a:effectLst>
+            <a:outerShdw blurRad="55000" dist="18000" dir="5400000" algn="tl" rotWithShape="0">
+              <a:srgbClr val="000000">
+                <a:alpha val="40000"/>
+              </a:srgbClr>
+            </a:outerShdw>
+          </a:effectLst>
+          <a:scene3d>
+            <a:camera prst="orthographicFront"/>
+            <a:lightRig rig="twoPt" dir="t">
+              <a:rot lat="0" lon="0" rev="7200000"/>
+            </a:lightRig>
+          </a:scene3d>
+          <a:sp3d>
+            <a:bevelT w="25400" h="19050"/>
+            <a:contourClr>
+              <a:srgbClr val="FFFFFF"/>
+            </a:contourClr>
+          </a:sp3d>
         </p:spPr>
       </p:pic>
     </p:spTree>
     <p:extLst>
       <p:ext uri="{BB962C8B-B14F-4D97-AF65-F5344CB8AC3E}">
-        <p14:creationId xmlns:p14="http://schemas.microsoft.com/office/powerpoint/2010/main" val="2861402453"/>
+        <p14:creationId xmlns:p14="http://schemas.microsoft.com/office/powerpoint/2010/main" val="3885867542"/>
       </p:ext>
     </p:extLst>
   </p:cSld>
@@ -11400,7 +14348,7 @@
 </p:sld>
 </file>
 
-<file path=ppt/slides/slide50.xml><?xml version="1.0" encoding="utf-8"?>
+<file path=ppt/slides/slide60.xml><?xml version="1.0" encoding="utf-8"?>
 <p:sld xmlns:a="http://schemas.openxmlformats.org/drawingml/2006/main" xmlns:r="http://schemas.openxmlformats.org/officeDocument/2006/relationships" xmlns:p="http://schemas.openxmlformats.org/presentationml/2006/main">
   <p:cSld>
     <p:spTree>
@@ -11549,7 +14497,7 @@
 </p:sld>
 </file>
 
-<file path=ppt/slides/slide51.xml><?xml version="1.0" encoding="utf-8"?>
+<file path=ppt/slides/slide61.xml><?xml version="1.0" encoding="utf-8"?>
 <p:sld xmlns:a="http://schemas.openxmlformats.org/drawingml/2006/main" xmlns:r="http://schemas.openxmlformats.org/officeDocument/2006/relationships" xmlns:p="http://schemas.openxmlformats.org/presentationml/2006/main">
   <p:cSld>
     <p:spTree>
@@ -11685,7 +14633,7 @@
 </p:sld>
 </file>
 
-<file path=ppt/slides/slide52.xml><?xml version="1.0" encoding="utf-8"?>
+<file path=ppt/slides/slide62.xml><?xml version="1.0" encoding="utf-8"?>
 <p:sld xmlns:a="http://schemas.openxmlformats.org/drawingml/2006/main" xmlns:r="http://schemas.openxmlformats.org/officeDocument/2006/relationships" xmlns:p="http://schemas.openxmlformats.org/presentationml/2006/main">
   <p:cSld>
     <p:spTree>
@@ -11869,7 +14817,7 @@
 </p:sld>
 </file>
 
-<file path=ppt/slides/slide53.xml><?xml version="1.0" encoding="utf-8"?>
+<file path=ppt/slides/slide63.xml><?xml version="1.0" encoding="utf-8"?>
 <p:sld xmlns:a="http://schemas.openxmlformats.org/drawingml/2006/main" xmlns:r="http://schemas.openxmlformats.org/officeDocument/2006/relationships" xmlns:p="http://schemas.openxmlformats.org/presentationml/2006/main">
   <p:cSld>
     <p:spTree>
@@ -11937,8 +14885,8 @@
               <a:t>Keyboard input: event and </a:t>
             </a:r>
             <a:r>
-              <a:rPr lang="en-US" dirty="0" err="1" smtClean="0"/>
-              <a:t>keycoodes</a:t>
+              <a:rPr lang="en-US" smtClean="0"/>
+              <a:t>keycodes</a:t>
             </a:r>
             <a:endParaRPr lang="en-US" dirty="0"/>
           </a:p>
@@ -11956,17 +14904,20 @@
               <a:rPr lang="en-US" dirty="0" smtClean="0"/>
               <a:t>Game level and scene files</a:t>
             </a:r>
+          </a:p>
+          <a:p>
+            <a:pPr lvl="1"/>
+            <a:r>
+              <a:rPr lang="en-US" dirty="0" smtClean="0"/>
+              <a:t>How to subclass with JavaScript</a:t>
+            </a:r>
             <a:endParaRPr lang="en-US" dirty="0"/>
           </a:p>
           <a:p>
             <a:pPr lvl="0"/>
             <a:r>
-              <a:rPr lang="en-US" smtClean="0"/>
-              <a:t>Audio </a:t>
-            </a:r>
-            <a:r>
-              <a:rPr lang="en-US" dirty="0" smtClean="0"/>
-              <a:t>support</a:t>
+              <a:rPr lang="en-US" dirty="0" smtClean="0"/>
+              <a:t>Audio support</a:t>
             </a:r>
             <a:endParaRPr lang="en-US" dirty="0"/>
           </a:p>
@@ -11985,7 +14936,86 @@
 </p:sld>
 </file>
 
-<file path=ppt/slides/slide6.xml><?xml version="1.0" encoding="utf-8"?>
+<file path=ppt/slides/slide7.xml><?xml version="1.0" encoding="utf-8"?>
+<p:sld xmlns:a="http://schemas.openxmlformats.org/drawingml/2006/main" xmlns:r="http://schemas.openxmlformats.org/officeDocument/2006/relationships" xmlns:p="http://schemas.openxmlformats.org/presentationml/2006/main">
+  <p:cSld>
+    <p:spTree>
+      <p:nvGrpSpPr>
+        <p:cNvPr id="1" name=""/>
+        <p:cNvGrpSpPr/>
+        <p:nvPr/>
+      </p:nvGrpSpPr>
+      <p:grpSpPr>
+        <a:xfrm>
+          <a:off x="0" y="0"/>
+          <a:ext cx="0" cy="0"/>
+          <a:chOff x="0" y="0"/>
+          <a:chExt cx="0" cy="0"/>
+        </a:xfrm>
+      </p:grpSpPr>
+      <p:sp>
+        <p:nvSpPr>
+          <p:cNvPr id="2" name="Title 1"/>
+          <p:cNvSpPr>
+            <a:spLocks noGrp="1"/>
+          </p:cNvSpPr>
+          <p:nvPr>
+            <p:ph type="title"/>
+          </p:nvPr>
+        </p:nvSpPr>
+        <p:spPr/>
+        <p:txBody>
+          <a:bodyPr/>
+          <a:lstStyle/>
+          <a:p>
+            <a:r>
+              <a:rPr lang="en-US" dirty="0" smtClean="0"/>
+              <a:t>4.1: Game Loop Project</a:t>
+            </a:r>
+            <a:endParaRPr lang="en-US" dirty="0"/>
+          </a:p>
+        </p:txBody>
+      </p:sp>
+      <p:pic>
+        <p:nvPicPr>
+          <p:cNvPr id="4" name="Content Placeholder 3"/>
+          <p:cNvPicPr>
+            <a:picLocks noGrp="1" noChangeAspect="1"/>
+          </p:cNvPicPr>
+          <p:nvPr>
+            <p:ph idx="1"/>
+          </p:nvPr>
+        </p:nvPicPr>
+        <p:blipFill>
+          <a:blip r:embed="rId2"/>
+          <a:stretch>
+            <a:fillRect/>
+          </a:stretch>
+        </p:blipFill>
+        <p:spPr>
+          <a:xfrm>
+            <a:off x="1926316" y="1649560"/>
+            <a:ext cx="6181156" cy="4351338"/>
+          </a:xfrm>
+          <a:prstGeom prst="rect">
+            <a:avLst/>
+          </a:prstGeom>
+        </p:spPr>
+      </p:pic>
+    </p:spTree>
+    <p:extLst>
+      <p:ext uri="{BB962C8B-B14F-4D97-AF65-F5344CB8AC3E}">
+        <p14:creationId xmlns:p14="http://schemas.microsoft.com/office/powerpoint/2010/main" val="2861402453"/>
+      </p:ext>
+    </p:extLst>
+  </p:cSld>
+  <p:clrMapOvr>
+    <a:masterClrMapping/>
+  </p:clrMapOvr>
+</p:sld>
+</file>
+
+<file path=ppt/slides/slide8.xml><?xml version="1.0" encoding="utf-8"?>
 <p:sld xmlns:a="http://schemas.openxmlformats.org/drawingml/2006/main" xmlns:r="http://schemas.openxmlformats.org/officeDocument/2006/relationships" xmlns:p="http://schemas.openxmlformats.org/presentationml/2006/main">
   <p:cSld>
     <p:spTree>
@@ -12130,7 +15160,7 @@
 </p:sld>
 </file>
 
-<file path=ppt/slides/slide7.xml><?xml version="1.0" encoding="utf-8"?>
+<file path=ppt/slides/slide9.xml><?xml version="1.0" encoding="utf-8"?>
 <p:sld xmlns:a="http://schemas.openxmlformats.org/drawingml/2006/main" xmlns:r="http://schemas.openxmlformats.org/officeDocument/2006/relationships" xmlns:p="http://schemas.openxmlformats.org/presentationml/2006/main">
   <p:cSld>
     <p:spTree>
@@ -12387,463 +15417,6 @@
     <p:extLst>
       <p:ext uri="{BB962C8B-B14F-4D97-AF65-F5344CB8AC3E}">
         <p14:creationId xmlns:p14="http://schemas.microsoft.com/office/powerpoint/2010/main" val="1753453037"/>
-      </p:ext>
-    </p:extLst>
-  </p:cSld>
-  <p:clrMapOvr>
-    <a:masterClrMapping/>
-  </p:clrMapOvr>
-  <p:timing>
-    <p:tnLst>
-      <p:par>
-        <p:cTn id="1" dur="indefinite" restart="never" nodeType="tmRoot"/>
-      </p:par>
-    </p:tnLst>
-  </p:timing>
-</p:sld>
-</file>
-
-<file path=ppt/slides/slide8.xml><?xml version="1.0" encoding="utf-8"?>
-<p:sld xmlns:a="http://schemas.openxmlformats.org/drawingml/2006/main" xmlns:r="http://schemas.openxmlformats.org/officeDocument/2006/relationships" xmlns:p="http://schemas.openxmlformats.org/presentationml/2006/main">
-  <p:cSld>
-    <p:spTree>
-      <p:nvGrpSpPr>
-        <p:cNvPr id="1" name=""/>
-        <p:cNvGrpSpPr/>
-        <p:nvPr/>
-      </p:nvGrpSpPr>
-      <p:grpSpPr>
-        <a:xfrm>
-          <a:off x="0" y="0"/>
-          <a:ext cx="0" cy="0"/>
-          <a:chOff x="0" y="0"/>
-          <a:chExt cx="0" cy="0"/>
-        </a:xfrm>
-      </p:grpSpPr>
-      <p:pic>
-        <p:nvPicPr>
-          <p:cNvPr id="4" name="Picture 3"/>
-          <p:cNvPicPr>
-            <a:picLocks noChangeAspect="1"/>
-          </p:cNvPicPr>
-          <p:nvPr/>
-        </p:nvPicPr>
-        <p:blipFill>
-          <a:blip r:embed="rId2"/>
-          <a:stretch>
-            <a:fillRect/>
-          </a:stretch>
-        </p:blipFill>
-        <p:spPr>
-          <a:xfrm>
-            <a:off x="4882372" y="493713"/>
-            <a:ext cx="7747778" cy="5683250"/>
-          </a:xfrm>
-          <a:prstGeom prst="rect">
-            <a:avLst/>
-          </a:prstGeom>
-          <a:solidFill>
-            <a:srgbClr val="FFFFFF">
-              <a:shade val="85000"/>
-            </a:srgbClr>
-          </a:solidFill>
-          <a:ln w="88900" cap="sq">
-            <a:solidFill>
-              <a:srgbClr val="FFFFFF"/>
-            </a:solidFill>
-            <a:miter lim="800000"/>
-          </a:ln>
-          <a:effectLst>
-            <a:outerShdw blurRad="55000" dist="18000" dir="5400000" algn="tl" rotWithShape="0">
-              <a:srgbClr val="000000">
-                <a:alpha val="40000"/>
-              </a:srgbClr>
-            </a:outerShdw>
-          </a:effectLst>
-          <a:scene3d>
-            <a:camera prst="orthographicFront"/>
-            <a:lightRig rig="twoPt" dir="t">
-              <a:rot lat="0" lon="0" rev="7200000"/>
-            </a:lightRig>
-          </a:scene3d>
-          <a:sp3d>
-            <a:bevelT w="25400" h="19050"/>
-            <a:contourClr>
-              <a:srgbClr val="FFFFFF"/>
-            </a:contourClr>
-          </a:sp3d>
-        </p:spPr>
-      </p:pic>
-      <p:sp>
-        <p:nvSpPr>
-          <p:cNvPr id="2" name="Title 1"/>
-          <p:cNvSpPr>
-            <a:spLocks noGrp="1"/>
-          </p:cNvSpPr>
-          <p:nvPr>
-            <p:ph type="title"/>
-          </p:nvPr>
-        </p:nvSpPr>
-        <p:spPr/>
-        <p:txBody>
-          <a:bodyPr/>
-          <a:lstStyle/>
-          <a:p>
-            <a:r>
-              <a:rPr lang="en-US" dirty="0" smtClean="0"/>
-              <a:t>4.1: _</a:t>
-            </a:r>
-            <a:r>
-              <a:rPr lang="en-US" dirty="0" err="1" smtClean="0"/>
-              <a:t>runLoop</a:t>
-            </a:r>
-            <a:r>
-              <a:rPr lang="en-US" dirty="0" smtClean="0"/>
-              <a:t>()</a:t>
-            </a:r>
-            <a:endParaRPr lang="en-US" dirty="0"/>
-          </a:p>
-        </p:txBody>
-      </p:sp>
-      <p:sp>
-        <p:nvSpPr>
-          <p:cNvPr id="3" name="Content Placeholder 2"/>
-          <p:cNvSpPr>
-            <a:spLocks noGrp="1"/>
-          </p:cNvSpPr>
-          <p:nvPr>
-            <p:ph idx="1"/>
-          </p:nvPr>
-        </p:nvSpPr>
-        <p:spPr/>
-        <p:txBody>
-          <a:bodyPr/>
-          <a:lstStyle/>
-          <a:p>
-            <a:r>
-              <a:rPr lang="en-US" dirty="0" err="1" smtClean="0"/>
-              <a:t>requestAnimationFrame</a:t>
-            </a:r>
-            <a:r>
-              <a:rPr lang="en-US" dirty="0" smtClean="0"/>
-              <a:t>()</a:t>
-            </a:r>
-          </a:p>
-          <a:p>
-            <a:pPr lvl="1"/>
-            <a:r>
-              <a:rPr lang="en-US" dirty="0" smtClean="0"/>
-              <a:t>.call(class) </a:t>
-            </a:r>
-            <a:r>
-              <a:rPr lang="en-US" dirty="0" smtClean="0">
-                <a:sym typeface="Wingdings" panose="05000000000000000000" pitchFamily="2" charset="2"/>
-              </a:rPr>
-              <a:t> syntax!</a:t>
-            </a:r>
-            <a:endParaRPr lang="en-US" dirty="0" smtClean="0"/>
-          </a:p>
-          <a:p>
-            <a:r>
-              <a:rPr lang="en-US" dirty="0" err="1" smtClean="0"/>
-              <a:t>mIsLoopRunning</a:t>
-            </a:r>
-            <a:r>
-              <a:rPr lang="en-US" dirty="0" smtClean="0"/>
-              <a:t> not checked</a:t>
-            </a:r>
-          </a:p>
-          <a:p>
-            <a:pPr lvl="1"/>
-            <a:r>
-              <a:rPr lang="en-US" dirty="0" smtClean="0"/>
-              <a:t>Will do so later</a:t>
-            </a:r>
-          </a:p>
-          <a:p>
-            <a:r>
-              <a:rPr lang="en-US" dirty="0" smtClean="0"/>
-              <a:t>No input() checking yet</a:t>
-            </a:r>
-          </a:p>
-          <a:p>
-            <a:r>
-              <a:rPr lang="en-US" dirty="0" smtClean="0"/>
-              <a:t>update() and draw()</a:t>
-            </a:r>
-          </a:p>
-          <a:p>
-            <a:pPr lvl="1"/>
-            <a:r>
-              <a:rPr lang="en-US" dirty="0" smtClean="0"/>
-              <a:t>Separated!!</a:t>
-            </a:r>
-          </a:p>
-          <a:p>
-            <a:pPr lvl="1"/>
-            <a:r>
-              <a:rPr lang="en-US" dirty="0" smtClean="0"/>
-              <a:t>No update in draw</a:t>
-            </a:r>
-          </a:p>
-          <a:p>
-            <a:pPr lvl="1"/>
-            <a:r>
-              <a:rPr lang="en-US" dirty="0" smtClean="0"/>
-              <a:t>No draw in update!!</a:t>
-            </a:r>
-            <a:endParaRPr lang="en-US" dirty="0"/>
-          </a:p>
-        </p:txBody>
-      </p:sp>
-      <p:sp>
-        <p:nvSpPr>
-          <p:cNvPr id="5" name="Rounded Rectangle 4"/>
-          <p:cNvSpPr/>
-          <p:nvPr/>
-        </p:nvSpPr>
-        <p:spPr>
-          <a:xfrm>
-            <a:off x="5431849" y="4203290"/>
-            <a:ext cx="6130550" cy="285136"/>
-          </a:xfrm>
-          <a:prstGeom prst="roundRect">
-            <a:avLst/>
-          </a:prstGeom>
-          <a:noFill/>
-          <a:ln w="107950">
-            <a:solidFill>
-              <a:srgbClr val="FF0000"/>
-            </a:solidFill>
-            <a:prstDash val="sysDash"/>
-          </a:ln>
-        </p:spPr>
-        <p:style>
-          <a:lnRef idx="2">
-            <a:schemeClr val="accent1">
-              <a:shade val="50000"/>
-            </a:schemeClr>
-          </a:lnRef>
-          <a:fillRef idx="1">
-            <a:schemeClr val="accent1"/>
-          </a:fillRef>
-          <a:effectRef idx="0">
-            <a:schemeClr val="accent1"/>
-          </a:effectRef>
-          <a:fontRef idx="minor">
-            <a:schemeClr val="lt1"/>
-          </a:fontRef>
-        </p:style>
-        <p:txBody>
-          <a:bodyPr rtlCol="0" anchor="ctr"/>
-          <a:lstStyle/>
-          <a:p>
-            <a:pPr algn="ctr"/>
-            <a:endParaRPr lang="en-US"/>
-          </a:p>
-        </p:txBody>
-      </p:sp>
-      <p:sp>
-        <p:nvSpPr>
-          <p:cNvPr id="7" name="Round Diagonal Corner Rectangle 6"/>
-          <p:cNvSpPr/>
-          <p:nvPr/>
-        </p:nvSpPr>
-        <p:spPr>
-          <a:xfrm>
-            <a:off x="9659421" y="171194"/>
-            <a:ext cx="2645649" cy="723126"/>
-          </a:xfrm>
-          <a:prstGeom prst="round2DiagRect">
-            <a:avLst>
-              <a:gd name="adj1" fmla="val 50000"/>
-              <a:gd name="adj2" fmla="val 0"/>
-            </a:avLst>
-          </a:prstGeom>
-          <a:solidFill>
-            <a:schemeClr val="bg2">
-              <a:lumMod val="90000"/>
-            </a:schemeClr>
-          </a:solidFill>
-        </p:spPr>
-        <p:style>
-          <a:lnRef idx="2">
-            <a:schemeClr val="dk1">
-              <a:shade val="50000"/>
-            </a:schemeClr>
-          </a:lnRef>
-          <a:fillRef idx="1">
-            <a:schemeClr val="dk1"/>
-          </a:fillRef>
-          <a:effectRef idx="0">
-            <a:schemeClr val="dk1"/>
-          </a:effectRef>
-          <a:fontRef idx="minor">
-            <a:schemeClr val="lt1"/>
-          </a:fontRef>
-        </p:style>
-        <p:txBody>
-          <a:bodyPr rtlCol="0" anchor="ctr"/>
-          <a:lstStyle/>
-          <a:p>
-            <a:pPr algn="ctr"/>
-            <a:r>
-              <a:rPr lang="en-US" sz="2000" dirty="0" smtClean="0">
-                <a:solidFill>
-                  <a:schemeClr val="tx1"/>
-                </a:solidFill>
-              </a:rPr>
-              <a:t>Engine_GameLoop.js</a:t>
-            </a:r>
-            <a:endParaRPr lang="en-US" sz="2000" dirty="0">
-              <a:solidFill>
-                <a:schemeClr val="tx1"/>
-              </a:solidFill>
-            </a:endParaRPr>
-          </a:p>
-        </p:txBody>
-      </p:sp>
-    </p:spTree>
-    <p:extLst>
-      <p:ext uri="{BB962C8B-B14F-4D97-AF65-F5344CB8AC3E}">
-        <p14:creationId xmlns:p14="http://schemas.microsoft.com/office/powerpoint/2010/main" val="476540684"/>
-      </p:ext>
-    </p:extLst>
-  </p:cSld>
-  <p:clrMapOvr>
-    <a:masterClrMapping/>
-  </p:clrMapOvr>
-  <p:timing>
-    <p:tnLst>
-      <p:par>
-        <p:cTn id="1" dur="indefinite" restart="never" nodeType="tmRoot"/>
-      </p:par>
-    </p:tnLst>
-  </p:timing>
-</p:sld>
-</file>
-
-<file path=ppt/slides/slide9.xml><?xml version="1.0" encoding="utf-8"?>
-<p:sld xmlns:a="http://schemas.openxmlformats.org/drawingml/2006/main" xmlns:r="http://schemas.openxmlformats.org/officeDocument/2006/relationships" xmlns:p="http://schemas.openxmlformats.org/presentationml/2006/main">
-  <p:cSld>
-    <p:spTree>
-      <p:nvGrpSpPr>
-        <p:cNvPr id="1" name=""/>
-        <p:cNvGrpSpPr/>
-        <p:nvPr/>
-      </p:nvGrpSpPr>
-      <p:grpSpPr>
-        <a:xfrm>
-          <a:off x="0" y="0"/>
-          <a:ext cx="0" cy="0"/>
-          <a:chOff x="0" y="0"/>
-          <a:chExt cx="0" cy="0"/>
-        </a:xfrm>
-      </p:grpSpPr>
-      <p:pic>
-        <p:nvPicPr>
-          <p:cNvPr id="4" name="Picture 3"/>
-          <p:cNvPicPr>
-            <a:picLocks noChangeAspect="1"/>
-          </p:cNvPicPr>
-          <p:nvPr/>
-        </p:nvPicPr>
-        <p:blipFill>
-          <a:blip r:embed="rId2"/>
-          <a:stretch>
-            <a:fillRect/>
-          </a:stretch>
-        </p:blipFill>
-        <p:spPr>
-          <a:xfrm>
-            <a:off x="1855837" y="2324101"/>
-            <a:ext cx="7716788" cy="3744912"/>
-          </a:xfrm>
-          <a:prstGeom prst="rect">
-            <a:avLst/>
-          </a:prstGeom>
-          <a:solidFill>
-            <a:srgbClr val="FFFFFF">
-              <a:shade val="85000"/>
-            </a:srgbClr>
-          </a:solidFill>
-          <a:ln w="88900" cap="sq">
-            <a:solidFill>
-              <a:srgbClr val="FFFFFF"/>
-            </a:solidFill>
-            <a:miter lim="800000"/>
-          </a:ln>
-          <a:effectLst>
-            <a:outerShdw blurRad="55000" dist="18000" dir="5400000" algn="tl" rotWithShape="0">
-              <a:srgbClr val="000000">
-                <a:alpha val="40000"/>
-              </a:srgbClr>
-            </a:outerShdw>
-          </a:effectLst>
-          <a:scene3d>
-            <a:camera prst="orthographicFront"/>
-            <a:lightRig rig="twoPt" dir="t">
-              <a:rot lat="0" lon="0" rev="7200000"/>
-            </a:lightRig>
-          </a:scene3d>
-          <a:sp3d>
-            <a:bevelT w="25400" h="19050"/>
-            <a:contourClr>
-              <a:srgbClr val="FFFFFF"/>
-            </a:contourClr>
-          </a:sp3d>
-        </p:spPr>
-      </p:pic>
-      <p:sp>
-        <p:nvSpPr>
-          <p:cNvPr id="2" name="Title 1"/>
-          <p:cNvSpPr>
-            <a:spLocks noGrp="1"/>
-          </p:cNvSpPr>
-          <p:nvPr>
-            <p:ph type="title"/>
-          </p:nvPr>
-        </p:nvSpPr>
-        <p:spPr/>
-        <p:txBody>
-          <a:bodyPr/>
-          <a:lstStyle/>
-          <a:p>
-            <a:r>
-              <a:rPr lang="en-US" dirty="0" smtClean="0"/>
-              <a:t>4.1: Trigger to start the loop</a:t>
-            </a:r>
-            <a:endParaRPr lang="en-US" dirty="0"/>
-          </a:p>
-        </p:txBody>
-      </p:sp>
-      <p:sp>
-        <p:nvSpPr>
-          <p:cNvPr id="3" name="Content Placeholder 2"/>
-          <p:cNvSpPr>
-            <a:spLocks noGrp="1"/>
-          </p:cNvSpPr>
-          <p:nvPr>
-            <p:ph idx="1"/>
-          </p:nvPr>
-        </p:nvSpPr>
-        <p:spPr/>
-        <p:txBody>
-          <a:bodyPr/>
-          <a:lstStyle/>
-          <a:p>
-            <a:r>
-              <a:rPr lang="en-US" dirty="0" smtClean="0"/>
-              <a:t>Note the initializations</a:t>
-            </a:r>
-            <a:endParaRPr lang="en-US" dirty="0"/>
-          </a:p>
-        </p:txBody>
-      </p:sp>
-    </p:spTree>
-    <p:extLst>
-      <p:ext uri="{BB962C8B-B14F-4D97-AF65-F5344CB8AC3E}">
-        <p14:creationId xmlns:p14="http://schemas.microsoft.com/office/powerpoint/2010/main" val="2428893318"/>
       </p:ext>
     </p:extLst>
   </p:cSld>

--- a/Book-PPT/Chap4.pptx
+++ b/Book-PPT/Chap4.pptx
@@ -574,7 +574,7 @@
           <a:p>
             <a:fld id="{0E6BA319-05E9-49EE-8F99-CA1240CA2757}" type="datetimeFigureOut">
               <a:rPr lang="en-US" smtClean="0"/>
-              <a:t>1/18/2017</a:t>
+              <a:t>7/17/2017</a:t>
             </a:fld>
             <a:endParaRPr lang="en-US"/>
           </a:p>
@@ -778,7 +778,7 @@
           <a:p>
             <a:fld id="{0E6BA319-05E9-49EE-8F99-CA1240CA2757}" type="datetimeFigureOut">
               <a:rPr lang="en-US" smtClean="0"/>
-              <a:t>1/18/2017</a:t>
+              <a:t>7/17/2017</a:t>
             </a:fld>
             <a:endParaRPr lang="en-US"/>
           </a:p>
@@ -1541,7 +1541,7 @@
           <a:p>
             <a:fld id="{0E6BA319-05E9-49EE-8F99-CA1240CA2757}" type="datetimeFigureOut">
               <a:rPr lang="en-US" smtClean="0"/>
-              <a:t>1/18/2017</a:t>
+              <a:t>7/17/2017</a:t>
             </a:fld>
             <a:endParaRPr lang="en-US"/>
           </a:p>
@@ -1797,7 +1797,7 @@
           <a:p>
             <a:fld id="{0E6BA319-05E9-49EE-8F99-CA1240CA2757}" type="datetimeFigureOut">
               <a:rPr lang="en-US" smtClean="0"/>
-              <a:t>1/18/2017</a:t>
+              <a:t>7/17/2017</a:t>
             </a:fld>
             <a:endParaRPr lang="en-US"/>
           </a:p>
@@ -2188,7 +2188,7 @@
           <a:p>
             <a:fld id="{0E6BA319-05E9-49EE-8F99-CA1240CA2757}" type="datetimeFigureOut">
               <a:rPr lang="en-US" smtClean="0"/>
-              <a:t>1/18/2017</a:t>
+              <a:t>7/17/2017</a:t>
             </a:fld>
             <a:endParaRPr lang="en-US"/>
           </a:p>
@@ -2330,7 +2330,7 @@
           <a:p>
             <a:fld id="{0E6BA319-05E9-49EE-8F99-CA1240CA2757}" type="datetimeFigureOut">
               <a:rPr lang="en-US" smtClean="0"/>
-              <a:t>1/18/2017</a:t>
+              <a:t>7/17/2017</a:t>
             </a:fld>
             <a:endParaRPr lang="en-US"/>
           </a:p>
@@ -2449,7 +2449,7 @@
           <a:p>
             <a:fld id="{0E6BA319-05E9-49EE-8F99-CA1240CA2757}" type="datetimeFigureOut">
               <a:rPr lang="en-US" smtClean="0"/>
-              <a:t>1/18/2017</a:t>
+              <a:t>7/17/2017</a:t>
             </a:fld>
             <a:endParaRPr lang="en-US"/>
           </a:p>
@@ -2750,7 +2750,7 @@
           <a:p>
             <a:fld id="{0E6BA319-05E9-49EE-8F99-CA1240CA2757}" type="datetimeFigureOut">
               <a:rPr lang="en-US" smtClean="0"/>
-              <a:t>1/18/2017</a:t>
+              <a:t>7/17/2017</a:t>
             </a:fld>
             <a:endParaRPr lang="en-US"/>
           </a:p>
@@ -3027,7 +3027,7 @@
           <a:p>
             <a:fld id="{0E6BA319-05E9-49EE-8F99-CA1240CA2757}" type="datetimeFigureOut">
               <a:rPr lang="en-US" smtClean="0"/>
-              <a:t>1/18/2017</a:t>
+              <a:t>7/17/2017</a:t>
             </a:fld>
             <a:endParaRPr lang="en-US"/>
           </a:p>
@@ -10141,16 +10141,7 @@
                 </a:solidFill>
                 <a:sym typeface="Wingdings" panose="05000000000000000000" pitchFamily="2" charset="2"/>
               </a:rPr>
-              <a:t> </a:t>
-            </a:r>
-            <a:r>
-              <a:rPr lang="en-US" b="1" dirty="0" smtClean="0">
-                <a:solidFill>
-                  <a:srgbClr val="FF0000"/>
-                </a:solidFill>
-                <a:sym typeface="Wingdings" panose="05000000000000000000" pitchFamily="2" charset="2"/>
-              </a:rPr>
-              <a:t>1</a:t>
+              <a:t> 1</a:t>
             </a:r>
             <a:endParaRPr lang="en-US" b="1" dirty="0">
               <a:solidFill>
@@ -11955,7 +11946,15 @@
           <a:p>
             <a:r>
               <a:rPr lang="en-US" dirty="0" smtClean="0"/>
-              <a:t>What is Frame/Second?</a:t>
+              <a:t>What is </a:t>
+            </a:r>
+            <a:r>
+              <a:rPr lang="en-US" dirty="0" smtClean="0"/>
+              <a:t>the Frame/Second</a:t>
+            </a:r>
+            <a:r>
+              <a:rPr lang="en-US" dirty="0" smtClean="0"/>
+              <a:t>?</a:t>
             </a:r>
           </a:p>
           <a:p>
@@ -14113,16 +14112,29 @@
             <p:ph idx="1"/>
           </p:nvPr>
         </p:nvSpPr>
-        <p:spPr/>
+        <p:spPr>
+          <a:xfrm>
+            <a:off x="838200" y="1825625"/>
+            <a:ext cx="10912692" cy="4351338"/>
+          </a:xfrm>
+        </p:spPr>
         <p:txBody>
           <a:bodyPr>
-            <a:normAutofit/>
+            <a:normAutofit lnSpcReduction="10000"/>
           </a:bodyPr>
           <a:lstStyle/>
           <a:p>
             <a:r>
               <a:rPr lang="en-US" dirty="0" smtClean="0"/>
-              <a:t>What is Frame/Second?  </a:t>
+              <a:t>What </a:t>
+            </a:r>
+            <a:r>
+              <a:rPr lang="en-US" dirty="0" smtClean="0"/>
+              <a:t>is the </a:t>
+            </a:r>
+            <a:r>
+              <a:rPr lang="en-US" dirty="0" smtClean="0"/>
+              <a:t>Frame/Second?  </a:t>
             </a:r>
             <a:r>
               <a:rPr lang="en-US" dirty="0" smtClean="0">
@@ -14222,16 +14234,7 @@
                 </a:solidFill>
                 <a:sym typeface="Wingdings" panose="05000000000000000000" pitchFamily="2" charset="2"/>
               </a:rPr>
-              <a:t>When </a:t>
-            </a:r>
-            <a:r>
-              <a:rPr lang="en-US" dirty="0" err="1" smtClean="0">
-                <a:solidFill>
-                  <a:srgbClr val="FF0000"/>
-                </a:solidFill>
-                <a:sym typeface="Wingdings" panose="05000000000000000000" pitchFamily="2" charset="2"/>
-              </a:rPr>
-              <a:t>elapsedTime</a:t>
+              <a:t>No input/draw tied together</a:t>
             </a:r>
             <a:r>
               <a:rPr lang="en-US" dirty="0" smtClean="0">
@@ -14240,7 +14243,7 @@
                 </a:solidFill>
                 <a:sym typeface="Wingdings" panose="05000000000000000000" pitchFamily="2" charset="2"/>
               </a:rPr>
-              <a:t> is short (&lt;UPDATE_TIME_RATE)</a:t>
+              <a:t/>
             </a:r>
             <a:br>
               <a:rPr lang="en-US" dirty="0" smtClean="0">
@@ -14256,14 +14259,11 @@
             <a:pPr lvl="1"/>
             <a:r>
               <a:rPr lang="en-US" dirty="0" smtClean="0"/>
-              <a:t>Multiple draw() calls per update()</a:t>
-            </a:r>
-          </a:p>
-          <a:p>
-            <a:pPr lvl="1"/>
-            <a:r>
-              <a:rPr lang="en-US" dirty="0" smtClean="0"/>
-              <a:t>Multiple draw() calls per input()</a:t>
+              <a:t>Multiple draw() calls per update</a:t>
+            </a:r>
+            <a:r>
+              <a:rPr lang="en-US" dirty="0" smtClean="0"/>
+              <a:t>()</a:t>
             </a:r>
           </a:p>
           <a:p>
@@ -14275,7 +14275,53 @@
                 </a:solidFill>
                 <a:sym typeface="Wingdings" panose="05000000000000000000" pitchFamily="2" charset="2"/>
               </a:rPr>
-              <a:t>NO for the above two!!</a:t>
+              <a:t>Yes: when running way ahead, no need </a:t>
+            </a:r>
+            <a:r>
+              <a:rPr lang="en-US" smtClean="0">
+                <a:solidFill>
+                  <a:srgbClr val="FF0000"/>
+                </a:solidFill>
+                <a:sym typeface="Wingdings" panose="05000000000000000000" pitchFamily="2" charset="2"/>
+              </a:rPr>
+              <a:t>to update</a:t>
+            </a:r>
+            <a:br>
+              <a:rPr lang="en-US" smtClean="0">
+                <a:solidFill>
+                  <a:srgbClr val="FF0000"/>
+                </a:solidFill>
+                <a:sym typeface="Wingdings" panose="05000000000000000000" pitchFamily="2" charset="2"/>
+              </a:rPr>
+            </a:br>
+            <a:r>
+              <a:rPr lang="en-US" smtClean="0">
+                <a:solidFill>
+                  <a:srgbClr val="FF0000"/>
+                </a:solidFill>
+                <a:sym typeface="Wingdings" panose="05000000000000000000" pitchFamily="2" charset="2"/>
+              </a:rPr>
+              <a:t> </a:t>
+            </a:r>
+            <a:endParaRPr lang="en-US" dirty="0" smtClean="0"/>
+          </a:p>
+          <a:p>
+            <a:pPr lvl="1"/>
+            <a:r>
+              <a:rPr lang="en-US" dirty="0" smtClean="0"/>
+              <a:t>Multiple draw() calls per input()</a:t>
+            </a:r>
+          </a:p>
+          <a:p>
+            <a:pPr lvl="2"/>
+            <a:r>
+              <a:rPr lang="en-US" dirty="0" smtClean="0">
+                <a:solidFill>
+                  <a:srgbClr val="FF0000"/>
+                </a:solidFill>
+                <a:sym typeface="Wingdings" panose="05000000000000000000" pitchFamily="2" charset="2"/>
+              </a:rPr>
+              <a:t>NO: input/draw tied!!</a:t>
             </a:r>
             <a:endParaRPr lang="en-US" dirty="0" smtClean="0"/>
           </a:p>
